--- a/ServerLecture/PT/7강 네트워크 프레임워크 활용.pptx
+++ b/ServerLecture/PT/7강 네트워크 프레임워크 활용.pptx
@@ -5,14 +5,31 @@
     <p:sldMasterId id="2147483648" r:id="rId1"/>
   </p:sldMasterIdLst>
   <p:notesMasterIdLst>
-    <p:notesMasterId r:id="rId7"/>
+    <p:notesMasterId r:id="rId24"/>
   </p:notesMasterIdLst>
   <p:sldIdLst>
     <p:sldId id="258" r:id="rId2"/>
     <p:sldId id="441" r:id="rId3"/>
     <p:sldId id="442" r:id="rId4"/>
-    <p:sldId id="443" r:id="rId5"/>
-    <p:sldId id="440" r:id="rId6"/>
+    <p:sldId id="452" r:id="rId5"/>
+    <p:sldId id="444" r:id="rId6"/>
+    <p:sldId id="443" r:id="rId7"/>
+    <p:sldId id="445" r:id="rId8"/>
+    <p:sldId id="453" r:id="rId9"/>
+    <p:sldId id="454" r:id="rId10"/>
+    <p:sldId id="455" r:id="rId11"/>
+    <p:sldId id="446" r:id="rId12"/>
+    <p:sldId id="447" r:id="rId13"/>
+    <p:sldId id="449" r:id="rId14"/>
+    <p:sldId id="450" r:id="rId15"/>
+    <p:sldId id="451" r:id="rId16"/>
+    <p:sldId id="456" r:id="rId17"/>
+    <p:sldId id="457" r:id="rId18"/>
+    <p:sldId id="458" r:id="rId19"/>
+    <p:sldId id="459" r:id="rId20"/>
+    <p:sldId id="460" r:id="rId21"/>
+    <p:sldId id="461" r:id="rId22"/>
+    <p:sldId id="462" r:id="rId23"/>
   </p:sldIdLst>
   <p:sldSz cx="12192000" cy="6858000"/>
   <p:notesSz cx="6858000" cy="9144000"/>
@@ -201,7 +218,7 @@
           <a:p>
             <a:fld id="{92DE4670-D2EA-419C-9389-B32AFEA1458F}" type="datetimeFigureOut">
               <a:rPr lang="ko-KR" altLang="en-US" smtClean="0"/>
-              <a:t>2023-10-01</a:t>
+              <a:t>2023-10-27</a:t>
             </a:fld>
             <a:endParaRPr lang="ko-KR" altLang="en-US"/>
           </a:p>
@@ -468,90 +485,6 @@
 </p:notesMaster>
 </file>
 
-<file path=ppt/notesSlides/notesSlide1.xml><?xml version="1.0" encoding="utf-8"?>
-<p:notes xmlns:a="http://schemas.openxmlformats.org/drawingml/2006/main" xmlns:r="http://schemas.openxmlformats.org/officeDocument/2006/relationships" xmlns:p="http://schemas.openxmlformats.org/presentationml/2006/main">
-  <p:cSld>
-    <p:spTree>
-      <p:nvGrpSpPr>
-        <p:cNvPr id="1" name=""/>
-        <p:cNvGrpSpPr/>
-        <p:nvPr/>
-      </p:nvGrpSpPr>
-      <p:grpSpPr>
-        <a:xfrm>
-          <a:off x="0" y="0"/>
-          <a:ext cx="0" cy="0"/>
-          <a:chOff x="0" y="0"/>
-          <a:chExt cx="0" cy="0"/>
-        </a:xfrm>
-      </p:grpSpPr>
-      <p:sp>
-        <p:nvSpPr>
-          <p:cNvPr id="2" name="슬라이드 이미지 개체 틀 1"/>
-          <p:cNvSpPr>
-            <a:spLocks noGrp="1" noRot="1" noChangeAspect="1"/>
-          </p:cNvSpPr>
-          <p:nvPr>
-            <p:ph type="sldImg"/>
-          </p:nvPr>
-        </p:nvSpPr>
-        <p:spPr/>
-      </p:sp>
-      <p:sp>
-        <p:nvSpPr>
-          <p:cNvPr id="3" name="슬라이드 노트 개체 틀 2"/>
-          <p:cNvSpPr>
-            <a:spLocks noGrp="1"/>
-          </p:cNvSpPr>
-          <p:nvPr>
-            <p:ph type="body" idx="1"/>
-          </p:nvPr>
-        </p:nvSpPr>
-        <p:spPr/>
-        <p:txBody>
-          <a:bodyPr/>
-          <a:lstStyle/>
-          <a:p>
-            <a:endParaRPr lang="ko-KR" altLang="en-US" dirty="0"/>
-          </a:p>
-        </p:txBody>
-      </p:sp>
-      <p:sp>
-        <p:nvSpPr>
-          <p:cNvPr id="4" name="슬라이드 번호 개체 틀 3"/>
-          <p:cNvSpPr>
-            <a:spLocks noGrp="1"/>
-          </p:cNvSpPr>
-          <p:nvPr>
-            <p:ph type="sldNum" sz="quarter" idx="5"/>
-          </p:nvPr>
-        </p:nvSpPr>
-        <p:spPr/>
-        <p:txBody>
-          <a:bodyPr/>
-          <a:lstStyle/>
-          <a:p>
-            <a:fld id="{D8DCC404-E41A-4BC0-921C-BBFB3AB1AB4E}" type="slidenum">
-              <a:rPr lang="ko-KR" altLang="en-US" smtClean="0"/>
-              <a:t>5</a:t>
-            </a:fld>
-            <a:endParaRPr lang="ko-KR" altLang="en-US"/>
-          </a:p>
-        </p:txBody>
-      </p:sp>
-    </p:spTree>
-    <p:extLst>
-      <p:ext uri="{BB962C8B-B14F-4D97-AF65-F5344CB8AC3E}">
-        <p14:creationId xmlns:p14="http://schemas.microsoft.com/office/powerpoint/2010/main" val="2128535531"/>
-      </p:ext>
-    </p:extLst>
-  </p:cSld>
-  <p:clrMapOvr>
-    <a:masterClrMapping/>
-  </p:clrMapOvr>
-</p:notes>
-</file>
-
 <file path=ppt/slideLayouts/slideLayout1.xml><?xml version="1.0" encoding="utf-8"?>
 <p:sldLayout xmlns:a="http://schemas.openxmlformats.org/drawingml/2006/main" xmlns:r="http://schemas.openxmlformats.org/officeDocument/2006/relationships" xmlns:p="http://schemas.openxmlformats.org/presentationml/2006/main" type="title" preserve="1">
   <p:cSld name="제목 슬라이드">
@@ -699,7 +632,7 @@
           <a:p>
             <a:fld id="{7A9AB57D-3C09-4330-86F3-2D874A2CB244}" type="datetimeFigureOut">
               <a:rPr lang="ko-KR" altLang="en-US" smtClean="0"/>
-              <a:t>2023-10-01</a:t>
+              <a:t>2023-10-27</a:t>
             </a:fld>
             <a:endParaRPr lang="ko-KR" altLang="en-US"/>
           </a:p>
@@ -897,7 +830,7 @@
           <a:p>
             <a:fld id="{7A9AB57D-3C09-4330-86F3-2D874A2CB244}" type="datetimeFigureOut">
               <a:rPr lang="ko-KR" altLang="en-US" smtClean="0"/>
-              <a:t>2023-10-01</a:t>
+              <a:t>2023-10-27</a:t>
             </a:fld>
             <a:endParaRPr lang="ko-KR" altLang="en-US"/>
           </a:p>
@@ -1105,7 +1038,7 @@
           <a:p>
             <a:fld id="{7A9AB57D-3C09-4330-86F3-2D874A2CB244}" type="datetimeFigureOut">
               <a:rPr lang="ko-KR" altLang="en-US" smtClean="0"/>
-              <a:t>2023-10-01</a:t>
+              <a:t>2023-10-27</a:t>
             </a:fld>
             <a:endParaRPr lang="ko-KR" altLang="en-US"/>
           </a:p>
@@ -1303,7 +1236,7 @@
           <a:p>
             <a:fld id="{7A9AB57D-3C09-4330-86F3-2D874A2CB244}" type="datetimeFigureOut">
               <a:rPr lang="ko-KR" altLang="en-US" smtClean="0"/>
-              <a:t>2023-10-01</a:t>
+              <a:t>2023-10-27</a:t>
             </a:fld>
             <a:endParaRPr lang="ko-KR" altLang="en-US"/>
           </a:p>
@@ -1578,7 +1511,7 @@
           <a:p>
             <a:fld id="{7A9AB57D-3C09-4330-86F3-2D874A2CB244}" type="datetimeFigureOut">
               <a:rPr lang="ko-KR" altLang="en-US" smtClean="0"/>
-              <a:t>2023-10-01</a:t>
+              <a:t>2023-10-27</a:t>
             </a:fld>
             <a:endParaRPr lang="ko-KR" altLang="en-US"/>
           </a:p>
@@ -1843,7 +1776,7 @@
           <a:p>
             <a:fld id="{7A9AB57D-3C09-4330-86F3-2D874A2CB244}" type="datetimeFigureOut">
               <a:rPr lang="ko-KR" altLang="en-US" smtClean="0"/>
-              <a:t>2023-10-01</a:t>
+              <a:t>2023-10-27</a:t>
             </a:fld>
             <a:endParaRPr lang="ko-KR" altLang="en-US"/>
           </a:p>
@@ -2255,7 +2188,7 @@
           <a:p>
             <a:fld id="{7A9AB57D-3C09-4330-86F3-2D874A2CB244}" type="datetimeFigureOut">
               <a:rPr lang="ko-KR" altLang="en-US" smtClean="0"/>
-              <a:t>2023-10-01</a:t>
+              <a:t>2023-10-27</a:t>
             </a:fld>
             <a:endParaRPr lang="ko-KR" altLang="en-US"/>
           </a:p>
@@ -2396,7 +2329,7 @@
           <a:p>
             <a:fld id="{7A9AB57D-3C09-4330-86F3-2D874A2CB244}" type="datetimeFigureOut">
               <a:rPr lang="ko-KR" altLang="en-US" smtClean="0"/>
-              <a:t>2023-10-01</a:t>
+              <a:t>2023-10-27</a:t>
             </a:fld>
             <a:endParaRPr lang="ko-KR" altLang="en-US"/>
           </a:p>
@@ -2509,7 +2442,7 @@
           <a:p>
             <a:fld id="{7A9AB57D-3C09-4330-86F3-2D874A2CB244}" type="datetimeFigureOut">
               <a:rPr lang="ko-KR" altLang="en-US" smtClean="0"/>
-              <a:t>2023-10-01</a:t>
+              <a:t>2023-10-27</a:t>
             </a:fld>
             <a:endParaRPr lang="ko-KR" altLang="en-US"/>
           </a:p>
@@ -2820,7 +2753,7 @@
           <a:p>
             <a:fld id="{7A9AB57D-3C09-4330-86F3-2D874A2CB244}" type="datetimeFigureOut">
               <a:rPr lang="ko-KR" altLang="en-US" smtClean="0"/>
-              <a:t>2023-10-01</a:t>
+              <a:t>2023-10-27</a:t>
             </a:fld>
             <a:endParaRPr lang="ko-KR" altLang="en-US"/>
           </a:p>
@@ -3108,7 +3041,7 @@
           <a:p>
             <a:fld id="{7A9AB57D-3C09-4330-86F3-2D874A2CB244}" type="datetimeFigureOut">
               <a:rPr lang="ko-KR" altLang="en-US" smtClean="0"/>
-              <a:t>2023-10-01</a:t>
+              <a:t>2023-10-27</a:t>
             </a:fld>
             <a:endParaRPr lang="ko-KR" altLang="en-US"/>
           </a:p>
@@ -3349,7 +3282,7 @@
           <a:p>
             <a:fld id="{7A9AB57D-3C09-4330-86F3-2D874A2CB244}" type="datetimeFigureOut">
               <a:rPr lang="ko-KR" altLang="en-US" smtClean="0"/>
-              <a:t>2023-10-01</a:t>
+              <a:t>2023-10-27</a:t>
             </a:fld>
             <a:endParaRPr lang="ko-KR" altLang="en-US"/>
           </a:p>
@@ -3914,7 +3847,719 @@
 </p:sld>
 </file>
 
-<file path=ppt/slides/slide2.xml><?xml version="1.0" encoding="utf-8"?>
+<file path=ppt/slides/slide10.xml><?xml version="1.0" encoding="utf-8"?>
+<p:sld xmlns:a="http://schemas.openxmlformats.org/drawingml/2006/main" xmlns:r="http://schemas.openxmlformats.org/officeDocument/2006/relationships" xmlns:p="http://schemas.openxmlformats.org/presentationml/2006/main">
+  <p:cSld>
+    <p:spTree>
+      <p:nvGrpSpPr>
+        <p:cNvPr id="1" name=""/>
+        <p:cNvGrpSpPr/>
+        <p:nvPr/>
+      </p:nvGrpSpPr>
+      <p:grpSpPr>
+        <a:xfrm>
+          <a:off x="0" y="0"/>
+          <a:ext cx="0" cy="0"/>
+          <a:chOff x="0" y="0"/>
+          <a:chExt cx="0" cy="0"/>
+        </a:xfrm>
+      </p:grpSpPr>
+      <p:sp>
+        <p:nvSpPr>
+          <p:cNvPr id="3" name="직사각형 2">
+            <a:extLst>
+              <a:ext uri="{FF2B5EF4-FFF2-40B4-BE49-F238E27FC236}">
+                <a16:creationId xmlns:a16="http://schemas.microsoft.com/office/drawing/2014/main" id="{55435521-BF96-43FE-A06E-039938A5E834}"/>
+              </a:ext>
+            </a:extLst>
+          </p:cNvPr>
+          <p:cNvSpPr/>
+          <p:nvPr/>
+        </p:nvSpPr>
+        <p:spPr>
+          <a:xfrm>
+            <a:off x="0" y="339365"/>
+            <a:ext cx="3619893" cy="1221117"/>
+          </a:xfrm>
+          <a:prstGeom prst="rect">
+            <a:avLst/>
+          </a:prstGeom>
+          <a:solidFill>
+            <a:schemeClr val="tx1"/>
+          </a:solidFill>
+          <a:ln>
+            <a:solidFill>
+              <a:schemeClr val="tx1"/>
+            </a:solidFill>
+          </a:ln>
+        </p:spPr>
+        <p:style>
+          <a:lnRef idx="2">
+            <a:schemeClr val="accent1">
+              <a:shade val="50000"/>
+            </a:schemeClr>
+          </a:lnRef>
+          <a:fillRef idx="1">
+            <a:schemeClr val="accent1"/>
+          </a:fillRef>
+          <a:effectRef idx="0">
+            <a:schemeClr val="accent1"/>
+          </a:effectRef>
+          <a:fontRef idx="minor">
+            <a:schemeClr val="lt1"/>
+          </a:fontRef>
+        </p:style>
+        <p:txBody>
+          <a:bodyPr rtlCol="0" anchor="ctr"/>
+          <a:lstStyle/>
+          <a:p>
+            <a:pPr algn="ctr"/>
+            <a:r>
+              <a:rPr lang="ko-KR" altLang="en-US" sz="4400" dirty="0">
+                <a:solidFill>
+                  <a:schemeClr val="bg1"/>
+                </a:solidFill>
+                <a:latin typeface="태나다체 " panose="02000000000000000000" pitchFamily="2" charset="-127"/>
+                <a:ea typeface="태나다체 " panose="02000000000000000000" pitchFamily="2" charset="-127"/>
+              </a:rPr>
+              <a:t>참조 추가</a:t>
+            </a:r>
+            <a:endParaRPr lang="en-US" altLang="ko-KR" sz="4400" dirty="0">
+              <a:solidFill>
+                <a:schemeClr val="bg1"/>
+              </a:solidFill>
+              <a:latin typeface="태나다체 " panose="02000000000000000000" pitchFamily="2" charset="-127"/>
+              <a:ea typeface="태나다체 " panose="02000000000000000000" pitchFamily="2" charset="-127"/>
+            </a:endParaRPr>
+          </a:p>
+        </p:txBody>
+      </p:sp>
+      <p:pic>
+        <p:nvPicPr>
+          <p:cNvPr id="2" name="그림 1">
+            <a:extLst>
+              <a:ext uri="{FF2B5EF4-FFF2-40B4-BE49-F238E27FC236}">
+                <a16:creationId xmlns:a16="http://schemas.microsoft.com/office/drawing/2014/main" id="{E313CEEE-A4C3-4608-B5CC-5840FC70B091}"/>
+              </a:ext>
+            </a:extLst>
+          </p:cNvPr>
+          <p:cNvPicPr>
+            <a:picLocks noChangeAspect="1"/>
+          </p:cNvPicPr>
+          <p:nvPr/>
+        </p:nvPicPr>
+        <p:blipFill>
+          <a:blip r:embed="rId2"/>
+          <a:stretch>
+            <a:fillRect/>
+          </a:stretch>
+        </p:blipFill>
+        <p:spPr>
+          <a:xfrm>
+            <a:off x="2509337" y="2022208"/>
+            <a:ext cx="7173326" cy="4496427"/>
+          </a:xfrm>
+          <a:prstGeom prst="rect">
+            <a:avLst/>
+          </a:prstGeom>
+        </p:spPr>
+      </p:pic>
+      <p:sp>
+        <p:nvSpPr>
+          <p:cNvPr id="5" name="부제목 2">
+            <a:extLst>
+              <a:ext uri="{FF2B5EF4-FFF2-40B4-BE49-F238E27FC236}">
+                <a16:creationId xmlns:a16="http://schemas.microsoft.com/office/drawing/2014/main" id="{A8509EF4-5215-4CE1-936F-8E74283C3381}"/>
+              </a:ext>
+            </a:extLst>
+          </p:cNvPr>
+          <p:cNvSpPr txBox="1">
+            <a:spLocks/>
+          </p:cNvSpPr>
+          <p:nvPr/>
+        </p:nvSpPr>
+        <p:spPr>
+          <a:xfrm>
+            <a:off x="2893525" y="650702"/>
+            <a:ext cx="9874014" cy="1140643"/>
+          </a:xfrm>
+          <a:prstGeom prst="rect">
+            <a:avLst/>
+          </a:prstGeom>
+        </p:spPr>
+        <p:txBody>
+          <a:bodyPr vert="horz" lIns="91440" tIns="45720" rIns="91440" bIns="45720" rtlCol="0" anchor="ctr">
+            <a:normAutofit/>
+          </a:bodyPr>
+          <a:lstStyle>
+            <a:lvl1pPr marL="228600" indent="-228600" algn="l" defTabSz="914400" rtl="0" eaLnBrk="1" latinLnBrk="1" hangingPunct="1">
+              <a:lnSpc>
+                <a:spcPct val="90000"/>
+              </a:lnSpc>
+              <a:spcBef>
+                <a:spcPts val="1000"/>
+              </a:spcBef>
+              <a:buFont typeface="Arial" panose="020B0604020202020204" pitchFamily="34" charset="0"/>
+              <a:buChar char="•"/>
+              <a:defRPr sz="2800" kern="1200">
+                <a:solidFill>
+                  <a:schemeClr val="tx1"/>
+                </a:solidFill>
+                <a:latin typeface="+mn-lt"/>
+                <a:ea typeface="+mn-ea"/>
+                <a:cs typeface="+mn-cs"/>
+              </a:defRPr>
+            </a:lvl1pPr>
+            <a:lvl2pPr marL="685800" indent="-228600" algn="l" defTabSz="914400" rtl="0" eaLnBrk="1" latinLnBrk="1" hangingPunct="1">
+              <a:lnSpc>
+                <a:spcPct val="90000"/>
+              </a:lnSpc>
+              <a:spcBef>
+                <a:spcPts val="500"/>
+              </a:spcBef>
+              <a:buFont typeface="Arial" panose="020B0604020202020204" pitchFamily="34" charset="0"/>
+              <a:buChar char="•"/>
+              <a:defRPr sz="2400" kern="1200">
+                <a:solidFill>
+                  <a:schemeClr val="tx1"/>
+                </a:solidFill>
+                <a:latin typeface="+mn-lt"/>
+                <a:ea typeface="+mn-ea"/>
+                <a:cs typeface="+mn-cs"/>
+              </a:defRPr>
+            </a:lvl2pPr>
+            <a:lvl3pPr marL="1143000" indent="-228600" algn="l" defTabSz="914400" rtl="0" eaLnBrk="1" latinLnBrk="1" hangingPunct="1">
+              <a:lnSpc>
+                <a:spcPct val="90000"/>
+              </a:lnSpc>
+              <a:spcBef>
+                <a:spcPts val="500"/>
+              </a:spcBef>
+              <a:buFont typeface="Arial" panose="020B0604020202020204" pitchFamily="34" charset="0"/>
+              <a:buChar char="•"/>
+              <a:defRPr sz="2000" kern="1200">
+                <a:solidFill>
+                  <a:schemeClr val="tx1"/>
+                </a:solidFill>
+                <a:latin typeface="+mn-lt"/>
+                <a:ea typeface="+mn-ea"/>
+                <a:cs typeface="+mn-cs"/>
+              </a:defRPr>
+            </a:lvl3pPr>
+            <a:lvl4pPr marL="1600200" indent="-228600" algn="l" defTabSz="914400" rtl="0" eaLnBrk="1" latinLnBrk="1" hangingPunct="1">
+              <a:lnSpc>
+                <a:spcPct val="90000"/>
+              </a:lnSpc>
+              <a:spcBef>
+                <a:spcPts val="500"/>
+              </a:spcBef>
+              <a:buFont typeface="Arial" panose="020B0604020202020204" pitchFamily="34" charset="0"/>
+              <a:buChar char="•"/>
+              <a:defRPr sz="1800" kern="1200">
+                <a:solidFill>
+                  <a:schemeClr val="tx1"/>
+                </a:solidFill>
+                <a:latin typeface="+mn-lt"/>
+                <a:ea typeface="+mn-ea"/>
+                <a:cs typeface="+mn-cs"/>
+              </a:defRPr>
+            </a:lvl4pPr>
+            <a:lvl5pPr marL="2057400" indent="-228600" algn="l" defTabSz="914400" rtl="0" eaLnBrk="1" latinLnBrk="1" hangingPunct="1">
+              <a:lnSpc>
+                <a:spcPct val="90000"/>
+              </a:lnSpc>
+              <a:spcBef>
+                <a:spcPts val="500"/>
+              </a:spcBef>
+              <a:buFont typeface="Arial" panose="020B0604020202020204" pitchFamily="34" charset="0"/>
+              <a:buChar char="•"/>
+              <a:defRPr sz="1800" kern="1200">
+                <a:solidFill>
+                  <a:schemeClr val="tx1"/>
+                </a:solidFill>
+                <a:latin typeface="+mn-lt"/>
+                <a:ea typeface="+mn-ea"/>
+                <a:cs typeface="+mn-cs"/>
+              </a:defRPr>
+            </a:lvl5pPr>
+            <a:lvl6pPr marL="2514600" indent="-228600" algn="l" defTabSz="914400" rtl="0" eaLnBrk="1" latinLnBrk="1" hangingPunct="1">
+              <a:lnSpc>
+                <a:spcPct val="90000"/>
+              </a:lnSpc>
+              <a:spcBef>
+                <a:spcPts val="500"/>
+              </a:spcBef>
+              <a:buFont typeface="Arial" panose="020B0604020202020204" pitchFamily="34" charset="0"/>
+              <a:buChar char="•"/>
+              <a:defRPr sz="1800" kern="1200">
+                <a:solidFill>
+                  <a:schemeClr val="tx1"/>
+                </a:solidFill>
+                <a:latin typeface="+mn-lt"/>
+                <a:ea typeface="+mn-ea"/>
+                <a:cs typeface="+mn-cs"/>
+              </a:defRPr>
+            </a:lvl6pPr>
+            <a:lvl7pPr marL="2971800" indent="-228600" algn="l" defTabSz="914400" rtl="0" eaLnBrk="1" latinLnBrk="1" hangingPunct="1">
+              <a:lnSpc>
+                <a:spcPct val="90000"/>
+              </a:lnSpc>
+              <a:spcBef>
+                <a:spcPts val="500"/>
+              </a:spcBef>
+              <a:buFont typeface="Arial" panose="020B0604020202020204" pitchFamily="34" charset="0"/>
+              <a:buChar char="•"/>
+              <a:defRPr sz="1800" kern="1200">
+                <a:solidFill>
+                  <a:schemeClr val="tx1"/>
+                </a:solidFill>
+                <a:latin typeface="+mn-lt"/>
+                <a:ea typeface="+mn-ea"/>
+                <a:cs typeface="+mn-cs"/>
+              </a:defRPr>
+            </a:lvl7pPr>
+            <a:lvl8pPr marL="3429000" indent="-228600" algn="l" defTabSz="914400" rtl="0" eaLnBrk="1" latinLnBrk="1" hangingPunct="1">
+              <a:lnSpc>
+                <a:spcPct val="90000"/>
+              </a:lnSpc>
+              <a:spcBef>
+                <a:spcPts val="500"/>
+              </a:spcBef>
+              <a:buFont typeface="Arial" panose="020B0604020202020204" pitchFamily="34" charset="0"/>
+              <a:buChar char="•"/>
+              <a:defRPr sz="1800" kern="1200">
+                <a:solidFill>
+                  <a:schemeClr val="tx1"/>
+                </a:solidFill>
+                <a:latin typeface="+mn-lt"/>
+                <a:ea typeface="+mn-ea"/>
+                <a:cs typeface="+mn-cs"/>
+              </a:defRPr>
+            </a:lvl8pPr>
+            <a:lvl9pPr marL="3886200" indent="-228600" algn="l" defTabSz="914400" rtl="0" eaLnBrk="1" latinLnBrk="1" hangingPunct="1">
+              <a:lnSpc>
+                <a:spcPct val="90000"/>
+              </a:lnSpc>
+              <a:spcBef>
+                <a:spcPts val="500"/>
+              </a:spcBef>
+              <a:buFont typeface="Arial" panose="020B0604020202020204" pitchFamily="34" charset="0"/>
+              <a:buChar char="•"/>
+              <a:defRPr sz="1800" kern="1200">
+                <a:solidFill>
+                  <a:schemeClr val="tx1"/>
+                </a:solidFill>
+                <a:latin typeface="+mn-lt"/>
+                <a:ea typeface="+mn-ea"/>
+                <a:cs typeface="+mn-cs"/>
+              </a:defRPr>
+            </a:lvl9pPr>
+          </a:lstStyle>
+          <a:p>
+            <a:pPr marL="0" indent="0" algn="ctr">
+              <a:buNone/>
+            </a:pPr>
+            <a:r>
+              <a:rPr lang="ko-KR" altLang="en-US" sz="4800" dirty="0">
+                <a:latin typeface="배달의민족 주아" panose="02020603020101020101" pitchFamily="18" charset="-127"/>
+                <a:ea typeface="배달의민족 주아" panose="02020603020101020101" pitchFamily="18" charset="-127"/>
+              </a:rPr>
+              <a:t>아까 </a:t>
+            </a:r>
+            <a:r>
+              <a:rPr lang="ko-KR" altLang="en-US" sz="4800" dirty="0" err="1">
+                <a:latin typeface="배달의민족 주아" panose="02020603020101020101" pitchFamily="18" charset="-127"/>
+                <a:ea typeface="배달의민족 주아" panose="02020603020101020101" pitchFamily="18" charset="-127"/>
+              </a:rPr>
+              <a:t>옮겨둔</a:t>
+            </a:r>
+            <a:r>
+              <a:rPr lang="ko-KR" altLang="en-US" sz="4800" dirty="0">
+                <a:latin typeface="배달의민족 주아" panose="02020603020101020101" pitchFamily="18" charset="-127"/>
+                <a:ea typeface="배달의민족 주아" panose="02020603020101020101" pitchFamily="18" charset="-127"/>
+              </a:rPr>
+              <a:t> </a:t>
+            </a:r>
+            <a:r>
+              <a:rPr lang="en-US" altLang="ko-KR" sz="4800" dirty="0" err="1">
+                <a:latin typeface="배달의민족 주아" panose="02020603020101020101" pitchFamily="18" charset="-127"/>
+                <a:ea typeface="배달의민족 주아" panose="02020603020101020101" pitchFamily="18" charset="-127"/>
+              </a:rPr>
+              <a:t>dll</a:t>
+            </a:r>
+            <a:r>
+              <a:rPr lang="en-US" altLang="ko-KR" sz="4800" dirty="0">
+                <a:latin typeface="배달의민족 주아" panose="02020603020101020101" pitchFamily="18" charset="-127"/>
+                <a:ea typeface="배달의민족 주아" panose="02020603020101020101" pitchFamily="18" charset="-127"/>
+              </a:rPr>
+              <a:t> </a:t>
+            </a:r>
+            <a:r>
+              <a:rPr lang="ko-KR" altLang="en-US" sz="4800" dirty="0">
+                <a:latin typeface="배달의민족 주아" panose="02020603020101020101" pitchFamily="18" charset="-127"/>
+                <a:ea typeface="배달의민족 주아" panose="02020603020101020101" pitchFamily="18" charset="-127"/>
+              </a:rPr>
+              <a:t>파일 추가</a:t>
+            </a:r>
+          </a:p>
+        </p:txBody>
+      </p:sp>
+    </p:spTree>
+    <p:extLst>
+      <p:ext uri="{BB962C8B-B14F-4D97-AF65-F5344CB8AC3E}">
+        <p14:creationId xmlns:p14="http://schemas.microsoft.com/office/powerpoint/2010/main" val="684143133"/>
+      </p:ext>
+    </p:extLst>
+  </p:cSld>
+  <p:clrMapOvr>
+    <a:masterClrMapping/>
+  </p:clrMapOvr>
+</p:sld>
+</file>
+
+<file path=ppt/slides/slide11.xml><?xml version="1.0" encoding="utf-8"?>
+<p:sld xmlns:a="http://schemas.openxmlformats.org/drawingml/2006/main" xmlns:r="http://schemas.openxmlformats.org/officeDocument/2006/relationships" xmlns:p="http://schemas.openxmlformats.org/presentationml/2006/main">
+  <p:cSld>
+    <p:spTree>
+      <p:nvGrpSpPr>
+        <p:cNvPr id="1" name=""/>
+        <p:cNvGrpSpPr/>
+        <p:nvPr/>
+      </p:nvGrpSpPr>
+      <p:grpSpPr>
+        <a:xfrm>
+          <a:off x="0" y="0"/>
+          <a:ext cx="0" cy="0"/>
+          <a:chOff x="0" y="0"/>
+          <a:chExt cx="0" cy="0"/>
+        </a:xfrm>
+      </p:grpSpPr>
+      <p:sp>
+        <p:nvSpPr>
+          <p:cNvPr id="2" name="TextBox 1">
+            <a:extLst>
+              <a:ext uri="{FF2B5EF4-FFF2-40B4-BE49-F238E27FC236}">
+                <a16:creationId xmlns:a16="http://schemas.microsoft.com/office/drawing/2014/main" id="{77BEEA75-1C03-4B45-BAB1-168B6E88842E}"/>
+              </a:ext>
+            </a:extLst>
+          </p:cNvPr>
+          <p:cNvSpPr txBox="1"/>
+          <p:nvPr/>
+        </p:nvSpPr>
+        <p:spPr>
+          <a:xfrm>
+            <a:off x="3706305" y="3459777"/>
+            <a:ext cx="4779390" cy="707886"/>
+          </a:xfrm>
+          <a:prstGeom prst="rect">
+            <a:avLst/>
+          </a:prstGeom>
+          <a:noFill/>
+        </p:spPr>
+        <p:txBody>
+          <a:bodyPr wrap="square" rtlCol="0">
+            <a:spAutoFit/>
+          </a:bodyPr>
+          <a:lstStyle/>
+          <a:p>
+            <a:pPr algn="ctr"/>
+            <a:r>
+              <a:rPr lang="ko-KR" altLang="en-US" sz="4000" dirty="0">
+                <a:latin typeface="배달의민족 주아" panose="02020603020101020101" pitchFamily="18" charset="-127"/>
+                <a:ea typeface="배달의민족 주아" panose="02020603020101020101" pitchFamily="18" charset="-127"/>
+                <a:hlinkClick r:id="rId2"/>
+              </a:rPr>
+              <a:t>코드 바로가기</a:t>
+            </a:r>
+            <a:endParaRPr lang="ko-KR" altLang="en-US" sz="4000" dirty="0">
+              <a:latin typeface="배달의민족 주아" panose="02020603020101020101" pitchFamily="18" charset="-127"/>
+              <a:ea typeface="배달의민족 주아" panose="02020603020101020101" pitchFamily="18" charset="-127"/>
+            </a:endParaRPr>
+          </a:p>
+        </p:txBody>
+      </p:sp>
+      <p:sp>
+        <p:nvSpPr>
+          <p:cNvPr id="3" name="직사각형 2">
+            <a:extLst>
+              <a:ext uri="{FF2B5EF4-FFF2-40B4-BE49-F238E27FC236}">
+                <a16:creationId xmlns:a16="http://schemas.microsoft.com/office/drawing/2014/main" id="{55435521-BF96-43FE-A06E-039938A5E834}"/>
+              </a:ext>
+            </a:extLst>
+          </p:cNvPr>
+          <p:cNvSpPr/>
+          <p:nvPr/>
+        </p:nvSpPr>
+        <p:spPr>
+          <a:xfrm>
+            <a:off x="0" y="339365"/>
+            <a:ext cx="3619893" cy="1221117"/>
+          </a:xfrm>
+          <a:prstGeom prst="rect">
+            <a:avLst/>
+          </a:prstGeom>
+          <a:solidFill>
+            <a:schemeClr val="tx1"/>
+          </a:solidFill>
+          <a:ln>
+            <a:solidFill>
+              <a:schemeClr val="tx1"/>
+            </a:solidFill>
+          </a:ln>
+        </p:spPr>
+        <p:style>
+          <a:lnRef idx="2">
+            <a:schemeClr val="accent1">
+              <a:shade val="50000"/>
+            </a:schemeClr>
+          </a:lnRef>
+          <a:fillRef idx="1">
+            <a:schemeClr val="accent1"/>
+          </a:fillRef>
+          <a:effectRef idx="0">
+            <a:schemeClr val="accent1"/>
+          </a:effectRef>
+          <a:fontRef idx="minor">
+            <a:schemeClr val="lt1"/>
+          </a:fontRef>
+        </p:style>
+        <p:txBody>
+          <a:bodyPr rtlCol="0" anchor="ctr"/>
+          <a:lstStyle/>
+          <a:p>
+            <a:pPr algn="ctr"/>
+            <a:r>
+              <a:rPr lang="en-US" altLang="ko-KR" sz="4400" dirty="0">
+                <a:solidFill>
+                  <a:schemeClr val="bg1"/>
+                </a:solidFill>
+                <a:latin typeface="태나다체 " panose="02000000000000000000" pitchFamily="2" charset="-127"/>
+                <a:ea typeface="태나다체 " panose="02000000000000000000" pitchFamily="2" charset="-127"/>
+              </a:rPr>
+              <a:t>Packets</a:t>
+            </a:r>
+          </a:p>
+        </p:txBody>
+      </p:sp>
+      <p:sp>
+        <p:nvSpPr>
+          <p:cNvPr id="7" name="부제목 2">
+            <a:extLst>
+              <a:ext uri="{FF2B5EF4-FFF2-40B4-BE49-F238E27FC236}">
+                <a16:creationId xmlns:a16="http://schemas.microsoft.com/office/drawing/2014/main" id="{55541CA3-D99A-4028-83DA-B5863224BD7E}"/>
+              </a:ext>
+            </a:extLst>
+          </p:cNvPr>
+          <p:cNvSpPr txBox="1">
+            <a:spLocks/>
+          </p:cNvSpPr>
+          <p:nvPr/>
+        </p:nvSpPr>
+        <p:spPr>
+          <a:xfrm>
+            <a:off x="1158993" y="2573770"/>
+            <a:ext cx="9874014" cy="1140643"/>
+          </a:xfrm>
+          <a:prstGeom prst="rect">
+            <a:avLst/>
+          </a:prstGeom>
+        </p:spPr>
+        <p:txBody>
+          <a:bodyPr vert="horz" lIns="91440" tIns="45720" rIns="91440" bIns="45720" rtlCol="0" anchor="ctr">
+            <a:normAutofit/>
+          </a:bodyPr>
+          <a:lstStyle>
+            <a:lvl1pPr marL="228600" indent="-228600" algn="l" defTabSz="914400" rtl="0" eaLnBrk="1" latinLnBrk="1" hangingPunct="1">
+              <a:lnSpc>
+                <a:spcPct val="90000"/>
+              </a:lnSpc>
+              <a:spcBef>
+                <a:spcPts val="1000"/>
+              </a:spcBef>
+              <a:buFont typeface="Arial" panose="020B0604020202020204" pitchFamily="34" charset="0"/>
+              <a:buChar char="•"/>
+              <a:defRPr sz="2800" kern="1200">
+                <a:solidFill>
+                  <a:schemeClr val="tx1"/>
+                </a:solidFill>
+                <a:latin typeface="+mn-lt"/>
+                <a:ea typeface="+mn-ea"/>
+                <a:cs typeface="+mn-cs"/>
+              </a:defRPr>
+            </a:lvl1pPr>
+            <a:lvl2pPr marL="685800" indent="-228600" algn="l" defTabSz="914400" rtl="0" eaLnBrk="1" latinLnBrk="1" hangingPunct="1">
+              <a:lnSpc>
+                <a:spcPct val="90000"/>
+              </a:lnSpc>
+              <a:spcBef>
+                <a:spcPts val="500"/>
+              </a:spcBef>
+              <a:buFont typeface="Arial" panose="020B0604020202020204" pitchFamily="34" charset="0"/>
+              <a:buChar char="•"/>
+              <a:defRPr sz="2400" kern="1200">
+                <a:solidFill>
+                  <a:schemeClr val="tx1"/>
+                </a:solidFill>
+                <a:latin typeface="+mn-lt"/>
+                <a:ea typeface="+mn-ea"/>
+                <a:cs typeface="+mn-cs"/>
+              </a:defRPr>
+            </a:lvl2pPr>
+            <a:lvl3pPr marL="1143000" indent="-228600" algn="l" defTabSz="914400" rtl="0" eaLnBrk="1" latinLnBrk="1" hangingPunct="1">
+              <a:lnSpc>
+                <a:spcPct val="90000"/>
+              </a:lnSpc>
+              <a:spcBef>
+                <a:spcPts val="500"/>
+              </a:spcBef>
+              <a:buFont typeface="Arial" panose="020B0604020202020204" pitchFamily="34" charset="0"/>
+              <a:buChar char="•"/>
+              <a:defRPr sz="2000" kern="1200">
+                <a:solidFill>
+                  <a:schemeClr val="tx1"/>
+                </a:solidFill>
+                <a:latin typeface="+mn-lt"/>
+                <a:ea typeface="+mn-ea"/>
+                <a:cs typeface="+mn-cs"/>
+              </a:defRPr>
+            </a:lvl3pPr>
+            <a:lvl4pPr marL="1600200" indent="-228600" algn="l" defTabSz="914400" rtl="0" eaLnBrk="1" latinLnBrk="1" hangingPunct="1">
+              <a:lnSpc>
+                <a:spcPct val="90000"/>
+              </a:lnSpc>
+              <a:spcBef>
+                <a:spcPts val="500"/>
+              </a:spcBef>
+              <a:buFont typeface="Arial" panose="020B0604020202020204" pitchFamily="34" charset="0"/>
+              <a:buChar char="•"/>
+              <a:defRPr sz="1800" kern="1200">
+                <a:solidFill>
+                  <a:schemeClr val="tx1"/>
+                </a:solidFill>
+                <a:latin typeface="+mn-lt"/>
+                <a:ea typeface="+mn-ea"/>
+                <a:cs typeface="+mn-cs"/>
+              </a:defRPr>
+            </a:lvl4pPr>
+            <a:lvl5pPr marL="2057400" indent="-228600" algn="l" defTabSz="914400" rtl="0" eaLnBrk="1" latinLnBrk="1" hangingPunct="1">
+              <a:lnSpc>
+                <a:spcPct val="90000"/>
+              </a:lnSpc>
+              <a:spcBef>
+                <a:spcPts val="500"/>
+              </a:spcBef>
+              <a:buFont typeface="Arial" panose="020B0604020202020204" pitchFamily="34" charset="0"/>
+              <a:buChar char="•"/>
+              <a:defRPr sz="1800" kern="1200">
+                <a:solidFill>
+                  <a:schemeClr val="tx1"/>
+                </a:solidFill>
+                <a:latin typeface="+mn-lt"/>
+                <a:ea typeface="+mn-ea"/>
+                <a:cs typeface="+mn-cs"/>
+              </a:defRPr>
+            </a:lvl5pPr>
+            <a:lvl6pPr marL="2514600" indent="-228600" algn="l" defTabSz="914400" rtl="0" eaLnBrk="1" latinLnBrk="1" hangingPunct="1">
+              <a:lnSpc>
+                <a:spcPct val="90000"/>
+              </a:lnSpc>
+              <a:spcBef>
+                <a:spcPts val="500"/>
+              </a:spcBef>
+              <a:buFont typeface="Arial" panose="020B0604020202020204" pitchFamily="34" charset="0"/>
+              <a:buChar char="•"/>
+              <a:defRPr sz="1800" kern="1200">
+                <a:solidFill>
+                  <a:schemeClr val="tx1"/>
+                </a:solidFill>
+                <a:latin typeface="+mn-lt"/>
+                <a:ea typeface="+mn-ea"/>
+                <a:cs typeface="+mn-cs"/>
+              </a:defRPr>
+            </a:lvl6pPr>
+            <a:lvl7pPr marL="2971800" indent="-228600" algn="l" defTabSz="914400" rtl="0" eaLnBrk="1" latinLnBrk="1" hangingPunct="1">
+              <a:lnSpc>
+                <a:spcPct val="90000"/>
+              </a:lnSpc>
+              <a:spcBef>
+                <a:spcPts val="500"/>
+              </a:spcBef>
+              <a:buFont typeface="Arial" panose="020B0604020202020204" pitchFamily="34" charset="0"/>
+              <a:buChar char="•"/>
+              <a:defRPr sz="1800" kern="1200">
+                <a:solidFill>
+                  <a:schemeClr val="tx1"/>
+                </a:solidFill>
+                <a:latin typeface="+mn-lt"/>
+                <a:ea typeface="+mn-ea"/>
+                <a:cs typeface="+mn-cs"/>
+              </a:defRPr>
+            </a:lvl7pPr>
+            <a:lvl8pPr marL="3429000" indent="-228600" algn="l" defTabSz="914400" rtl="0" eaLnBrk="1" latinLnBrk="1" hangingPunct="1">
+              <a:lnSpc>
+                <a:spcPct val="90000"/>
+              </a:lnSpc>
+              <a:spcBef>
+                <a:spcPts val="500"/>
+              </a:spcBef>
+              <a:buFont typeface="Arial" panose="020B0604020202020204" pitchFamily="34" charset="0"/>
+              <a:buChar char="•"/>
+              <a:defRPr sz="1800" kern="1200">
+                <a:solidFill>
+                  <a:schemeClr val="tx1"/>
+                </a:solidFill>
+                <a:latin typeface="+mn-lt"/>
+                <a:ea typeface="+mn-ea"/>
+                <a:cs typeface="+mn-cs"/>
+              </a:defRPr>
+            </a:lvl8pPr>
+            <a:lvl9pPr marL="3886200" indent="-228600" algn="l" defTabSz="914400" rtl="0" eaLnBrk="1" latinLnBrk="1" hangingPunct="1">
+              <a:lnSpc>
+                <a:spcPct val="90000"/>
+              </a:lnSpc>
+              <a:spcBef>
+                <a:spcPts val="500"/>
+              </a:spcBef>
+              <a:buFont typeface="Arial" panose="020B0604020202020204" pitchFamily="34" charset="0"/>
+              <a:buChar char="•"/>
+              <a:defRPr sz="1800" kern="1200">
+                <a:solidFill>
+                  <a:schemeClr val="tx1"/>
+                </a:solidFill>
+                <a:latin typeface="+mn-lt"/>
+                <a:ea typeface="+mn-ea"/>
+                <a:cs typeface="+mn-cs"/>
+              </a:defRPr>
+            </a:lvl9pPr>
+          </a:lstStyle>
+          <a:p>
+            <a:pPr marL="0" indent="0" algn="ctr">
+              <a:buNone/>
+            </a:pPr>
+            <a:r>
+              <a:rPr lang="ko-KR" altLang="en-US" sz="4800" dirty="0">
+                <a:latin typeface="배달의민족 주아" panose="02020603020101020101" pitchFamily="18" charset="-127"/>
+                <a:ea typeface="배달의민족 주아" panose="02020603020101020101" pitchFamily="18" charset="-127"/>
+              </a:rPr>
+              <a:t>코드 구현</a:t>
+            </a:r>
+          </a:p>
+        </p:txBody>
+      </p:sp>
+    </p:spTree>
+    <p:extLst>
+      <p:ext uri="{BB962C8B-B14F-4D97-AF65-F5344CB8AC3E}">
+        <p14:creationId xmlns:p14="http://schemas.microsoft.com/office/powerpoint/2010/main" val="3369022527"/>
+      </p:ext>
+    </p:extLst>
+  </p:cSld>
+  <p:clrMapOvr>
+    <a:masterClrMapping/>
+  </p:clrMapOvr>
+</p:sld>
+</file>
+
+<file path=ppt/slides/slide12.xml><?xml version="1.0" encoding="utf-8"?>
 <p:sld xmlns:a="http://schemas.openxmlformats.org/drawingml/2006/main" xmlns:r="http://schemas.openxmlformats.org/officeDocument/2006/relationships" xmlns:p="http://schemas.openxmlformats.org/presentationml/2006/main">
   <p:cSld>
     <p:spTree>
@@ -4076,14 +4721,14 @@
           <a:p>
             <a:pPr algn="ctr"/>
             <a:r>
-              <a:rPr lang="en-US" altLang="ko-KR" sz="6000" dirty="0">
+              <a:rPr lang="en-US" altLang="ko-KR" sz="5400" dirty="0">
                 <a:solidFill>
                   <a:schemeClr val="bg1"/>
                 </a:solidFill>
                 <a:latin typeface="태나다체 " panose="02000000000000000000" pitchFamily="2" charset="-127"/>
                 <a:ea typeface="태나다체 " panose="02000000000000000000" pitchFamily="2" charset="-127"/>
               </a:rPr>
-              <a:t>TITLE</a:t>
+              <a:t>Server</a:t>
             </a:r>
             <a:endParaRPr lang="ko-KR" altLang="en-US" sz="5400" dirty="0">
               <a:solidFill>
@@ -4098,7 +4743,7 @@
     </p:spTree>
     <p:extLst>
       <p:ext uri="{BB962C8B-B14F-4D97-AF65-F5344CB8AC3E}">
-        <p14:creationId xmlns:p14="http://schemas.microsoft.com/office/powerpoint/2010/main" val="1566170208"/>
+        <p14:creationId xmlns:p14="http://schemas.microsoft.com/office/powerpoint/2010/main" val="2101997120"/>
       </p:ext>
     </p:extLst>
   </p:cSld>
@@ -4108,7 +4753,7 @@
 </p:sld>
 </file>
 
-<file path=ppt/slides/slide3.xml><?xml version="1.0" encoding="utf-8"?>
+<file path=ppt/slides/slide13.xml><?xml version="1.0" encoding="utf-8"?>
 <p:sld xmlns:a="http://schemas.openxmlformats.org/drawingml/2006/main" xmlns:r="http://schemas.openxmlformats.org/officeDocument/2006/relationships" xmlns:p="http://schemas.openxmlformats.org/presentationml/2006/main">
   <p:cSld>
     <p:spTree>
@@ -4130,7 +4775,7 @@
           <p:cNvPr id="3" name="직사각형 2">
             <a:extLst>
               <a:ext uri="{FF2B5EF4-FFF2-40B4-BE49-F238E27FC236}">
-                <a16:creationId xmlns:a16="http://schemas.microsoft.com/office/drawing/2014/main" id="{28C1391D-2B82-4823-8669-EA714C00C404}"/>
+                <a16:creationId xmlns:a16="http://schemas.microsoft.com/office/drawing/2014/main" id="{55435521-BF96-43FE-A06E-039938A5E834}"/>
               </a:ext>
             </a:extLst>
           </p:cNvPr>
@@ -4176,22 +4821,65 @@
           <a:p>
             <a:pPr algn="ctr"/>
             <a:r>
-              <a:rPr lang="en-US" altLang="ko-KR" sz="4800" dirty="0">
+              <a:rPr lang="ko-KR" altLang="en-US" sz="4400" dirty="0">
                 <a:solidFill>
                   <a:schemeClr val="bg1"/>
                 </a:solidFill>
                 <a:latin typeface="태나다체 " panose="02000000000000000000" pitchFamily="2" charset="-127"/>
                 <a:ea typeface="태나다체 " panose="02000000000000000000" pitchFamily="2" charset="-127"/>
               </a:rPr>
-              <a:t>SUBTITLE</a:t>
-            </a:r>
-          </a:p>
-        </p:txBody>
-      </p:sp>
+              <a:t>프로젝트 추가</a:t>
+            </a:r>
+            <a:endParaRPr lang="en-US" altLang="ko-KR" sz="4400" dirty="0">
+              <a:solidFill>
+                <a:schemeClr val="bg1"/>
+              </a:solidFill>
+              <a:latin typeface="태나다체 " panose="02000000000000000000" pitchFamily="2" charset="-127"/>
+              <a:ea typeface="태나다체 " panose="02000000000000000000" pitchFamily="2" charset="-127"/>
+            </a:endParaRPr>
+          </a:p>
+        </p:txBody>
+      </p:sp>
+      <p:pic>
+        <p:nvPicPr>
+          <p:cNvPr id="5" name="그림 4">
+            <a:extLst>
+              <a:ext uri="{FF2B5EF4-FFF2-40B4-BE49-F238E27FC236}">
+                <a16:creationId xmlns:a16="http://schemas.microsoft.com/office/drawing/2014/main" id="{B47F9F65-A710-4FC3-8367-017E171AB05E}"/>
+              </a:ext>
+            </a:extLst>
+          </p:cNvPr>
+          <p:cNvPicPr>
+            <a:picLocks noChangeAspect="1"/>
+          </p:cNvPicPr>
+          <p:nvPr/>
+        </p:nvPicPr>
+        <p:blipFill>
+          <a:blip r:embed="rId2">
+            <a:extLst>
+              <a:ext uri="{28A0092B-C50C-407E-A947-70E740481C1C}">
+                <a14:useLocalDpi xmlns:a14="http://schemas.microsoft.com/office/drawing/2010/main" val="0"/>
+              </a:ext>
+            </a:extLst>
+          </a:blip>
+          <a:stretch>
+            <a:fillRect/>
+          </a:stretch>
+        </p:blipFill>
+        <p:spPr>
+          <a:xfrm>
+            <a:off x="4214075" y="846741"/>
+            <a:ext cx="7358996" cy="5164517"/>
+          </a:xfrm>
+          <a:prstGeom prst="rect">
+            <a:avLst/>
+          </a:prstGeom>
+        </p:spPr>
+      </p:pic>
     </p:spTree>
     <p:extLst>
       <p:ext uri="{BB962C8B-B14F-4D97-AF65-F5344CB8AC3E}">
-        <p14:creationId xmlns:p14="http://schemas.microsoft.com/office/powerpoint/2010/main" val="2605929107"/>
+        <p14:creationId xmlns:p14="http://schemas.microsoft.com/office/powerpoint/2010/main" val="3465036175"/>
       </p:ext>
     </p:extLst>
   </p:cSld>
@@ -4201,7 +4889,7 @@
 </p:sld>
 </file>
 
-<file path=ppt/slides/slide4.xml><?xml version="1.0" encoding="utf-8"?>
+<file path=ppt/slides/slide14.xml><?xml version="1.0" encoding="utf-8"?>
 <p:sld xmlns:a="http://schemas.openxmlformats.org/drawingml/2006/main" xmlns:r="http://schemas.openxmlformats.org/officeDocument/2006/relationships" xmlns:p="http://schemas.openxmlformats.org/presentationml/2006/main">
   <p:cSld>
     <p:spTree>
@@ -4218,42 +4906,12 @@
           <a:chExt cx="0" cy="0"/>
         </a:xfrm>
       </p:grpSpPr>
-    </p:spTree>
-    <p:extLst>
-      <p:ext uri="{BB962C8B-B14F-4D97-AF65-F5344CB8AC3E}">
-        <p14:creationId xmlns:p14="http://schemas.microsoft.com/office/powerpoint/2010/main" val="3012699667"/>
-      </p:ext>
-    </p:extLst>
-  </p:cSld>
-  <p:clrMapOvr>
-    <a:masterClrMapping/>
-  </p:clrMapOvr>
-</p:sld>
-</file>
-
-<file path=ppt/slides/slide5.xml><?xml version="1.0" encoding="utf-8"?>
-<p:sld xmlns:a="http://schemas.openxmlformats.org/drawingml/2006/main" xmlns:r="http://schemas.openxmlformats.org/officeDocument/2006/relationships" xmlns:p="http://schemas.openxmlformats.org/presentationml/2006/main">
-  <p:cSld>
-    <p:spTree>
-      <p:nvGrpSpPr>
-        <p:cNvPr id="1" name=""/>
-        <p:cNvGrpSpPr/>
-        <p:nvPr/>
-      </p:nvGrpSpPr>
-      <p:grpSpPr>
-        <a:xfrm>
-          <a:off x="0" y="0"/>
-          <a:ext cx="0" cy="0"/>
-          <a:chOff x="0" y="0"/>
-          <a:chExt cx="0" cy="0"/>
-        </a:xfrm>
-      </p:grpSpPr>
-      <p:sp>
-        <p:nvSpPr>
-          <p:cNvPr id="5" name="직사각형 4">
-            <a:extLst>
-              <a:ext uri="{FF2B5EF4-FFF2-40B4-BE49-F238E27FC236}">
-                <a16:creationId xmlns:a16="http://schemas.microsoft.com/office/drawing/2014/main" id="{ECA5A7B0-7187-44C5-89AC-324A66A4AA36}"/>
+      <p:sp>
+        <p:nvSpPr>
+          <p:cNvPr id="3" name="직사각형 2">
+            <a:extLst>
+              <a:ext uri="{FF2B5EF4-FFF2-40B4-BE49-F238E27FC236}">
+                <a16:creationId xmlns:a16="http://schemas.microsoft.com/office/drawing/2014/main" id="{55435521-BF96-43FE-A06E-039938A5E834}"/>
               </a:ext>
             </a:extLst>
           </p:cNvPr>
@@ -4262,16 +4920,14 @@
         </p:nvSpPr>
         <p:spPr>
           <a:xfrm>
-            <a:off x="245097" y="188536"/>
-            <a:ext cx="12192000" cy="6858000"/>
+            <a:off x="0" y="339365"/>
+            <a:ext cx="3619893" cy="1221117"/>
           </a:xfrm>
           <a:prstGeom prst="rect">
             <a:avLst/>
           </a:prstGeom>
           <a:solidFill>
-            <a:schemeClr val="tx1">
-              <a:alpha val="65000"/>
-            </a:schemeClr>
+            <a:schemeClr val="tx1"/>
           </a:solidFill>
           <a:ln>
             <a:solidFill>
@@ -4300,16 +4956,991 @@
           <a:lstStyle/>
           <a:p>
             <a:pPr algn="ctr"/>
-            <a:endParaRPr lang="ko-KR" altLang="en-US" sz="1600" dirty="0"/>
-          </a:p>
-        </p:txBody>
-      </p:sp>
+            <a:r>
+              <a:rPr lang="ko-KR" altLang="en-US" sz="4400" dirty="0">
+                <a:solidFill>
+                  <a:schemeClr val="bg1"/>
+                </a:solidFill>
+                <a:latin typeface="태나다체 " panose="02000000000000000000" pitchFamily="2" charset="-127"/>
+                <a:ea typeface="태나다체 " panose="02000000000000000000" pitchFamily="2" charset="-127"/>
+              </a:rPr>
+              <a:t>참조 추가</a:t>
+            </a:r>
+            <a:endParaRPr lang="en-US" altLang="ko-KR" sz="4400" dirty="0">
+              <a:solidFill>
+                <a:schemeClr val="bg1"/>
+              </a:solidFill>
+              <a:latin typeface="태나다체 " panose="02000000000000000000" pitchFamily="2" charset="-127"/>
+              <a:ea typeface="태나다체 " panose="02000000000000000000" pitchFamily="2" charset="-127"/>
+            </a:endParaRPr>
+          </a:p>
+        </p:txBody>
+      </p:sp>
+      <p:pic>
+        <p:nvPicPr>
+          <p:cNvPr id="2" name="그림 1">
+            <a:extLst>
+              <a:ext uri="{FF2B5EF4-FFF2-40B4-BE49-F238E27FC236}">
+                <a16:creationId xmlns:a16="http://schemas.microsoft.com/office/drawing/2014/main" id="{28A30F9A-618A-400E-9514-E19A948277E6}"/>
+              </a:ext>
+            </a:extLst>
+          </p:cNvPr>
+          <p:cNvPicPr>
+            <a:picLocks noChangeAspect="1"/>
+          </p:cNvPicPr>
+          <p:nvPr/>
+        </p:nvPicPr>
+        <p:blipFill>
+          <a:blip r:embed="rId2"/>
+          <a:stretch>
+            <a:fillRect/>
+          </a:stretch>
+        </p:blipFill>
+        <p:spPr>
+          <a:xfrm>
+            <a:off x="4806564" y="1205003"/>
+            <a:ext cx="6500423" cy="4938188"/>
+          </a:xfrm>
+          <a:prstGeom prst="rect">
+            <a:avLst/>
+          </a:prstGeom>
+        </p:spPr>
+      </p:pic>
+    </p:spTree>
+    <p:extLst>
+      <p:ext uri="{BB962C8B-B14F-4D97-AF65-F5344CB8AC3E}">
+        <p14:creationId xmlns:p14="http://schemas.microsoft.com/office/powerpoint/2010/main" val="2573705375"/>
+      </p:ext>
+    </p:extLst>
+  </p:cSld>
+  <p:clrMapOvr>
+    <a:masterClrMapping/>
+  </p:clrMapOvr>
+</p:sld>
+</file>
+
+<file path=ppt/slides/slide15.xml><?xml version="1.0" encoding="utf-8"?>
+<p:sld xmlns:a="http://schemas.openxmlformats.org/drawingml/2006/main" xmlns:r="http://schemas.openxmlformats.org/officeDocument/2006/relationships" xmlns:p="http://schemas.openxmlformats.org/presentationml/2006/main">
+  <p:cSld>
+    <p:spTree>
+      <p:nvGrpSpPr>
+        <p:cNvPr id="1" name=""/>
+        <p:cNvGrpSpPr/>
+        <p:nvPr/>
+      </p:nvGrpSpPr>
+      <p:grpSpPr>
+        <a:xfrm>
+          <a:off x="0" y="0"/>
+          <a:ext cx="0" cy="0"/>
+          <a:chOff x="0" y="0"/>
+          <a:chExt cx="0" cy="0"/>
+        </a:xfrm>
+      </p:grpSpPr>
+      <p:sp>
+        <p:nvSpPr>
+          <p:cNvPr id="3" name="직사각형 2">
+            <a:extLst>
+              <a:ext uri="{FF2B5EF4-FFF2-40B4-BE49-F238E27FC236}">
+                <a16:creationId xmlns:a16="http://schemas.microsoft.com/office/drawing/2014/main" id="{55435521-BF96-43FE-A06E-039938A5E834}"/>
+              </a:ext>
+            </a:extLst>
+          </p:cNvPr>
+          <p:cNvSpPr/>
+          <p:nvPr/>
+        </p:nvSpPr>
+        <p:spPr>
+          <a:xfrm>
+            <a:off x="0" y="339365"/>
+            <a:ext cx="3619893" cy="1221117"/>
+          </a:xfrm>
+          <a:prstGeom prst="rect">
+            <a:avLst/>
+          </a:prstGeom>
+          <a:solidFill>
+            <a:schemeClr val="tx1"/>
+          </a:solidFill>
+          <a:ln>
+            <a:solidFill>
+              <a:schemeClr val="tx1"/>
+            </a:solidFill>
+          </a:ln>
+        </p:spPr>
+        <p:style>
+          <a:lnRef idx="2">
+            <a:schemeClr val="accent1">
+              <a:shade val="50000"/>
+            </a:schemeClr>
+          </a:lnRef>
+          <a:fillRef idx="1">
+            <a:schemeClr val="accent1"/>
+          </a:fillRef>
+          <a:effectRef idx="0">
+            <a:schemeClr val="accent1"/>
+          </a:effectRef>
+          <a:fontRef idx="minor">
+            <a:schemeClr val="lt1"/>
+          </a:fontRef>
+        </p:style>
+        <p:txBody>
+          <a:bodyPr rtlCol="0" anchor="ctr"/>
+          <a:lstStyle/>
+          <a:p>
+            <a:pPr algn="ctr"/>
+            <a:r>
+              <a:rPr lang="ko-KR" altLang="en-US" sz="4400" dirty="0">
+                <a:solidFill>
+                  <a:schemeClr val="bg1"/>
+                </a:solidFill>
+                <a:latin typeface="태나다체 " panose="02000000000000000000" pitchFamily="2" charset="-127"/>
+                <a:ea typeface="태나다체 " panose="02000000000000000000" pitchFamily="2" charset="-127"/>
+              </a:rPr>
+              <a:t>참조 추가</a:t>
+            </a:r>
+            <a:endParaRPr lang="en-US" altLang="ko-KR" sz="4400" dirty="0">
+              <a:solidFill>
+                <a:schemeClr val="bg1"/>
+              </a:solidFill>
+              <a:latin typeface="태나다체 " panose="02000000000000000000" pitchFamily="2" charset="-127"/>
+              <a:ea typeface="태나다체 " panose="02000000000000000000" pitchFamily="2" charset="-127"/>
+            </a:endParaRPr>
+          </a:p>
+        </p:txBody>
+      </p:sp>
+      <p:pic>
+        <p:nvPicPr>
+          <p:cNvPr id="4" name="그림 3">
+            <a:extLst>
+              <a:ext uri="{FF2B5EF4-FFF2-40B4-BE49-F238E27FC236}">
+                <a16:creationId xmlns:a16="http://schemas.microsoft.com/office/drawing/2014/main" id="{3CA29EB1-33F1-4DFC-A26E-2C3BCA2CBC19}"/>
+              </a:ext>
+            </a:extLst>
+          </p:cNvPr>
+          <p:cNvPicPr>
+            <a:picLocks noChangeAspect="1"/>
+          </p:cNvPicPr>
+          <p:nvPr/>
+        </p:nvPicPr>
+        <p:blipFill>
+          <a:blip r:embed="rId2"/>
+          <a:stretch>
+            <a:fillRect/>
+          </a:stretch>
+        </p:blipFill>
+        <p:spPr>
+          <a:xfrm>
+            <a:off x="1100072" y="1846557"/>
+            <a:ext cx="9991856" cy="4672078"/>
+          </a:xfrm>
+          <a:prstGeom prst="rect">
+            <a:avLst/>
+          </a:prstGeom>
+        </p:spPr>
+      </p:pic>
+    </p:spTree>
+    <p:extLst>
+      <p:ext uri="{BB962C8B-B14F-4D97-AF65-F5344CB8AC3E}">
+        <p14:creationId xmlns:p14="http://schemas.microsoft.com/office/powerpoint/2010/main" val="1395919347"/>
+      </p:ext>
+    </p:extLst>
+  </p:cSld>
+  <p:clrMapOvr>
+    <a:masterClrMapping/>
+  </p:clrMapOvr>
+</p:sld>
+</file>
+
+<file path=ppt/slides/slide16.xml><?xml version="1.0" encoding="utf-8"?>
+<p:sld xmlns:a="http://schemas.openxmlformats.org/drawingml/2006/main" xmlns:r="http://schemas.openxmlformats.org/officeDocument/2006/relationships" xmlns:p="http://schemas.openxmlformats.org/presentationml/2006/main">
+  <p:cSld>
+    <p:spTree>
+      <p:nvGrpSpPr>
+        <p:cNvPr id="1" name=""/>
+        <p:cNvGrpSpPr/>
+        <p:nvPr/>
+      </p:nvGrpSpPr>
+      <p:grpSpPr>
+        <a:xfrm>
+          <a:off x="0" y="0"/>
+          <a:ext cx="0" cy="0"/>
+          <a:chOff x="0" y="0"/>
+          <a:chExt cx="0" cy="0"/>
+        </a:xfrm>
+      </p:grpSpPr>
+      <p:sp>
+        <p:nvSpPr>
+          <p:cNvPr id="3" name="직사각형 2">
+            <a:extLst>
+              <a:ext uri="{FF2B5EF4-FFF2-40B4-BE49-F238E27FC236}">
+                <a16:creationId xmlns:a16="http://schemas.microsoft.com/office/drawing/2014/main" id="{55435521-BF96-43FE-A06E-039938A5E834}"/>
+              </a:ext>
+            </a:extLst>
+          </p:cNvPr>
+          <p:cNvSpPr/>
+          <p:nvPr/>
+        </p:nvSpPr>
+        <p:spPr>
+          <a:xfrm>
+            <a:off x="0" y="339365"/>
+            <a:ext cx="3619893" cy="1221117"/>
+          </a:xfrm>
+          <a:prstGeom prst="rect">
+            <a:avLst/>
+          </a:prstGeom>
+          <a:solidFill>
+            <a:schemeClr val="tx1"/>
+          </a:solidFill>
+          <a:ln>
+            <a:solidFill>
+              <a:schemeClr val="tx1"/>
+            </a:solidFill>
+          </a:ln>
+        </p:spPr>
+        <p:style>
+          <a:lnRef idx="2">
+            <a:schemeClr val="accent1">
+              <a:shade val="50000"/>
+            </a:schemeClr>
+          </a:lnRef>
+          <a:fillRef idx="1">
+            <a:schemeClr val="accent1"/>
+          </a:fillRef>
+          <a:effectRef idx="0">
+            <a:schemeClr val="accent1"/>
+          </a:effectRef>
+          <a:fontRef idx="minor">
+            <a:schemeClr val="lt1"/>
+          </a:fontRef>
+        </p:style>
+        <p:txBody>
+          <a:bodyPr rtlCol="0" anchor="ctr"/>
+          <a:lstStyle/>
+          <a:p>
+            <a:pPr algn="ctr"/>
+            <a:r>
+              <a:rPr lang="ko-KR" altLang="en-US" sz="4400" dirty="0">
+                <a:solidFill>
+                  <a:schemeClr val="bg1"/>
+                </a:solidFill>
+                <a:latin typeface="태나다체 " panose="02000000000000000000" pitchFamily="2" charset="-127"/>
+                <a:ea typeface="태나다체 " panose="02000000000000000000" pitchFamily="2" charset="-127"/>
+              </a:rPr>
+              <a:t>참조 추가</a:t>
+            </a:r>
+            <a:endParaRPr lang="en-US" altLang="ko-KR" sz="4400" dirty="0">
+              <a:solidFill>
+                <a:schemeClr val="bg1"/>
+              </a:solidFill>
+              <a:latin typeface="태나다체 " panose="02000000000000000000" pitchFamily="2" charset="-127"/>
+              <a:ea typeface="태나다체 " panose="02000000000000000000" pitchFamily="2" charset="-127"/>
+            </a:endParaRPr>
+          </a:p>
+        </p:txBody>
+      </p:sp>
+      <p:pic>
+        <p:nvPicPr>
+          <p:cNvPr id="5" name="그림 4">
+            <a:extLst>
+              <a:ext uri="{FF2B5EF4-FFF2-40B4-BE49-F238E27FC236}">
+                <a16:creationId xmlns:a16="http://schemas.microsoft.com/office/drawing/2014/main" id="{4D54EDA0-D59F-48A9-9A62-2D816474D4AC}"/>
+              </a:ext>
+            </a:extLst>
+          </p:cNvPr>
+          <p:cNvPicPr>
+            <a:picLocks noChangeAspect="1"/>
+          </p:cNvPicPr>
+          <p:nvPr/>
+        </p:nvPicPr>
+        <p:blipFill>
+          <a:blip r:embed="rId2"/>
+          <a:stretch>
+            <a:fillRect/>
+          </a:stretch>
+        </p:blipFill>
+        <p:spPr>
+          <a:xfrm>
+            <a:off x="665493" y="2814846"/>
+            <a:ext cx="5908799" cy="3703789"/>
+          </a:xfrm>
+          <a:prstGeom prst="rect">
+            <a:avLst/>
+          </a:prstGeom>
+        </p:spPr>
+      </p:pic>
+      <p:pic>
+        <p:nvPicPr>
+          <p:cNvPr id="2" name="그림 1">
+            <a:extLst>
+              <a:ext uri="{FF2B5EF4-FFF2-40B4-BE49-F238E27FC236}">
+                <a16:creationId xmlns:a16="http://schemas.microsoft.com/office/drawing/2014/main" id="{4139E9ED-DBDA-4095-9EE3-4B308A7A4F5F}"/>
+              </a:ext>
+            </a:extLst>
+          </p:cNvPr>
+          <p:cNvPicPr>
+            <a:picLocks noChangeAspect="1"/>
+          </p:cNvPicPr>
+          <p:nvPr/>
+        </p:nvPicPr>
+        <p:blipFill>
+          <a:blip r:embed="rId3"/>
+          <a:stretch>
+            <a:fillRect/>
+          </a:stretch>
+        </p:blipFill>
+        <p:spPr>
+          <a:xfrm>
+            <a:off x="5160276" y="2888379"/>
+            <a:ext cx="5671122" cy="3556722"/>
+          </a:xfrm>
+          <a:prstGeom prst="rect">
+            <a:avLst/>
+          </a:prstGeom>
+        </p:spPr>
+      </p:pic>
+      <p:sp>
+        <p:nvSpPr>
+          <p:cNvPr id="6" name="부제목 2">
+            <a:extLst>
+              <a:ext uri="{FF2B5EF4-FFF2-40B4-BE49-F238E27FC236}">
+                <a16:creationId xmlns:a16="http://schemas.microsoft.com/office/drawing/2014/main" id="{024C6628-82C9-4D24-B2D5-EA97EC5EACAD}"/>
+              </a:ext>
+            </a:extLst>
+          </p:cNvPr>
+          <p:cNvSpPr txBox="1">
+            <a:spLocks/>
+          </p:cNvSpPr>
+          <p:nvPr/>
+        </p:nvSpPr>
+        <p:spPr>
+          <a:xfrm>
+            <a:off x="1234407" y="1637436"/>
+            <a:ext cx="9874014" cy="1140643"/>
+          </a:xfrm>
+          <a:prstGeom prst="rect">
+            <a:avLst/>
+          </a:prstGeom>
+        </p:spPr>
+        <p:txBody>
+          <a:bodyPr vert="horz" lIns="91440" tIns="45720" rIns="91440" bIns="45720" rtlCol="0" anchor="ctr">
+            <a:noAutofit/>
+          </a:bodyPr>
+          <a:lstStyle>
+            <a:lvl1pPr marL="228600" indent="-228600" algn="l" defTabSz="914400" rtl="0" eaLnBrk="1" latinLnBrk="1" hangingPunct="1">
+              <a:lnSpc>
+                <a:spcPct val="90000"/>
+              </a:lnSpc>
+              <a:spcBef>
+                <a:spcPts val="1000"/>
+              </a:spcBef>
+              <a:buFont typeface="Arial" panose="020B0604020202020204" pitchFamily="34" charset="0"/>
+              <a:buChar char="•"/>
+              <a:defRPr sz="2800" kern="1200">
+                <a:solidFill>
+                  <a:schemeClr val="tx1"/>
+                </a:solidFill>
+                <a:latin typeface="+mn-lt"/>
+                <a:ea typeface="+mn-ea"/>
+                <a:cs typeface="+mn-cs"/>
+              </a:defRPr>
+            </a:lvl1pPr>
+            <a:lvl2pPr marL="685800" indent="-228600" algn="l" defTabSz="914400" rtl="0" eaLnBrk="1" latinLnBrk="1" hangingPunct="1">
+              <a:lnSpc>
+                <a:spcPct val="90000"/>
+              </a:lnSpc>
+              <a:spcBef>
+                <a:spcPts val="500"/>
+              </a:spcBef>
+              <a:buFont typeface="Arial" panose="020B0604020202020204" pitchFamily="34" charset="0"/>
+              <a:buChar char="•"/>
+              <a:defRPr sz="2400" kern="1200">
+                <a:solidFill>
+                  <a:schemeClr val="tx1"/>
+                </a:solidFill>
+                <a:latin typeface="+mn-lt"/>
+                <a:ea typeface="+mn-ea"/>
+                <a:cs typeface="+mn-cs"/>
+              </a:defRPr>
+            </a:lvl2pPr>
+            <a:lvl3pPr marL="1143000" indent="-228600" algn="l" defTabSz="914400" rtl="0" eaLnBrk="1" latinLnBrk="1" hangingPunct="1">
+              <a:lnSpc>
+                <a:spcPct val="90000"/>
+              </a:lnSpc>
+              <a:spcBef>
+                <a:spcPts val="500"/>
+              </a:spcBef>
+              <a:buFont typeface="Arial" panose="020B0604020202020204" pitchFamily="34" charset="0"/>
+              <a:buChar char="•"/>
+              <a:defRPr sz="2000" kern="1200">
+                <a:solidFill>
+                  <a:schemeClr val="tx1"/>
+                </a:solidFill>
+                <a:latin typeface="+mn-lt"/>
+                <a:ea typeface="+mn-ea"/>
+                <a:cs typeface="+mn-cs"/>
+              </a:defRPr>
+            </a:lvl3pPr>
+            <a:lvl4pPr marL="1600200" indent="-228600" algn="l" defTabSz="914400" rtl="0" eaLnBrk="1" latinLnBrk="1" hangingPunct="1">
+              <a:lnSpc>
+                <a:spcPct val="90000"/>
+              </a:lnSpc>
+              <a:spcBef>
+                <a:spcPts val="500"/>
+              </a:spcBef>
+              <a:buFont typeface="Arial" panose="020B0604020202020204" pitchFamily="34" charset="0"/>
+              <a:buChar char="•"/>
+              <a:defRPr sz="1800" kern="1200">
+                <a:solidFill>
+                  <a:schemeClr val="tx1"/>
+                </a:solidFill>
+                <a:latin typeface="+mn-lt"/>
+                <a:ea typeface="+mn-ea"/>
+                <a:cs typeface="+mn-cs"/>
+              </a:defRPr>
+            </a:lvl4pPr>
+            <a:lvl5pPr marL="2057400" indent="-228600" algn="l" defTabSz="914400" rtl="0" eaLnBrk="1" latinLnBrk="1" hangingPunct="1">
+              <a:lnSpc>
+                <a:spcPct val="90000"/>
+              </a:lnSpc>
+              <a:spcBef>
+                <a:spcPts val="500"/>
+              </a:spcBef>
+              <a:buFont typeface="Arial" panose="020B0604020202020204" pitchFamily="34" charset="0"/>
+              <a:buChar char="•"/>
+              <a:defRPr sz="1800" kern="1200">
+                <a:solidFill>
+                  <a:schemeClr val="tx1"/>
+                </a:solidFill>
+                <a:latin typeface="+mn-lt"/>
+                <a:ea typeface="+mn-ea"/>
+                <a:cs typeface="+mn-cs"/>
+              </a:defRPr>
+            </a:lvl5pPr>
+            <a:lvl6pPr marL="2514600" indent="-228600" algn="l" defTabSz="914400" rtl="0" eaLnBrk="1" latinLnBrk="1" hangingPunct="1">
+              <a:lnSpc>
+                <a:spcPct val="90000"/>
+              </a:lnSpc>
+              <a:spcBef>
+                <a:spcPts val="500"/>
+              </a:spcBef>
+              <a:buFont typeface="Arial" panose="020B0604020202020204" pitchFamily="34" charset="0"/>
+              <a:buChar char="•"/>
+              <a:defRPr sz="1800" kern="1200">
+                <a:solidFill>
+                  <a:schemeClr val="tx1"/>
+                </a:solidFill>
+                <a:latin typeface="+mn-lt"/>
+                <a:ea typeface="+mn-ea"/>
+                <a:cs typeface="+mn-cs"/>
+              </a:defRPr>
+            </a:lvl6pPr>
+            <a:lvl7pPr marL="2971800" indent="-228600" algn="l" defTabSz="914400" rtl="0" eaLnBrk="1" latinLnBrk="1" hangingPunct="1">
+              <a:lnSpc>
+                <a:spcPct val="90000"/>
+              </a:lnSpc>
+              <a:spcBef>
+                <a:spcPts val="500"/>
+              </a:spcBef>
+              <a:buFont typeface="Arial" panose="020B0604020202020204" pitchFamily="34" charset="0"/>
+              <a:buChar char="•"/>
+              <a:defRPr sz="1800" kern="1200">
+                <a:solidFill>
+                  <a:schemeClr val="tx1"/>
+                </a:solidFill>
+                <a:latin typeface="+mn-lt"/>
+                <a:ea typeface="+mn-ea"/>
+                <a:cs typeface="+mn-cs"/>
+              </a:defRPr>
+            </a:lvl7pPr>
+            <a:lvl8pPr marL="3429000" indent="-228600" algn="l" defTabSz="914400" rtl="0" eaLnBrk="1" latinLnBrk="1" hangingPunct="1">
+              <a:lnSpc>
+                <a:spcPct val="90000"/>
+              </a:lnSpc>
+              <a:spcBef>
+                <a:spcPts val="500"/>
+              </a:spcBef>
+              <a:buFont typeface="Arial" panose="020B0604020202020204" pitchFamily="34" charset="0"/>
+              <a:buChar char="•"/>
+              <a:defRPr sz="1800" kern="1200">
+                <a:solidFill>
+                  <a:schemeClr val="tx1"/>
+                </a:solidFill>
+                <a:latin typeface="+mn-lt"/>
+                <a:ea typeface="+mn-ea"/>
+                <a:cs typeface="+mn-cs"/>
+              </a:defRPr>
+            </a:lvl8pPr>
+            <a:lvl9pPr marL="3886200" indent="-228600" algn="l" defTabSz="914400" rtl="0" eaLnBrk="1" latinLnBrk="1" hangingPunct="1">
+              <a:lnSpc>
+                <a:spcPct val="90000"/>
+              </a:lnSpc>
+              <a:spcBef>
+                <a:spcPts val="500"/>
+              </a:spcBef>
+              <a:buFont typeface="Arial" panose="020B0604020202020204" pitchFamily="34" charset="0"/>
+              <a:buChar char="•"/>
+              <a:defRPr sz="1800" kern="1200">
+                <a:solidFill>
+                  <a:schemeClr val="tx1"/>
+                </a:solidFill>
+                <a:latin typeface="+mn-lt"/>
+                <a:ea typeface="+mn-ea"/>
+                <a:cs typeface="+mn-cs"/>
+              </a:defRPr>
+            </a:lvl9pPr>
+          </a:lstStyle>
+          <a:p>
+            <a:pPr marL="0" indent="0" algn="ctr">
+              <a:buNone/>
+            </a:pPr>
+            <a:r>
+              <a:rPr lang="ko-KR" altLang="en-US" sz="3200" dirty="0">
+                <a:latin typeface="배달의민족 주아" panose="02020603020101020101" pitchFamily="18" charset="-127"/>
+                <a:ea typeface="배달의민족 주아" panose="02020603020101020101" pitchFamily="18" charset="-127"/>
+              </a:rPr>
+              <a:t>아까 </a:t>
+            </a:r>
+            <a:r>
+              <a:rPr lang="ko-KR" altLang="en-US" sz="3200" dirty="0" err="1">
+                <a:latin typeface="배달의민족 주아" panose="02020603020101020101" pitchFamily="18" charset="-127"/>
+                <a:ea typeface="배달의민족 주아" panose="02020603020101020101" pitchFamily="18" charset="-127"/>
+              </a:rPr>
+              <a:t>옮겨둔</a:t>
+            </a:r>
+            <a:r>
+              <a:rPr lang="ko-KR" altLang="en-US" sz="3200" dirty="0">
+                <a:latin typeface="배달의민족 주아" panose="02020603020101020101" pitchFamily="18" charset="-127"/>
+                <a:ea typeface="배달의민족 주아" panose="02020603020101020101" pitchFamily="18" charset="-127"/>
+              </a:rPr>
+              <a:t> 프레임워크 </a:t>
+            </a:r>
+            <a:r>
+              <a:rPr lang="en-US" altLang="ko-KR" sz="3200" dirty="0" err="1">
+                <a:latin typeface="배달의민족 주아" panose="02020603020101020101" pitchFamily="18" charset="-127"/>
+                <a:ea typeface="배달의민족 주아" panose="02020603020101020101" pitchFamily="18" charset="-127"/>
+              </a:rPr>
+              <a:t>dll</a:t>
+            </a:r>
+            <a:r>
+              <a:rPr lang="en-US" altLang="ko-KR" sz="3200" dirty="0">
+                <a:latin typeface="배달의민족 주아" panose="02020603020101020101" pitchFamily="18" charset="-127"/>
+                <a:ea typeface="배달의민족 주아" panose="02020603020101020101" pitchFamily="18" charset="-127"/>
+              </a:rPr>
+              <a:t> + Packets</a:t>
+            </a:r>
+            <a:r>
+              <a:rPr lang="ko-KR" altLang="en-US" sz="3200" dirty="0">
+                <a:latin typeface="배달의민족 주아" panose="02020603020101020101" pitchFamily="18" charset="-127"/>
+                <a:ea typeface="배달의민족 주아" panose="02020603020101020101" pitchFamily="18" charset="-127"/>
+              </a:rPr>
+              <a:t>를 빌드해서 생긴 </a:t>
+            </a:r>
+            <a:r>
+              <a:rPr lang="en-US" altLang="ko-KR" sz="3200" dirty="0" err="1">
+                <a:latin typeface="배달의민족 주아" panose="02020603020101020101" pitchFamily="18" charset="-127"/>
+                <a:ea typeface="배달의민족 주아" panose="02020603020101020101" pitchFamily="18" charset="-127"/>
+              </a:rPr>
+              <a:t>dll</a:t>
+            </a:r>
+            <a:r>
+              <a:rPr lang="ko-KR" altLang="en-US" sz="3200" dirty="0">
+                <a:latin typeface="배달의민족 주아" panose="02020603020101020101" pitchFamily="18" charset="-127"/>
+                <a:ea typeface="배달의민족 주아" panose="02020603020101020101" pitchFamily="18" charset="-127"/>
+              </a:rPr>
+              <a:t> </a:t>
+            </a:r>
+            <a:br>
+              <a:rPr lang="en-US" altLang="ko-KR" sz="3200" dirty="0">
+                <a:latin typeface="배달의민족 주아" panose="02020603020101020101" pitchFamily="18" charset="-127"/>
+                <a:ea typeface="배달의민족 주아" panose="02020603020101020101" pitchFamily="18" charset="-127"/>
+              </a:rPr>
+            </a:br>
+            <a:r>
+              <a:rPr lang="ko-KR" altLang="en-US" sz="3200" dirty="0">
+                <a:latin typeface="배달의민족 주아" panose="02020603020101020101" pitchFamily="18" charset="-127"/>
+                <a:ea typeface="배달의민족 주아" panose="02020603020101020101" pitchFamily="18" charset="-127"/>
+              </a:rPr>
+              <a:t>추가</a:t>
+            </a:r>
+          </a:p>
+        </p:txBody>
+      </p:sp>
+    </p:spTree>
+    <p:extLst>
+      <p:ext uri="{BB962C8B-B14F-4D97-AF65-F5344CB8AC3E}">
+        <p14:creationId xmlns:p14="http://schemas.microsoft.com/office/powerpoint/2010/main" val="1866619514"/>
+      </p:ext>
+    </p:extLst>
+  </p:cSld>
+  <p:clrMapOvr>
+    <a:masterClrMapping/>
+  </p:clrMapOvr>
+</p:sld>
+</file>
+
+<file path=ppt/slides/slide17.xml><?xml version="1.0" encoding="utf-8"?>
+<p:sld xmlns:a="http://schemas.openxmlformats.org/drawingml/2006/main" xmlns:r="http://schemas.openxmlformats.org/officeDocument/2006/relationships" xmlns:p="http://schemas.openxmlformats.org/presentationml/2006/main">
+  <p:cSld>
+    <p:spTree>
+      <p:nvGrpSpPr>
+        <p:cNvPr id="1" name=""/>
+        <p:cNvGrpSpPr/>
+        <p:nvPr/>
+      </p:nvGrpSpPr>
+      <p:grpSpPr>
+        <a:xfrm>
+          <a:off x="0" y="0"/>
+          <a:ext cx="0" cy="0"/>
+          <a:chOff x="0" y="0"/>
+          <a:chExt cx="0" cy="0"/>
+        </a:xfrm>
+      </p:grpSpPr>
+      <p:sp>
+        <p:nvSpPr>
+          <p:cNvPr id="2" name="TextBox 1">
+            <a:extLst>
+              <a:ext uri="{FF2B5EF4-FFF2-40B4-BE49-F238E27FC236}">
+                <a16:creationId xmlns:a16="http://schemas.microsoft.com/office/drawing/2014/main" id="{77BEEA75-1C03-4B45-BAB1-168B6E88842E}"/>
+              </a:ext>
+            </a:extLst>
+          </p:cNvPr>
+          <p:cNvSpPr txBox="1"/>
+          <p:nvPr/>
+        </p:nvSpPr>
+        <p:spPr>
+          <a:xfrm>
+            <a:off x="3706305" y="3459777"/>
+            <a:ext cx="4779390" cy="707886"/>
+          </a:xfrm>
+          <a:prstGeom prst="rect">
+            <a:avLst/>
+          </a:prstGeom>
+          <a:noFill/>
+        </p:spPr>
+        <p:txBody>
+          <a:bodyPr wrap="square" rtlCol="0">
+            <a:spAutoFit/>
+          </a:bodyPr>
+          <a:lstStyle/>
+          <a:p>
+            <a:pPr algn="ctr"/>
+            <a:r>
+              <a:rPr lang="ko-KR" altLang="en-US" sz="4000" dirty="0">
+                <a:latin typeface="배달의민족 주아" panose="02020603020101020101" pitchFamily="18" charset="-127"/>
+                <a:ea typeface="배달의민족 주아" panose="02020603020101020101" pitchFamily="18" charset="-127"/>
+                <a:hlinkClick r:id="rId2"/>
+              </a:rPr>
+              <a:t>코드 바로가기</a:t>
+            </a:r>
+            <a:endParaRPr lang="ko-KR" altLang="en-US" sz="4000" dirty="0">
+              <a:latin typeface="배달의민족 주아" panose="02020603020101020101" pitchFamily="18" charset="-127"/>
+              <a:ea typeface="배달의민족 주아" panose="02020603020101020101" pitchFamily="18" charset="-127"/>
+            </a:endParaRPr>
+          </a:p>
+        </p:txBody>
+      </p:sp>
+      <p:sp>
+        <p:nvSpPr>
+          <p:cNvPr id="3" name="직사각형 2">
+            <a:extLst>
+              <a:ext uri="{FF2B5EF4-FFF2-40B4-BE49-F238E27FC236}">
+                <a16:creationId xmlns:a16="http://schemas.microsoft.com/office/drawing/2014/main" id="{55435521-BF96-43FE-A06E-039938A5E834}"/>
+              </a:ext>
+            </a:extLst>
+          </p:cNvPr>
+          <p:cNvSpPr/>
+          <p:nvPr/>
+        </p:nvSpPr>
+        <p:spPr>
+          <a:xfrm>
+            <a:off x="0" y="339365"/>
+            <a:ext cx="3619893" cy="1221117"/>
+          </a:xfrm>
+          <a:prstGeom prst="rect">
+            <a:avLst/>
+          </a:prstGeom>
+          <a:solidFill>
+            <a:schemeClr val="tx1"/>
+          </a:solidFill>
+          <a:ln>
+            <a:solidFill>
+              <a:schemeClr val="tx1"/>
+            </a:solidFill>
+          </a:ln>
+        </p:spPr>
+        <p:style>
+          <a:lnRef idx="2">
+            <a:schemeClr val="accent1">
+              <a:shade val="50000"/>
+            </a:schemeClr>
+          </a:lnRef>
+          <a:fillRef idx="1">
+            <a:schemeClr val="accent1"/>
+          </a:fillRef>
+          <a:effectRef idx="0">
+            <a:schemeClr val="accent1"/>
+          </a:effectRef>
+          <a:fontRef idx="minor">
+            <a:schemeClr val="lt1"/>
+          </a:fontRef>
+        </p:style>
+        <p:txBody>
+          <a:bodyPr rtlCol="0" anchor="ctr"/>
+          <a:lstStyle/>
+          <a:p>
+            <a:pPr algn="ctr"/>
+            <a:r>
+              <a:rPr lang="en-US" altLang="ko-KR" sz="4400" dirty="0">
+                <a:solidFill>
+                  <a:schemeClr val="bg1"/>
+                </a:solidFill>
+                <a:latin typeface="태나다체 " panose="02000000000000000000" pitchFamily="2" charset="-127"/>
+                <a:ea typeface="태나다체 " panose="02000000000000000000" pitchFamily="2" charset="-127"/>
+              </a:rPr>
+              <a:t>Server</a:t>
+            </a:r>
+          </a:p>
+        </p:txBody>
+      </p:sp>
+      <p:sp>
+        <p:nvSpPr>
+          <p:cNvPr id="7" name="부제목 2">
+            <a:extLst>
+              <a:ext uri="{FF2B5EF4-FFF2-40B4-BE49-F238E27FC236}">
+                <a16:creationId xmlns:a16="http://schemas.microsoft.com/office/drawing/2014/main" id="{55541CA3-D99A-4028-83DA-B5863224BD7E}"/>
+              </a:ext>
+            </a:extLst>
+          </p:cNvPr>
+          <p:cNvSpPr txBox="1">
+            <a:spLocks/>
+          </p:cNvSpPr>
+          <p:nvPr/>
+        </p:nvSpPr>
+        <p:spPr>
+          <a:xfrm>
+            <a:off x="1158993" y="2573770"/>
+            <a:ext cx="9874014" cy="1140643"/>
+          </a:xfrm>
+          <a:prstGeom prst="rect">
+            <a:avLst/>
+          </a:prstGeom>
+        </p:spPr>
+        <p:txBody>
+          <a:bodyPr vert="horz" lIns="91440" tIns="45720" rIns="91440" bIns="45720" rtlCol="0" anchor="ctr">
+            <a:normAutofit/>
+          </a:bodyPr>
+          <a:lstStyle>
+            <a:lvl1pPr marL="228600" indent="-228600" algn="l" defTabSz="914400" rtl="0" eaLnBrk="1" latinLnBrk="1" hangingPunct="1">
+              <a:lnSpc>
+                <a:spcPct val="90000"/>
+              </a:lnSpc>
+              <a:spcBef>
+                <a:spcPts val="1000"/>
+              </a:spcBef>
+              <a:buFont typeface="Arial" panose="020B0604020202020204" pitchFamily="34" charset="0"/>
+              <a:buChar char="•"/>
+              <a:defRPr sz="2800" kern="1200">
+                <a:solidFill>
+                  <a:schemeClr val="tx1"/>
+                </a:solidFill>
+                <a:latin typeface="+mn-lt"/>
+                <a:ea typeface="+mn-ea"/>
+                <a:cs typeface="+mn-cs"/>
+              </a:defRPr>
+            </a:lvl1pPr>
+            <a:lvl2pPr marL="685800" indent="-228600" algn="l" defTabSz="914400" rtl="0" eaLnBrk="1" latinLnBrk="1" hangingPunct="1">
+              <a:lnSpc>
+                <a:spcPct val="90000"/>
+              </a:lnSpc>
+              <a:spcBef>
+                <a:spcPts val="500"/>
+              </a:spcBef>
+              <a:buFont typeface="Arial" panose="020B0604020202020204" pitchFamily="34" charset="0"/>
+              <a:buChar char="•"/>
+              <a:defRPr sz="2400" kern="1200">
+                <a:solidFill>
+                  <a:schemeClr val="tx1"/>
+                </a:solidFill>
+                <a:latin typeface="+mn-lt"/>
+                <a:ea typeface="+mn-ea"/>
+                <a:cs typeface="+mn-cs"/>
+              </a:defRPr>
+            </a:lvl2pPr>
+            <a:lvl3pPr marL="1143000" indent="-228600" algn="l" defTabSz="914400" rtl="0" eaLnBrk="1" latinLnBrk="1" hangingPunct="1">
+              <a:lnSpc>
+                <a:spcPct val="90000"/>
+              </a:lnSpc>
+              <a:spcBef>
+                <a:spcPts val="500"/>
+              </a:spcBef>
+              <a:buFont typeface="Arial" panose="020B0604020202020204" pitchFamily="34" charset="0"/>
+              <a:buChar char="•"/>
+              <a:defRPr sz="2000" kern="1200">
+                <a:solidFill>
+                  <a:schemeClr val="tx1"/>
+                </a:solidFill>
+                <a:latin typeface="+mn-lt"/>
+                <a:ea typeface="+mn-ea"/>
+                <a:cs typeface="+mn-cs"/>
+              </a:defRPr>
+            </a:lvl3pPr>
+            <a:lvl4pPr marL="1600200" indent="-228600" algn="l" defTabSz="914400" rtl="0" eaLnBrk="1" latinLnBrk="1" hangingPunct="1">
+              <a:lnSpc>
+                <a:spcPct val="90000"/>
+              </a:lnSpc>
+              <a:spcBef>
+                <a:spcPts val="500"/>
+              </a:spcBef>
+              <a:buFont typeface="Arial" panose="020B0604020202020204" pitchFamily="34" charset="0"/>
+              <a:buChar char="•"/>
+              <a:defRPr sz="1800" kern="1200">
+                <a:solidFill>
+                  <a:schemeClr val="tx1"/>
+                </a:solidFill>
+                <a:latin typeface="+mn-lt"/>
+                <a:ea typeface="+mn-ea"/>
+                <a:cs typeface="+mn-cs"/>
+              </a:defRPr>
+            </a:lvl4pPr>
+            <a:lvl5pPr marL="2057400" indent="-228600" algn="l" defTabSz="914400" rtl="0" eaLnBrk="1" latinLnBrk="1" hangingPunct="1">
+              <a:lnSpc>
+                <a:spcPct val="90000"/>
+              </a:lnSpc>
+              <a:spcBef>
+                <a:spcPts val="500"/>
+              </a:spcBef>
+              <a:buFont typeface="Arial" panose="020B0604020202020204" pitchFamily="34" charset="0"/>
+              <a:buChar char="•"/>
+              <a:defRPr sz="1800" kern="1200">
+                <a:solidFill>
+                  <a:schemeClr val="tx1"/>
+                </a:solidFill>
+                <a:latin typeface="+mn-lt"/>
+                <a:ea typeface="+mn-ea"/>
+                <a:cs typeface="+mn-cs"/>
+              </a:defRPr>
+            </a:lvl5pPr>
+            <a:lvl6pPr marL="2514600" indent="-228600" algn="l" defTabSz="914400" rtl="0" eaLnBrk="1" latinLnBrk="1" hangingPunct="1">
+              <a:lnSpc>
+                <a:spcPct val="90000"/>
+              </a:lnSpc>
+              <a:spcBef>
+                <a:spcPts val="500"/>
+              </a:spcBef>
+              <a:buFont typeface="Arial" panose="020B0604020202020204" pitchFamily="34" charset="0"/>
+              <a:buChar char="•"/>
+              <a:defRPr sz="1800" kern="1200">
+                <a:solidFill>
+                  <a:schemeClr val="tx1"/>
+                </a:solidFill>
+                <a:latin typeface="+mn-lt"/>
+                <a:ea typeface="+mn-ea"/>
+                <a:cs typeface="+mn-cs"/>
+              </a:defRPr>
+            </a:lvl6pPr>
+            <a:lvl7pPr marL="2971800" indent="-228600" algn="l" defTabSz="914400" rtl="0" eaLnBrk="1" latinLnBrk="1" hangingPunct="1">
+              <a:lnSpc>
+                <a:spcPct val="90000"/>
+              </a:lnSpc>
+              <a:spcBef>
+                <a:spcPts val="500"/>
+              </a:spcBef>
+              <a:buFont typeface="Arial" panose="020B0604020202020204" pitchFamily="34" charset="0"/>
+              <a:buChar char="•"/>
+              <a:defRPr sz="1800" kern="1200">
+                <a:solidFill>
+                  <a:schemeClr val="tx1"/>
+                </a:solidFill>
+                <a:latin typeface="+mn-lt"/>
+                <a:ea typeface="+mn-ea"/>
+                <a:cs typeface="+mn-cs"/>
+              </a:defRPr>
+            </a:lvl7pPr>
+            <a:lvl8pPr marL="3429000" indent="-228600" algn="l" defTabSz="914400" rtl="0" eaLnBrk="1" latinLnBrk="1" hangingPunct="1">
+              <a:lnSpc>
+                <a:spcPct val="90000"/>
+              </a:lnSpc>
+              <a:spcBef>
+                <a:spcPts val="500"/>
+              </a:spcBef>
+              <a:buFont typeface="Arial" panose="020B0604020202020204" pitchFamily="34" charset="0"/>
+              <a:buChar char="•"/>
+              <a:defRPr sz="1800" kern="1200">
+                <a:solidFill>
+                  <a:schemeClr val="tx1"/>
+                </a:solidFill>
+                <a:latin typeface="+mn-lt"/>
+                <a:ea typeface="+mn-ea"/>
+                <a:cs typeface="+mn-cs"/>
+              </a:defRPr>
+            </a:lvl8pPr>
+            <a:lvl9pPr marL="3886200" indent="-228600" algn="l" defTabSz="914400" rtl="0" eaLnBrk="1" latinLnBrk="1" hangingPunct="1">
+              <a:lnSpc>
+                <a:spcPct val="90000"/>
+              </a:lnSpc>
+              <a:spcBef>
+                <a:spcPts val="500"/>
+              </a:spcBef>
+              <a:buFont typeface="Arial" panose="020B0604020202020204" pitchFamily="34" charset="0"/>
+              <a:buChar char="•"/>
+              <a:defRPr sz="1800" kern="1200">
+                <a:solidFill>
+                  <a:schemeClr val="tx1"/>
+                </a:solidFill>
+                <a:latin typeface="+mn-lt"/>
+                <a:ea typeface="+mn-ea"/>
+                <a:cs typeface="+mn-cs"/>
+              </a:defRPr>
+            </a:lvl9pPr>
+          </a:lstStyle>
+          <a:p>
+            <a:pPr marL="0" indent="0" algn="ctr">
+              <a:buNone/>
+            </a:pPr>
+            <a:r>
+              <a:rPr lang="ko-KR" altLang="en-US" sz="4800" dirty="0">
+                <a:latin typeface="배달의민족 주아" panose="02020603020101020101" pitchFamily="18" charset="-127"/>
+                <a:ea typeface="배달의민족 주아" panose="02020603020101020101" pitchFamily="18" charset="-127"/>
+              </a:rPr>
+              <a:t>코드 구현</a:t>
+            </a:r>
+          </a:p>
+        </p:txBody>
+      </p:sp>
+    </p:spTree>
+    <p:extLst>
+      <p:ext uri="{BB962C8B-B14F-4D97-AF65-F5344CB8AC3E}">
+        <p14:creationId xmlns:p14="http://schemas.microsoft.com/office/powerpoint/2010/main" val="4039469896"/>
+      </p:ext>
+    </p:extLst>
+  </p:cSld>
+  <p:clrMapOvr>
+    <a:masterClrMapping/>
+  </p:clrMapOvr>
+</p:sld>
+</file>
+
+<file path=ppt/slides/slide18.xml><?xml version="1.0" encoding="utf-8"?>
+<p:sld xmlns:a="http://schemas.openxmlformats.org/drawingml/2006/main" xmlns:r="http://schemas.openxmlformats.org/officeDocument/2006/relationships" xmlns:p="http://schemas.openxmlformats.org/presentationml/2006/main">
+  <p:cSld>
+    <p:spTree>
+      <p:nvGrpSpPr>
+        <p:cNvPr id="1" name=""/>
+        <p:cNvGrpSpPr/>
+        <p:nvPr/>
+      </p:nvGrpSpPr>
+      <p:grpSpPr>
+        <a:xfrm>
+          <a:off x="0" y="0"/>
+          <a:ext cx="0" cy="0"/>
+          <a:chOff x="0" y="0"/>
+          <a:chExt cx="0" cy="0"/>
+        </a:xfrm>
+      </p:grpSpPr>
       <p:sp>
         <p:nvSpPr>
           <p:cNvPr id="4" name="직사각형 3">
             <a:extLst>
               <a:ext uri="{FF2B5EF4-FFF2-40B4-BE49-F238E27FC236}">
-                <a16:creationId xmlns:a16="http://schemas.microsoft.com/office/drawing/2014/main" id="{10BF9E1F-060F-4296-8B80-5C653B8C4876}"/>
+                <a16:creationId xmlns:a16="http://schemas.microsoft.com/office/drawing/2014/main" id="{E79D7B46-7B6E-42EB-AEE8-A3876135D94E}"/>
               </a:ext>
             </a:extLst>
           </p:cNvPr>
@@ -4449,16 +6080,29 @@
           <a:p>
             <a:pPr algn="ctr"/>
             <a:r>
-              <a:rPr lang="en-US" altLang="ko-KR" sz="6000" dirty="0">
+              <a:rPr lang="en-US" altLang="ko-KR" sz="5400" dirty="0">
                 <a:solidFill>
                   <a:schemeClr val="bg1"/>
                 </a:solidFill>
                 <a:latin typeface="태나다체 " panose="02000000000000000000" pitchFamily="2" charset="-127"/>
                 <a:ea typeface="태나다체 " panose="02000000000000000000" pitchFamily="2" charset="-127"/>
               </a:rPr>
-              <a:t>TITLE</a:t>
-            </a:r>
-            <a:endParaRPr lang="ko-KR" altLang="en-US" sz="5400" dirty="0">
+              <a:t>Client</a:t>
+            </a:r>
+          </a:p>
+          <a:p>
+            <a:pPr algn="ctr"/>
+            <a:r>
+              <a:rPr lang="en-US" altLang="ko-KR" sz="2400" dirty="0">
+                <a:solidFill>
+                  <a:schemeClr val="bg1"/>
+                </a:solidFill>
+                <a:latin typeface="태나다체 " panose="02000000000000000000" pitchFamily="2" charset="-127"/>
+                <a:ea typeface="태나다체 " panose="02000000000000000000" pitchFamily="2" charset="-127"/>
+              </a:rPr>
+              <a:t>(UNITY)</a:t>
+            </a:r>
+            <a:endParaRPr lang="ko-KR" altLang="en-US" sz="2000" dirty="0">
               <a:solidFill>
                 <a:schemeClr val="bg1"/>
               </a:solidFill>
@@ -4468,12 +6112,42 @@
           </a:p>
         </p:txBody>
       </p:sp>
-      <p:sp>
-        <p:nvSpPr>
-          <p:cNvPr id="8" name="직사각형 7">
-            <a:extLst>
-              <a:ext uri="{FF2B5EF4-FFF2-40B4-BE49-F238E27FC236}">
-                <a16:creationId xmlns:a16="http://schemas.microsoft.com/office/drawing/2014/main" id="{DFBEAA6E-A32F-42F3-A86F-FB0C5B8608AB}"/>
+    </p:spTree>
+    <p:extLst>
+      <p:ext uri="{BB962C8B-B14F-4D97-AF65-F5344CB8AC3E}">
+        <p14:creationId xmlns:p14="http://schemas.microsoft.com/office/powerpoint/2010/main" val="2901953231"/>
+      </p:ext>
+    </p:extLst>
+  </p:cSld>
+  <p:clrMapOvr>
+    <a:masterClrMapping/>
+  </p:clrMapOvr>
+</p:sld>
+</file>
+
+<file path=ppt/slides/slide19.xml><?xml version="1.0" encoding="utf-8"?>
+<p:sld xmlns:a="http://schemas.openxmlformats.org/drawingml/2006/main" xmlns:r="http://schemas.openxmlformats.org/officeDocument/2006/relationships" xmlns:p="http://schemas.openxmlformats.org/presentationml/2006/main">
+  <p:cSld>
+    <p:spTree>
+      <p:nvGrpSpPr>
+        <p:cNvPr id="1" name=""/>
+        <p:cNvGrpSpPr/>
+        <p:nvPr/>
+      </p:nvGrpSpPr>
+      <p:grpSpPr>
+        <a:xfrm>
+          <a:off x="0" y="0"/>
+          <a:ext cx="0" cy="0"/>
+          <a:chOff x="0" y="0"/>
+          <a:chExt cx="0" cy="0"/>
+        </a:xfrm>
+      </p:grpSpPr>
+      <p:sp>
+        <p:nvSpPr>
+          <p:cNvPr id="3" name="직사각형 2">
+            <a:extLst>
+              <a:ext uri="{FF2B5EF4-FFF2-40B4-BE49-F238E27FC236}">
+                <a16:creationId xmlns:a16="http://schemas.microsoft.com/office/drawing/2014/main" id="{55435521-BF96-43FE-A06E-039938A5E834}"/>
               </a:ext>
             </a:extLst>
           </p:cNvPr>
@@ -4519,62 +6193,2787 @@
           <a:p>
             <a:pPr algn="ctr"/>
             <a:r>
-              <a:rPr lang="en-US" altLang="ko-KR" sz="4800" dirty="0">
+              <a:rPr lang="ko-KR" altLang="en-US" sz="4400" dirty="0">
                 <a:solidFill>
                   <a:schemeClr val="bg1"/>
                 </a:solidFill>
                 <a:latin typeface="태나다체 " panose="02000000000000000000" pitchFamily="2" charset="-127"/>
                 <a:ea typeface="태나다체 " panose="02000000000000000000" pitchFamily="2" charset="-127"/>
               </a:rPr>
-              <a:t>SUBTITLE</a:t>
-            </a:r>
-          </a:p>
-        </p:txBody>
-      </p:sp>
-      <p:sp>
-        <p:nvSpPr>
-          <p:cNvPr id="6" name="직사각형 5">
-            <a:extLst>
-              <a:ext uri="{FF2B5EF4-FFF2-40B4-BE49-F238E27FC236}">
-                <a16:creationId xmlns:a16="http://schemas.microsoft.com/office/drawing/2014/main" id="{5AD775D4-5BF2-4E76-A22E-714E2456B17E}"/>
-              </a:ext>
-            </a:extLst>
-          </p:cNvPr>
-          <p:cNvSpPr/>
+              <a:t>프로젝트 생성</a:t>
+            </a:r>
+            <a:endParaRPr lang="en-US" altLang="ko-KR" sz="4400" dirty="0">
+              <a:solidFill>
+                <a:schemeClr val="bg1"/>
+              </a:solidFill>
+              <a:latin typeface="태나다체 " panose="02000000000000000000" pitchFamily="2" charset="-127"/>
+              <a:ea typeface="태나다체 " panose="02000000000000000000" pitchFamily="2" charset="-127"/>
+            </a:endParaRPr>
+          </a:p>
+        </p:txBody>
+      </p:sp>
+      <p:sp>
+        <p:nvSpPr>
+          <p:cNvPr id="4" name="부제목 2">
+            <a:extLst>
+              <a:ext uri="{FF2B5EF4-FFF2-40B4-BE49-F238E27FC236}">
+                <a16:creationId xmlns:a16="http://schemas.microsoft.com/office/drawing/2014/main" id="{D4BACE13-281A-4D37-A433-AF49037002B0}"/>
+              </a:ext>
+            </a:extLst>
+          </p:cNvPr>
+          <p:cNvSpPr txBox="1">
+            <a:spLocks/>
+          </p:cNvSpPr>
           <p:nvPr/>
         </p:nvSpPr>
         <p:spPr>
           <a:xfrm>
-            <a:off x="6181391" y="923989"/>
-            <a:ext cx="3166316" cy="923330"/>
+            <a:off x="3034927" y="704826"/>
+            <a:ext cx="9874014" cy="1140643"/>
           </a:xfrm>
           <a:prstGeom prst="rect">
             <a:avLst/>
           </a:prstGeom>
         </p:spPr>
         <p:txBody>
-          <a:bodyPr wrap="none">
+          <a:bodyPr vert="horz" lIns="91440" tIns="45720" rIns="91440" bIns="45720" rtlCol="0" anchor="ctr">
+            <a:normAutofit/>
+          </a:bodyPr>
+          <a:lstStyle>
+            <a:lvl1pPr marL="228600" indent="-228600" algn="l" defTabSz="914400" rtl="0" eaLnBrk="1" latinLnBrk="1" hangingPunct="1">
+              <a:lnSpc>
+                <a:spcPct val="90000"/>
+              </a:lnSpc>
+              <a:spcBef>
+                <a:spcPts val="1000"/>
+              </a:spcBef>
+              <a:buFont typeface="Arial" panose="020B0604020202020204" pitchFamily="34" charset="0"/>
+              <a:buChar char="•"/>
+              <a:defRPr sz="2800" kern="1200">
+                <a:solidFill>
+                  <a:schemeClr val="tx1"/>
+                </a:solidFill>
+                <a:latin typeface="+mn-lt"/>
+                <a:ea typeface="+mn-ea"/>
+                <a:cs typeface="+mn-cs"/>
+              </a:defRPr>
+            </a:lvl1pPr>
+            <a:lvl2pPr marL="685800" indent="-228600" algn="l" defTabSz="914400" rtl="0" eaLnBrk="1" latinLnBrk="1" hangingPunct="1">
+              <a:lnSpc>
+                <a:spcPct val="90000"/>
+              </a:lnSpc>
+              <a:spcBef>
+                <a:spcPts val="500"/>
+              </a:spcBef>
+              <a:buFont typeface="Arial" panose="020B0604020202020204" pitchFamily="34" charset="0"/>
+              <a:buChar char="•"/>
+              <a:defRPr sz="2400" kern="1200">
+                <a:solidFill>
+                  <a:schemeClr val="tx1"/>
+                </a:solidFill>
+                <a:latin typeface="+mn-lt"/>
+                <a:ea typeface="+mn-ea"/>
+                <a:cs typeface="+mn-cs"/>
+              </a:defRPr>
+            </a:lvl2pPr>
+            <a:lvl3pPr marL="1143000" indent="-228600" algn="l" defTabSz="914400" rtl="0" eaLnBrk="1" latinLnBrk="1" hangingPunct="1">
+              <a:lnSpc>
+                <a:spcPct val="90000"/>
+              </a:lnSpc>
+              <a:spcBef>
+                <a:spcPts val="500"/>
+              </a:spcBef>
+              <a:buFont typeface="Arial" panose="020B0604020202020204" pitchFamily="34" charset="0"/>
+              <a:buChar char="•"/>
+              <a:defRPr sz="2000" kern="1200">
+                <a:solidFill>
+                  <a:schemeClr val="tx1"/>
+                </a:solidFill>
+                <a:latin typeface="+mn-lt"/>
+                <a:ea typeface="+mn-ea"/>
+                <a:cs typeface="+mn-cs"/>
+              </a:defRPr>
+            </a:lvl3pPr>
+            <a:lvl4pPr marL="1600200" indent="-228600" algn="l" defTabSz="914400" rtl="0" eaLnBrk="1" latinLnBrk="1" hangingPunct="1">
+              <a:lnSpc>
+                <a:spcPct val="90000"/>
+              </a:lnSpc>
+              <a:spcBef>
+                <a:spcPts val="500"/>
+              </a:spcBef>
+              <a:buFont typeface="Arial" panose="020B0604020202020204" pitchFamily="34" charset="0"/>
+              <a:buChar char="•"/>
+              <a:defRPr sz="1800" kern="1200">
+                <a:solidFill>
+                  <a:schemeClr val="tx1"/>
+                </a:solidFill>
+                <a:latin typeface="+mn-lt"/>
+                <a:ea typeface="+mn-ea"/>
+                <a:cs typeface="+mn-cs"/>
+              </a:defRPr>
+            </a:lvl4pPr>
+            <a:lvl5pPr marL="2057400" indent="-228600" algn="l" defTabSz="914400" rtl="0" eaLnBrk="1" latinLnBrk="1" hangingPunct="1">
+              <a:lnSpc>
+                <a:spcPct val="90000"/>
+              </a:lnSpc>
+              <a:spcBef>
+                <a:spcPts val="500"/>
+              </a:spcBef>
+              <a:buFont typeface="Arial" panose="020B0604020202020204" pitchFamily="34" charset="0"/>
+              <a:buChar char="•"/>
+              <a:defRPr sz="1800" kern="1200">
+                <a:solidFill>
+                  <a:schemeClr val="tx1"/>
+                </a:solidFill>
+                <a:latin typeface="+mn-lt"/>
+                <a:ea typeface="+mn-ea"/>
+                <a:cs typeface="+mn-cs"/>
+              </a:defRPr>
+            </a:lvl5pPr>
+            <a:lvl6pPr marL="2514600" indent="-228600" algn="l" defTabSz="914400" rtl="0" eaLnBrk="1" latinLnBrk="1" hangingPunct="1">
+              <a:lnSpc>
+                <a:spcPct val="90000"/>
+              </a:lnSpc>
+              <a:spcBef>
+                <a:spcPts val="500"/>
+              </a:spcBef>
+              <a:buFont typeface="Arial" panose="020B0604020202020204" pitchFamily="34" charset="0"/>
+              <a:buChar char="•"/>
+              <a:defRPr sz="1800" kern="1200">
+                <a:solidFill>
+                  <a:schemeClr val="tx1"/>
+                </a:solidFill>
+                <a:latin typeface="+mn-lt"/>
+                <a:ea typeface="+mn-ea"/>
+                <a:cs typeface="+mn-cs"/>
+              </a:defRPr>
+            </a:lvl6pPr>
+            <a:lvl7pPr marL="2971800" indent="-228600" algn="l" defTabSz="914400" rtl="0" eaLnBrk="1" latinLnBrk="1" hangingPunct="1">
+              <a:lnSpc>
+                <a:spcPct val="90000"/>
+              </a:lnSpc>
+              <a:spcBef>
+                <a:spcPts val="500"/>
+              </a:spcBef>
+              <a:buFont typeface="Arial" panose="020B0604020202020204" pitchFamily="34" charset="0"/>
+              <a:buChar char="•"/>
+              <a:defRPr sz="1800" kern="1200">
+                <a:solidFill>
+                  <a:schemeClr val="tx1"/>
+                </a:solidFill>
+                <a:latin typeface="+mn-lt"/>
+                <a:ea typeface="+mn-ea"/>
+                <a:cs typeface="+mn-cs"/>
+              </a:defRPr>
+            </a:lvl7pPr>
+            <a:lvl8pPr marL="3429000" indent="-228600" algn="l" defTabSz="914400" rtl="0" eaLnBrk="1" latinLnBrk="1" hangingPunct="1">
+              <a:lnSpc>
+                <a:spcPct val="90000"/>
+              </a:lnSpc>
+              <a:spcBef>
+                <a:spcPts val="500"/>
+              </a:spcBef>
+              <a:buFont typeface="Arial" panose="020B0604020202020204" pitchFamily="34" charset="0"/>
+              <a:buChar char="•"/>
+              <a:defRPr sz="1800" kern="1200">
+                <a:solidFill>
+                  <a:schemeClr val="tx1"/>
+                </a:solidFill>
+                <a:latin typeface="+mn-lt"/>
+                <a:ea typeface="+mn-ea"/>
+                <a:cs typeface="+mn-cs"/>
+              </a:defRPr>
+            </a:lvl8pPr>
+            <a:lvl9pPr marL="3886200" indent="-228600" algn="l" defTabSz="914400" rtl="0" eaLnBrk="1" latinLnBrk="1" hangingPunct="1">
+              <a:lnSpc>
+                <a:spcPct val="90000"/>
+              </a:lnSpc>
+              <a:spcBef>
+                <a:spcPts val="500"/>
+              </a:spcBef>
+              <a:buFont typeface="Arial" panose="020B0604020202020204" pitchFamily="34" charset="0"/>
+              <a:buChar char="•"/>
+              <a:defRPr sz="1800" kern="1200">
+                <a:solidFill>
+                  <a:schemeClr val="tx1"/>
+                </a:solidFill>
+                <a:latin typeface="+mn-lt"/>
+                <a:ea typeface="+mn-ea"/>
+                <a:cs typeface="+mn-cs"/>
+              </a:defRPr>
+            </a:lvl9pPr>
+          </a:lstStyle>
+          <a:p>
+            <a:pPr marL="0" indent="0" algn="ctr">
+              <a:buNone/>
+            </a:pPr>
+            <a:r>
+              <a:rPr lang="ko-KR" altLang="en-US" sz="4000" dirty="0">
+                <a:latin typeface="배달의민족 주아" panose="02020603020101020101" pitchFamily="18" charset="-127"/>
+                <a:ea typeface="배달의민족 주아" panose="02020603020101020101" pitchFamily="18" charset="-127"/>
+              </a:rPr>
+              <a:t>원하는 </a:t>
+            </a:r>
+            <a:r>
+              <a:rPr lang="ko-KR" altLang="en-US" sz="4000" dirty="0" err="1">
+                <a:latin typeface="배달의민족 주아" panose="02020603020101020101" pitchFamily="18" charset="-127"/>
+                <a:ea typeface="배달의민족 주아" panose="02020603020101020101" pitchFamily="18" charset="-127"/>
+              </a:rPr>
+              <a:t>세팅대로</a:t>
+            </a:r>
+            <a:r>
+              <a:rPr lang="ko-KR" altLang="en-US" sz="4000" dirty="0">
+                <a:latin typeface="배달의민족 주아" panose="02020603020101020101" pitchFamily="18" charset="-127"/>
+                <a:ea typeface="배달의민족 주아" panose="02020603020101020101" pitchFamily="18" charset="-127"/>
+              </a:rPr>
+              <a:t> 유니티 프로젝트 생성</a:t>
+            </a:r>
+          </a:p>
+        </p:txBody>
+      </p:sp>
+      <p:pic>
+        <p:nvPicPr>
+          <p:cNvPr id="2" name="그림 1">
+            <a:extLst>
+              <a:ext uri="{FF2B5EF4-FFF2-40B4-BE49-F238E27FC236}">
+                <a16:creationId xmlns:a16="http://schemas.microsoft.com/office/drawing/2014/main" id="{09CD8C5B-790E-4FAD-9EA5-4C06CD8F9A06}"/>
+              </a:ext>
+            </a:extLst>
+          </p:cNvPr>
+          <p:cNvPicPr>
+            <a:picLocks noChangeAspect="1"/>
+          </p:cNvPicPr>
+          <p:nvPr/>
+        </p:nvPicPr>
+        <p:blipFill>
+          <a:blip r:embed="rId2"/>
+          <a:stretch>
+            <a:fillRect/>
+          </a:stretch>
+        </p:blipFill>
+        <p:spPr>
+          <a:xfrm>
+            <a:off x="2201842" y="1845469"/>
+            <a:ext cx="7788315" cy="4580017"/>
+          </a:xfrm>
+          <a:prstGeom prst="rect">
+            <a:avLst/>
+          </a:prstGeom>
+        </p:spPr>
+      </p:pic>
+    </p:spTree>
+    <p:extLst>
+      <p:ext uri="{BB962C8B-B14F-4D97-AF65-F5344CB8AC3E}">
+        <p14:creationId xmlns:p14="http://schemas.microsoft.com/office/powerpoint/2010/main" val="290383557"/>
+      </p:ext>
+    </p:extLst>
+  </p:cSld>
+  <p:clrMapOvr>
+    <a:masterClrMapping/>
+  </p:clrMapOvr>
+</p:sld>
+</file>
+
+<file path=ppt/slides/slide2.xml><?xml version="1.0" encoding="utf-8"?>
+<p:sld xmlns:a="http://schemas.openxmlformats.org/drawingml/2006/main" xmlns:r="http://schemas.openxmlformats.org/officeDocument/2006/relationships" xmlns:p="http://schemas.openxmlformats.org/presentationml/2006/main">
+  <p:cSld>
+    <p:spTree>
+      <p:nvGrpSpPr>
+        <p:cNvPr id="1" name=""/>
+        <p:cNvGrpSpPr/>
+        <p:nvPr/>
+      </p:nvGrpSpPr>
+      <p:grpSpPr>
+        <a:xfrm>
+          <a:off x="0" y="0"/>
+          <a:ext cx="0" cy="0"/>
+          <a:chOff x="0" y="0"/>
+          <a:chExt cx="0" cy="0"/>
+        </a:xfrm>
+      </p:grpSpPr>
+      <p:sp>
+        <p:nvSpPr>
+          <p:cNvPr id="4" name="직사각형 3">
+            <a:extLst>
+              <a:ext uri="{FF2B5EF4-FFF2-40B4-BE49-F238E27FC236}">
+                <a16:creationId xmlns:a16="http://schemas.microsoft.com/office/drawing/2014/main" id="{E79D7B46-7B6E-42EB-AEE8-A3876135D94E}"/>
+              </a:ext>
+            </a:extLst>
+          </p:cNvPr>
+          <p:cNvSpPr/>
+          <p:nvPr/>
+        </p:nvSpPr>
+        <p:spPr>
+          <a:xfrm>
+            <a:off x="0" y="2582771"/>
+            <a:ext cx="12192000" cy="1692458"/>
+          </a:xfrm>
+          <a:prstGeom prst="rect">
+            <a:avLst/>
+          </a:prstGeom>
+          <a:solidFill>
+            <a:schemeClr val="tx1"/>
+          </a:solidFill>
+          <a:ln>
+            <a:solidFill>
+              <a:schemeClr val="tx1"/>
+            </a:solidFill>
+          </a:ln>
+        </p:spPr>
+        <p:style>
+          <a:lnRef idx="2">
+            <a:schemeClr val="accent1">
+              <a:shade val="50000"/>
+            </a:schemeClr>
+          </a:lnRef>
+          <a:fillRef idx="1">
+            <a:schemeClr val="accent1"/>
+          </a:fillRef>
+          <a:effectRef idx="0">
+            <a:schemeClr val="accent1"/>
+          </a:effectRef>
+          <a:fontRef idx="minor">
+            <a:schemeClr val="lt1"/>
+          </a:fontRef>
+        </p:style>
+        <p:txBody>
+          <a:bodyPr rtlCol="0" anchor="ctr"/>
+          <a:lstStyle>
+            <a:defPPr>
+              <a:defRPr lang="ko-KR"/>
+            </a:defPPr>
+            <a:lvl1pPr marL="0" algn="l" defTabSz="914400" rtl="0" eaLnBrk="1" latinLnBrk="1" hangingPunct="1">
+              <a:defRPr sz="1800" kern="1200">
+                <a:solidFill>
+                  <a:schemeClr val="lt1"/>
+                </a:solidFill>
+                <a:latin typeface="+mn-lt"/>
+                <a:ea typeface="+mn-ea"/>
+                <a:cs typeface="+mn-cs"/>
+              </a:defRPr>
+            </a:lvl1pPr>
+            <a:lvl2pPr marL="457200" algn="l" defTabSz="914400" rtl="0" eaLnBrk="1" latinLnBrk="1" hangingPunct="1">
+              <a:defRPr sz="1800" kern="1200">
+                <a:solidFill>
+                  <a:schemeClr val="lt1"/>
+                </a:solidFill>
+                <a:latin typeface="+mn-lt"/>
+                <a:ea typeface="+mn-ea"/>
+                <a:cs typeface="+mn-cs"/>
+              </a:defRPr>
+            </a:lvl2pPr>
+            <a:lvl3pPr marL="914400" algn="l" defTabSz="914400" rtl="0" eaLnBrk="1" latinLnBrk="1" hangingPunct="1">
+              <a:defRPr sz="1800" kern="1200">
+                <a:solidFill>
+                  <a:schemeClr val="lt1"/>
+                </a:solidFill>
+                <a:latin typeface="+mn-lt"/>
+                <a:ea typeface="+mn-ea"/>
+                <a:cs typeface="+mn-cs"/>
+              </a:defRPr>
+            </a:lvl3pPr>
+            <a:lvl4pPr marL="1371600" algn="l" defTabSz="914400" rtl="0" eaLnBrk="1" latinLnBrk="1" hangingPunct="1">
+              <a:defRPr sz="1800" kern="1200">
+                <a:solidFill>
+                  <a:schemeClr val="lt1"/>
+                </a:solidFill>
+                <a:latin typeface="+mn-lt"/>
+                <a:ea typeface="+mn-ea"/>
+                <a:cs typeface="+mn-cs"/>
+              </a:defRPr>
+            </a:lvl4pPr>
+            <a:lvl5pPr marL="1828800" algn="l" defTabSz="914400" rtl="0" eaLnBrk="1" latinLnBrk="1" hangingPunct="1">
+              <a:defRPr sz="1800" kern="1200">
+                <a:solidFill>
+                  <a:schemeClr val="lt1"/>
+                </a:solidFill>
+                <a:latin typeface="+mn-lt"/>
+                <a:ea typeface="+mn-ea"/>
+                <a:cs typeface="+mn-cs"/>
+              </a:defRPr>
+            </a:lvl5pPr>
+            <a:lvl6pPr marL="2286000" algn="l" defTabSz="914400" rtl="0" eaLnBrk="1" latinLnBrk="1" hangingPunct="1">
+              <a:defRPr sz="1800" kern="1200">
+                <a:solidFill>
+                  <a:schemeClr val="lt1"/>
+                </a:solidFill>
+                <a:latin typeface="+mn-lt"/>
+                <a:ea typeface="+mn-ea"/>
+                <a:cs typeface="+mn-cs"/>
+              </a:defRPr>
+            </a:lvl6pPr>
+            <a:lvl7pPr marL="2743200" algn="l" defTabSz="914400" rtl="0" eaLnBrk="1" latinLnBrk="1" hangingPunct="1">
+              <a:defRPr sz="1800" kern="1200">
+                <a:solidFill>
+                  <a:schemeClr val="lt1"/>
+                </a:solidFill>
+                <a:latin typeface="+mn-lt"/>
+                <a:ea typeface="+mn-ea"/>
+                <a:cs typeface="+mn-cs"/>
+              </a:defRPr>
+            </a:lvl7pPr>
+            <a:lvl8pPr marL="3200400" algn="l" defTabSz="914400" rtl="0" eaLnBrk="1" latinLnBrk="1" hangingPunct="1">
+              <a:defRPr sz="1800" kern="1200">
+                <a:solidFill>
+                  <a:schemeClr val="lt1"/>
+                </a:solidFill>
+                <a:latin typeface="+mn-lt"/>
+                <a:ea typeface="+mn-ea"/>
+                <a:cs typeface="+mn-cs"/>
+              </a:defRPr>
+            </a:lvl8pPr>
+            <a:lvl9pPr marL="3657600" algn="l" defTabSz="914400" rtl="0" eaLnBrk="1" latinLnBrk="1" hangingPunct="1">
+              <a:defRPr sz="1800" kern="1200">
+                <a:solidFill>
+                  <a:schemeClr val="lt1"/>
+                </a:solidFill>
+                <a:latin typeface="+mn-lt"/>
+                <a:ea typeface="+mn-ea"/>
+                <a:cs typeface="+mn-cs"/>
+              </a:defRPr>
+            </a:lvl9pPr>
+          </a:lstStyle>
+          <a:p>
+            <a:pPr algn="ctr"/>
+            <a:r>
+              <a:rPr lang="ko-KR" altLang="en-US" sz="5400" dirty="0">
+                <a:solidFill>
+                  <a:schemeClr val="bg1"/>
+                </a:solidFill>
+                <a:latin typeface="태나다체 " panose="02000000000000000000" pitchFamily="2" charset="-127"/>
+                <a:ea typeface="태나다체 " panose="02000000000000000000" pitchFamily="2" charset="-127"/>
+              </a:rPr>
+              <a:t>프레임워크 사용법</a:t>
+            </a:r>
+          </a:p>
+        </p:txBody>
+      </p:sp>
+    </p:spTree>
+    <p:extLst>
+      <p:ext uri="{BB962C8B-B14F-4D97-AF65-F5344CB8AC3E}">
+        <p14:creationId xmlns:p14="http://schemas.microsoft.com/office/powerpoint/2010/main" val="1566170208"/>
+      </p:ext>
+    </p:extLst>
+  </p:cSld>
+  <p:clrMapOvr>
+    <a:masterClrMapping/>
+  </p:clrMapOvr>
+</p:sld>
+</file>
+
+<file path=ppt/slides/slide20.xml><?xml version="1.0" encoding="utf-8"?>
+<p:sld xmlns:a="http://schemas.openxmlformats.org/drawingml/2006/main" xmlns:r="http://schemas.openxmlformats.org/officeDocument/2006/relationships" xmlns:p="http://schemas.openxmlformats.org/presentationml/2006/main">
+  <p:cSld>
+    <p:spTree>
+      <p:nvGrpSpPr>
+        <p:cNvPr id="1" name=""/>
+        <p:cNvGrpSpPr/>
+        <p:nvPr/>
+      </p:nvGrpSpPr>
+      <p:grpSpPr>
+        <a:xfrm>
+          <a:off x="0" y="0"/>
+          <a:ext cx="0" cy="0"/>
+          <a:chOff x="0" y="0"/>
+          <a:chExt cx="0" cy="0"/>
+        </a:xfrm>
+      </p:grpSpPr>
+      <p:sp>
+        <p:nvSpPr>
+          <p:cNvPr id="3" name="직사각형 2">
+            <a:extLst>
+              <a:ext uri="{FF2B5EF4-FFF2-40B4-BE49-F238E27FC236}">
+                <a16:creationId xmlns:a16="http://schemas.microsoft.com/office/drawing/2014/main" id="{55435521-BF96-43FE-A06E-039938A5E834}"/>
+              </a:ext>
+            </a:extLst>
+          </p:cNvPr>
+          <p:cNvSpPr/>
+          <p:nvPr/>
+        </p:nvSpPr>
+        <p:spPr>
+          <a:xfrm>
+            <a:off x="0" y="339365"/>
+            <a:ext cx="3619893" cy="1221117"/>
+          </a:xfrm>
+          <a:prstGeom prst="rect">
+            <a:avLst/>
+          </a:prstGeom>
+          <a:solidFill>
+            <a:schemeClr val="tx1"/>
+          </a:solidFill>
+          <a:ln>
+            <a:solidFill>
+              <a:schemeClr val="tx1"/>
+            </a:solidFill>
+          </a:ln>
+        </p:spPr>
+        <p:style>
+          <a:lnRef idx="2">
+            <a:schemeClr val="accent1">
+              <a:shade val="50000"/>
+            </a:schemeClr>
+          </a:lnRef>
+          <a:fillRef idx="1">
+            <a:schemeClr val="accent1"/>
+          </a:fillRef>
+          <a:effectRef idx="0">
+            <a:schemeClr val="accent1"/>
+          </a:effectRef>
+          <a:fontRef idx="minor">
+            <a:schemeClr val="lt1"/>
+          </a:fontRef>
+        </p:style>
+        <p:txBody>
+          <a:bodyPr rtlCol="0" anchor="ctr"/>
+          <a:lstStyle/>
+          <a:p>
+            <a:pPr algn="ctr"/>
+            <a:r>
+              <a:rPr lang="ko-KR" altLang="en-US" sz="4400" dirty="0">
+                <a:solidFill>
+                  <a:schemeClr val="bg1"/>
+                </a:solidFill>
+                <a:latin typeface="태나다체 " panose="02000000000000000000" pitchFamily="2" charset="-127"/>
+                <a:ea typeface="태나다체 " panose="02000000000000000000" pitchFamily="2" charset="-127"/>
+              </a:rPr>
+              <a:t>참조 추가</a:t>
+            </a:r>
+            <a:endParaRPr lang="en-US" altLang="ko-KR" sz="4400" dirty="0">
+              <a:solidFill>
+                <a:schemeClr val="bg1"/>
+              </a:solidFill>
+              <a:latin typeface="태나다체 " panose="02000000000000000000" pitchFamily="2" charset="-127"/>
+              <a:ea typeface="태나다체 " panose="02000000000000000000" pitchFamily="2" charset="-127"/>
+            </a:endParaRPr>
+          </a:p>
+        </p:txBody>
+      </p:sp>
+      <p:pic>
+        <p:nvPicPr>
+          <p:cNvPr id="2" name="그림 1">
+            <a:extLst>
+              <a:ext uri="{FF2B5EF4-FFF2-40B4-BE49-F238E27FC236}">
+                <a16:creationId xmlns:a16="http://schemas.microsoft.com/office/drawing/2014/main" id="{33B39D98-9808-4E8A-A7A5-A1D6920D13DF}"/>
+              </a:ext>
+            </a:extLst>
+          </p:cNvPr>
+          <p:cNvPicPr>
+            <a:picLocks noChangeAspect="1"/>
+          </p:cNvPicPr>
+          <p:nvPr/>
+        </p:nvPicPr>
+        <p:blipFill>
+          <a:blip r:embed="rId2"/>
+          <a:stretch>
+            <a:fillRect/>
+          </a:stretch>
+        </p:blipFill>
+        <p:spPr>
+          <a:xfrm>
+            <a:off x="1385968" y="2450892"/>
+            <a:ext cx="4467849" cy="4067743"/>
+          </a:xfrm>
+          <a:prstGeom prst="rect">
+            <a:avLst/>
+          </a:prstGeom>
+        </p:spPr>
+      </p:pic>
+      <p:sp>
+        <p:nvSpPr>
+          <p:cNvPr id="5" name="부제목 2">
+            <a:extLst>
+              <a:ext uri="{FF2B5EF4-FFF2-40B4-BE49-F238E27FC236}">
+                <a16:creationId xmlns:a16="http://schemas.microsoft.com/office/drawing/2014/main" id="{7E25CF4B-11BF-4CF5-B00F-8586900A8A9B}"/>
+              </a:ext>
+            </a:extLst>
+          </p:cNvPr>
+          <p:cNvSpPr txBox="1">
+            <a:spLocks/>
+          </p:cNvSpPr>
+          <p:nvPr/>
+        </p:nvSpPr>
+        <p:spPr>
+          <a:xfrm>
+            <a:off x="6338185" y="3042674"/>
+            <a:ext cx="5131828" cy="1140643"/>
+          </a:xfrm>
+          <a:prstGeom prst="rect">
+            <a:avLst/>
+          </a:prstGeom>
+        </p:spPr>
+        <p:txBody>
+          <a:bodyPr vert="horz" lIns="91440" tIns="45720" rIns="91440" bIns="45720" rtlCol="0" anchor="ctr">
+            <a:normAutofit/>
+          </a:bodyPr>
+          <a:lstStyle>
+            <a:lvl1pPr marL="228600" indent="-228600" algn="l" defTabSz="914400" rtl="0" eaLnBrk="1" latinLnBrk="1" hangingPunct="1">
+              <a:lnSpc>
+                <a:spcPct val="90000"/>
+              </a:lnSpc>
+              <a:spcBef>
+                <a:spcPts val="1000"/>
+              </a:spcBef>
+              <a:buFont typeface="Arial" panose="020B0604020202020204" pitchFamily="34" charset="0"/>
+              <a:buChar char="•"/>
+              <a:defRPr sz="2800" kern="1200">
+                <a:solidFill>
+                  <a:schemeClr val="tx1"/>
+                </a:solidFill>
+                <a:latin typeface="+mn-lt"/>
+                <a:ea typeface="+mn-ea"/>
+                <a:cs typeface="+mn-cs"/>
+              </a:defRPr>
+            </a:lvl1pPr>
+            <a:lvl2pPr marL="685800" indent="-228600" algn="l" defTabSz="914400" rtl="0" eaLnBrk="1" latinLnBrk="1" hangingPunct="1">
+              <a:lnSpc>
+                <a:spcPct val="90000"/>
+              </a:lnSpc>
+              <a:spcBef>
+                <a:spcPts val="500"/>
+              </a:spcBef>
+              <a:buFont typeface="Arial" panose="020B0604020202020204" pitchFamily="34" charset="0"/>
+              <a:buChar char="•"/>
+              <a:defRPr sz="2400" kern="1200">
+                <a:solidFill>
+                  <a:schemeClr val="tx1"/>
+                </a:solidFill>
+                <a:latin typeface="+mn-lt"/>
+                <a:ea typeface="+mn-ea"/>
+                <a:cs typeface="+mn-cs"/>
+              </a:defRPr>
+            </a:lvl2pPr>
+            <a:lvl3pPr marL="1143000" indent="-228600" algn="l" defTabSz="914400" rtl="0" eaLnBrk="1" latinLnBrk="1" hangingPunct="1">
+              <a:lnSpc>
+                <a:spcPct val="90000"/>
+              </a:lnSpc>
+              <a:spcBef>
+                <a:spcPts val="500"/>
+              </a:spcBef>
+              <a:buFont typeface="Arial" panose="020B0604020202020204" pitchFamily="34" charset="0"/>
+              <a:buChar char="•"/>
+              <a:defRPr sz="2000" kern="1200">
+                <a:solidFill>
+                  <a:schemeClr val="tx1"/>
+                </a:solidFill>
+                <a:latin typeface="+mn-lt"/>
+                <a:ea typeface="+mn-ea"/>
+                <a:cs typeface="+mn-cs"/>
+              </a:defRPr>
+            </a:lvl3pPr>
+            <a:lvl4pPr marL="1600200" indent="-228600" algn="l" defTabSz="914400" rtl="0" eaLnBrk="1" latinLnBrk="1" hangingPunct="1">
+              <a:lnSpc>
+                <a:spcPct val="90000"/>
+              </a:lnSpc>
+              <a:spcBef>
+                <a:spcPts val="500"/>
+              </a:spcBef>
+              <a:buFont typeface="Arial" panose="020B0604020202020204" pitchFamily="34" charset="0"/>
+              <a:buChar char="•"/>
+              <a:defRPr sz="1800" kern="1200">
+                <a:solidFill>
+                  <a:schemeClr val="tx1"/>
+                </a:solidFill>
+                <a:latin typeface="+mn-lt"/>
+                <a:ea typeface="+mn-ea"/>
+                <a:cs typeface="+mn-cs"/>
+              </a:defRPr>
+            </a:lvl4pPr>
+            <a:lvl5pPr marL="2057400" indent="-228600" algn="l" defTabSz="914400" rtl="0" eaLnBrk="1" latinLnBrk="1" hangingPunct="1">
+              <a:lnSpc>
+                <a:spcPct val="90000"/>
+              </a:lnSpc>
+              <a:spcBef>
+                <a:spcPts val="500"/>
+              </a:spcBef>
+              <a:buFont typeface="Arial" panose="020B0604020202020204" pitchFamily="34" charset="0"/>
+              <a:buChar char="•"/>
+              <a:defRPr sz="1800" kern="1200">
+                <a:solidFill>
+                  <a:schemeClr val="tx1"/>
+                </a:solidFill>
+                <a:latin typeface="+mn-lt"/>
+                <a:ea typeface="+mn-ea"/>
+                <a:cs typeface="+mn-cs"/>
+              </a:defRPr>
+            </a:lvl5pPr>
+            <a:lvl6pPr marL="2514600" indent="-228600" algn="l" defTabSz="914400" rtl="0" eaLnBrk="1" latinLnBrk="1" hangingPunct="1">
+              <a:lnSpc>
+                <a:spcPct val="90000"/>
+              </a:lnSpc>
+              <a:spcBef>
+                <a:spcPts val="500"/>
+              </a:spcBef>
+              <a:buFont typeface="Arial" panose="020B0604020202020204" pitchFamily="34" charset="0"/>
+              <a:buChar char="•"/>
+              <a:defRPr sz="1800" kern="1200">
+                <a:solidFill>
+                  <a:schemeClr val="tx1"/>
+                </a:solidFill>
+                <a:latin typeface="+mn-lt"/>
+                <a:ea typeface="+mn-ea"/>
+                <a:cs typeface="+mn-cs"/>
+              </a:defRPr>
+            </a:lvl6pPr>
+            <a:lvl7pPr marL="2971800" indent="-228600" algn="l" defTabSz="914400" rtl="0" eaLnBrk="1" latinLnBrk="1" hangingPunct="1">
+              <a:lnSpc>
+                <a:spcPct val="90000"/>
+              </a:lnSpc>
+              <a:spcBef>
+                <a:spcPts val="500"/>
+              </a:spcBef>
+              <a:buFont typeface="Arial" panose="020B0604020202020204" pitchFamily="34" charset="0"/>
+              <a:buChar char="•"/>
+              <a:defRPr sz="1800" kern="1200">
+                <a:solidFill>
+                  <a:schemeClr val="tx1"/>
+                </a:solidFill>
+                <a:latin typeface="+mn-lt"/>
+                <a:ea typeface="+mn-ea"/>
+                <a:cs typeface="+mn-cs"/>
+              </a:defRPr>
+            </a:lvl7pPr>
+            <a:lvl8pPr marL="3429000" indent="-228600" algn="l" defTabSz="914400" rtl="0" eaLnBrk="1" latinLnBrk="1" hangingPunct="1">
+              <a:lnSpc>
+                <a:spcPct val="90000"/>
+              </a:lnSpc>
+              <a:spcBef>
+                <a:spcPts val="500"/>
+              </a:spcBef>
+              <a:buFont typeface="Arial" panose="020B0604020202020204" pitchFamily="34" charset="0"/>
+              <a:buChar char="•"/>
+              <a:defRPr sz="1800" kern="1200">
+                <a:solidFill>
+                  <a:schemeClr val="tx1"/>
+                </a:solidFill>
+                <a:latin typeface="+mn-lt"/>
+                <a:ea typeface="+mn-ea"/>
+                <a:cs typeface="+mn-cs"/>
+              </a:defRPr>
+            </a:lvl8pPr>
+            <a:lvl9pPr marL="3886200" indent="-228600" algn="l" defTabSz="914400" rtl="0" eaLnBrk="1" latinLnBrk="1" hangingPunct="1">
+              <a:lnSpc>
+                <a:spcPct val="90000"/>
+              </a:lnSpc>
+              <a:spcBef>
+                <a:spcPts val="500"/>
+              </a:spcBef>
+              <a:buFont typeface="Arial" panose="020B0604020202020204" pitchFamily="34" charset="0"/>
+              <a:buChar char="•"/>
+              <a:defRPr sz="1800" kern="1200">
+                <a:solidFill>
+                  <a:schemeClr val="tx1"/>
+                </a:solidFill>
+                <a:latin typeface="+mn-lt"/>
+                <a:ea typeface="+mn-ea"/>
+                <a:cs typeface="+mn-cs"/>
+              </a:defRPr>
+            </a:lvl9pPr>
+          </a:lstStyle>
+          <a:p>
+            <a:pPr marL="0" indent="0" algn="ctr">
+              <a:buNone/>
+            </a:pPr>
+            <a:r>
+              <a:rPr lang="en-US" altLang="ko-KR" sz="4000" dirty="0">
+                <a:latin typeface="배달의민족 주아" panose="02020603020101020101" pitchFamily="18" charset="-127"/>
+                <a:ea typeface="배달의민족 주아" panose="02020603020101020101" pitchFamily="18" charset="-127"/>
+              </a:rPr>
+              <a:t>Plugins</a:t>
+            </a:r>
+            <a:r>
+              <a:rPr lang="ko-KR" altLang="en-US" sz="4000" dirty="0">
+                <a:latin typeface="배달의민족 주아" panose="02020603020101020101" pitchFamily="18" charset="-127"/>
+                <a:ea typeface="배달의민족 주아" panose="02020603020101020101" pitchFamily="18" charset="-127"/>
+              </a:rPr>
+              <a:t> 폴더 생성</a:t>
+            </a:r>
+          </a:p>
+        </p:txBody>
+      </p:sp>
+    </p:spTree>
+    <p:extLst>
+      <p:ext uri="{BB962C8B-B14F-4D97-AF65-F5344CB8AC3E}">
+        <p14:creationId xmlns:p14="http://schemas.microsoft.com/office/powerpoint/2010/main" val="3412730855"/>
+      </p:ext>
+    </p:extLst>
+  </p:cSld>
+  <p:clrMapOvr>
+    <a:masterClrMapping/>
+  </p:clrMapOvr>
+</p:sld>
+</file>
+
+<file path=ppt/slides/slide21.xml><?xml version="1.0" encoding="utf-8"?>
+<p:sld xmlns:a="http://schemas.openxmlformats.org/drawingml/2006/main" xmlns:r="http://schemas.openxmlformats.org/officeDocument/2006/relationships" xmlns:p="http://schemas.openxmlformats.org/presentationml/2006/main">
+  <p:cSld>
+    <p:spTree>
+      <p:nvGrpSpPr>
+        <p:cNvPr id="1" name=""/>
+        <p:cNvGrpSpPr/>
+        <p:nvPr/>
+      </p:nvGrpSpPr>
+      <p:grpSpPr>
+        <a:xfrm>
+          <a:off x="0" y="0"/>
+          <a:ext cx="0" cy="0"/>
+          <a:chOff x="0" y="0"/>
+          <a:chExt cx="0" cy="0"/>
+        </a:xfrm>
+      </p:grpSpPr>
+      <p:sp>
+        <p:nvSpPr>
+          <p:cNvPr id="3" name="직사각형 2">
+            <a:extLst>
+              <a:ext uri="{FF2B5EF4-FFF2-40B4-BE49-F238E27FC236}">
+                <a16:creationId xmlns:a16="http://schemas.microsoft.com/office/drawing/2014/main" id="{55435521-BF96-43FE-A06E-039938A5E834}"/>
+              </a:ext>
+            </a:extLst>
+          </p:cNvPr>
+          <p:cNvSpPr/>
+          <p:nvPr/>
+        </p:nvSpPr>
+        <p:spPr>
+          <a:xfrm>
+            <a:off x="0" y="339365"/>
+            <a:ext cx="3619893" cy="1221117"/>
+          </a:xfrm>
+          <a:prstGeom prst="rect">
+            <a:avLst/>
+          </a:prstGeom>
+          <a:solidFill>
+            <a:schemeClr val="tx1"/>
+          </a:solidFill>
+          <a:ln>
+            <a:solidFill>
+              <a:schemeClr val="tx1"/>
+            </a:solidFill>
+          </a:ln>
+        </p:spPr>
+        <p:style>
+          <a:lnRef idx="2">
+            <a:schemeClr val="accent1">
+              <a:shade val="50000"/>
+            </a:schemeClr>
+          </a:lnRef>
+          <a:fillRef idx="1">
+            <a:schemeClr val="accent1"/>
+          </a:fillRef>
+          <a:effectRef idx="0">
+            <a:schemeClr val="accent1"/>
+          </a:effectRef>
+          <a:fontRef idx="minor">
+            <a:schemeClr val="lt1"/>
+          </a:fontRef>
+        </p:style>
+        <p:txBody>
+          <a:bodyPr rtlCol="0" anchor="ctr"/>
+          <a:lstStyle/>
+          <a:p>
+            <a:pPr algn="ctr"/>
+            <a:r>
+              <a:rPr lang="ko-KR" altLang="en-US" sz="4400" dirty="0">
+                <a:solidFill>
+                  <a:schemeClr val="bg1"/>
+                </a:solidFill>
+                <a:latin typeface="태나다체 " panose="02000000000000000000" pitchFamily="2" charset="-127"/>
+                <a:ea typeface="태나다체 " panose="02000000000000000000" pitchFamily="2" charset="-127"/>
+              </a:rPr>
+              <a:t>참조 추가</a:t>
+            </a:r>
+            <a:endParaRPr lang="en-US" altLang="ko-KR" sz="4400" dirty="0">
+              <a:solidFill>
+                <a:schemeClr val="bg1"/>
+              </a:solidFill>
+              <a:latin typeface="태나다체 " panose="02000000000000000000" pitchFamily="2" charset="-127"/>
+              <a:ea typeface="태나다체 " panose="02000000000000000000" pitchFamily="2" charset="-127"/>
+            </a:endParaRPr>
+          </a:p>
+        </p:txBody>
+      </p:sp>
+      <p:sp>
+        <p:nvSpPr>
+          <p:cNvPr id="5" name="부제목 2">
+            <a:extLst>
+              <a:ext uri="{FF2B5EF4-FFF2-40B4-BE49-F238E27FC236}">
+                <a16:creationId xmlns:a16="http://schemas.microsoft.com/office/drawing/2014/main" id="{7E25CF4B-11BF-4CF5-B00F-8586900A8A9B}"/>
+              </a:ext>
+            </a:extLst>
+          </p:cNvPr>
+          <p:cNvSpPr txBox="1">
+            <a:spLocks/>
+          </p:cNvSpPr>
+          <p:nvPr/>
+        </p:nvSpPr>
+        <p:spPr>
+          <a:xfrm>
+            <a:off x="6338185" y="3042674"/>
+            <a:ext cx="5131828" cy="1140643"/>
+          </a:xfrm>
+          <a:prstGeom prst="rect">
+            <a:avLst/>
+          </a:prstGeom>
+        </p:spPr>
+        <p:txBody>
+          <a:bodyPr vert="horz" lIns="91440" tIns="45720" rIns="91440" bIns="45720" rtlCol="0" anchor="ctr">
+            <a:normAutofit/>
+          </a:bodyPr>
+          <a:lstStyle>
+            <a:lvl1pPr marL="228600" indent="-228600" algn="l" defTabSz="914400" rtl="0" eaLnBrk="1" latinLnBrk="1" hangingPunct="1">
+              <a:lnSpc>
+                <a:spcPct val="90000"/>
+              </a:lnSpc>
+              <a:spcBef>
+                <a:spcPts val="1000"/>
+              </a:spcBef>
+              <a:buFont typeface="Arial" panose="020B0604020202020204" pitchFamily="34" charset="0"/>
+              <a:buChar char="•"/>
+              <a:defRPr sz="2800" kern="1200">
+                <a:solidFill>
+                  <a:schemeClr val="tx1"/>
+                </a:solidFill>
+                <a:latin typeface="+mn-lt"/>
+                <a:ea typeface="+mn-ea"/>
+                <a:cs typeface="+mn-cs"/>
+              </a:defRPr>
+            </a:lvl1pPr>
+            <a:lvl2pPr marL="685800" indent="-228600" algn="l" defTabSz="914400" rtl="0" eaLnBrk="1" latinLnBrk="1" hangingPunct="1">
+              <a:lnSpc>
+                <a:spcPct val="90000"/>
+              </a:lnSpc>
+              <a:spcBef>
+                <a:spcPts val="500"/>
+              </a:spcBef>
+              <a:buFont typeface="Arial" panose="020B0604020202020204" pitchFamily="34" charset="0"/>
+              <a:buChar char="•"/>
+              <a:defRPr sz="2400" kern="1200">
+                <a:solidFill>
+                  <a:schemeClr val="tx1"/>
+                </a:solidFill>
+                <a:latin typeface="+mn-lt"/>
+                <a:ea typeface="+mn-ea"/>
+                <a:cs typeface="+mn-cs"/>
+              </a:defRPr>
+            </a:lvl2pPr>
+            <a:lvl3pPr marL="1143000" indent="-228600" algn="l" defTabSz="914400" rtl="0" eaLnBrk="1" latinLnBrk="1" hangingPunct="1">
+              <a:lnSpc>
+                <a:spcPct val="90000"/>
+              </a:lnSpc>
+              <a:spcBef>
+                <a:spcPts val="500"/>
+              </a:spcBef>
+              <a:buFont typeface="Arial" panose="020B0604020202020204" pitchFamily="34" charset="0"/>
+              <a:buChar char="•"/>
+              <a:defRPr sz="2000" kern="1200">
+                <a:solidFill>
+                  <a:schemeClr val="tx1"/>
+                </a:solidFill>
+                <a:latin typeface="+mn-lt"/>
+                <a:ea typeface="+mn-ea"/>
+                <a:cs typeface="+mn-cs"/>
+              </a:defRPr>
+            </a:lvl3pPr>
+            <a:lvl4pPr marL="1600200" indent="-228600" algn="l" defTabSz="914400" rtl="0" eaLnBrk="1" latinLnBrk="1" hangingPunct="1">
+              <a:lnSpc>
+                <a:spcPct val="90000"/>
+              </a:lnSpc>
+              <a:spcBef>
+                <a:spcPts val="500"/>
+              </a:spcBef>
+              <a:buFont typeface="Arial" panose="020B0604020202020204" pitchFamily="34" charset="0"/>
+              <a:buChar char="•"/>
+              <a:defRPr sz="1800" kern="1200">
+                <a:solidFill>
+                  <a:schemeClr val="tx1"/>
+                </a:solidFill>
+                <a:latin typeface="+mn-lt"/>
+                <a:ea typeface="+mn-ea"/>
+                <a:cs typeface="+mn-cs"/>
+              </a:defRPr>
+            </a:lvl4pPr>
+            <a:lvl5pPr marL="2057400" indent="-228600" algn="l" defTabSz="914400" rtl="0" eaLnBrk="1" latinLnBrk="1" hangingPunct="1">
+              <a:lnSpc>
+                <a:spcPct val="90000"/>
+              </a:lnSpc>
+              <a:spcBef>
+                <a:spcPts val="500"/>
+              </a:spcBef>
+              <a:buFont typeface="Arial" panose="020B0604020202020204" pitchFamily="34" charset="0"/>
+              <a:buChar char="•"/>
+              <a:defRPr sz="1800" kern="1200">
+                <a:solidFill>
+                  <a:schemeClr val="tx1"/>
+                </a:solidFill>
+                <a:latin typeface="+mn-lt"/>
+                <a:ea typeface="+mn-ea"/>
+                <a:cs typeface="+mn-cs"/>
+              </a:defRPr>
+            </a:lvl5pPr>
+            <a:lvl6pPr marL="2514600" indent="-228600" algn="l" defTabSz="914400" rtl="0" eaLnBrk="1" latinLnBrk="1" hangingPunct="1">
+              <a:lnSpc>
+                <a:spcPct val="90000"/>
+              </a:lnSpc>
+              <a:spcBef>
+                <a:spcPts val="500"/>
+              </a:spcBef>
+              <a:buFont typeface="Arial" panose="020B0604020202020204" pitchFamily="34" charset="0"/>
+              <a:buChar char="•"/>
+              <a:defRPr sz="1800" kern="1200">
+                <a:solidFill>
+                  <a:schemeClr val="tx1"/>
+                </a:solidFill>
+                <a:latin typeface="+mn-lt"/>
+                <a:ea typeface="+mn-ea"/>
+                <a:cs typeface="+mn-cs"/>
+              </a:defRPr>
+            </a:lvl6pPr>
+            <a:lvl7pPr marL="2971800" indent="-228600" algn="l" defTabSz="914400" rtl="0" eaLnBrk="1" latinLnBrk="1" hangingPunct="1">
+              <a:lnSpc>
+                <a:spcPct val="90000"/>
+              </a:lnSpc>
+              <a:spcBef>
+                <a:spcPts val="500"/>
+              </a:spcBef>
+              <a:buFont typeface="Arial" panose="020B0604020202020204" pitchFamily="34" charset="0"/>
+              <a:buChar char="•"/>
+              <a:defRPr sz="1800" kern="1200">
+                <a:solidFill>
+                  <a:schemeClr val="tx1"/>
+                </a:solidFill>
+                <a:latin typeface="+mn-lt"/>
+                <a:ea typeface="+mn-ea"/>
+                <a:cs typeface="+mn-cs"/>
+              </a:defRPr>
+            </a:lvl7pPr>
+            <a:lvl8pPr marL="3429000" indent="-228600" algn="l" defTabSz="914400" rtl="0" eaLnBrk="1" latinLnBrk="1" hangingPunct="1">
+              <a:lnSpc>
+                <a:spcPct val="90000"/>
+              </a:lnSpc>
+              <a:spcBef>
+                <a:spcPts val="500"/>
+              </a:spcBef>
+              <a:buFont typeface="Arial" panose="020B0604020202020204" pitchFamily="34" charset="0"/>
+              <a:buChar char="•"/>
+              <a:defRPr sz="1800" kern="1200">
+                <a:solidFill>
+                  <a:schemeClr val="tx1"/>
+                </a:solidFill>
+                <a:latin typeface="+mn-lt"/>
+                <a:ea typeface="+mn-ea"/>
+                <a:cs typeface="+mn-cs"/>
+              </a:defRPr>
+            </a:lvl8pPr>
+            <a:lvl9pPr marL="3886200" indent="-228600" algn="l" defTabSz="914400" rtl="0" eaLnBrk="1" latinLnBrk="1" hangingPunct="1">
+              <a:lnSpc>
+                <a:spcPct val="90000"/>
+              </a:lnSpc>
+              <a:spcBef>
+                <a:spcPts val="500"/>
+              </a:spcBef>
+              <a:buFont typeface="Arial" panose="020B0604020202020204" pitchFamily="34" charset="0"/>
+              <a:buChar char="•"/>
+              <a:defRPr sz="1800" kern="1200">
+                <a:solidFill>
+                  <a:schemeClr val="tx1"/>
+                </a:solidFill>
+                <a:latin typeface="+mn-lt"/>
+                <a:ea typeface="+mn-ea"/>
+                <a:cs typeface="+mn-cs"/>
+              </a:defRPr>
+            </a:lvl9pPr>
+          </a:lstStyle>
+          <a:p>
+            <a:pPr marL="0" indent="0" algn="ctr">
+              <a:buNone/>
+            </a:pPr>
+            <a:r>
+              <a:rPr lang="en-US" altLang="ko-KR" sz="4000" dirty="0">
+                <a:latin typeface="배달의민족 주아" panose="02020603020101020101" pitchFamily="18" charset="-127"/>
+                <a:ea typeface="배달의민족 주아" panose="02020603020101020101" pitchFamily="18" charset="-127"/>
+              </a:rPr>
+              <a:t>Plugins</a:t>
+            </a:r>
+            <a:r>
+              <a:rPr lang="ko-KR" altLang="en-US" sz="4000" dirty="0">
+                <a:latin typeface="배달의민족 주아" panose="02020603020101020101" pitchFamily="18" charset="-127"/>
+                <a:ea typeface="배달의민족 주아" panose="02020603020101020101" pitchFamily="18" charset="-127"/>
+              </a:rPr>
+              <a:t> 폴더 생성</a:t>
+            </a:r>
+          </a:p>
+        </p:txBody>
+      </p:sp>
+      <p:pic>
+        <p:nvPicPr>
+          <p:cNvPr id="6" name="그림 5">
+            <a:extLst>
+              <a:ext uri="{FF2B5EF4-FFF2-40B4-BE49-F238E27FC236}">
+                <a16:creationId xmlns:a16="http://schemas.microsoft.com/office/drawing/2014/main" id="{0A6F31A1-59A3-412D-B1FD-C3CE183EE4D8}"/>
+              </a:ext>
+            </a:extLst>
+          </p:cNvPr>
+          <p:cNvPicPr>
+            <a:picLocks noChangeAspect="1"/>
+          </p:cNvPicPr>
+          <p:nvPr/>
+        </p:nvPicPr>
+        <p:blipFill rotWithShape="1">
+          <a:blip r:embed="rId2"/>
+          <a:srcRect t="6151" b="16671"/>
+          <a:stretch/>
+        </p:blipFill>
+        <p:spPr>
+          <a:xfrm>
+            <a:off x="429386" y="1864151"/>
+            <a:ext cx="5908799" cy="2858505"/>
+          </a:xfrm>
+          <a:prstGeom prst="rect">
+            <a:avLst/>
+          </a:prstGeom>
+        </p:spPr>
+      </p:pic>
+      <p:pic>
+        <p:nvPicPr>
+          <p:cNvPr id="7" name="그림 6">
+            <a:extLst>
+              <a:ext uri="{FF2B5EF4-FFF2-40B4-BE49-F238E27FC236}">
+                <a16:creationId xmlns:a16="http://schemas.microsoft.com/office/drawing/2014/main" id="{5E460068-35E6-41E0-AC45-03203E06AAFA}"/>
+              </a:ext>
+            </a:extLst>
+          </p:cNvPr>
+          <p:cNvPicPr>
+            <a:picLocks noChangeAspect="1"/>
+          </p:cNvPicPr>
+          <p:nvPr/>
+        </p:nvPicPr>
+        <p:blipFill rotWithShape="1">
+          <a:blip r:embed="rId3"/>
+          <a:srcRect t="6864" b="17069"/>
+          <a:stretch/>
+        </p:blipFill>
+        <p:spPr>
+          <a:xfrm>
+            <a:off x="5893775" y="1864151"/>
+            <a:ext cx="5671122" cy="2705492"/>
+          </a:xfrm>
+          <a:prstGeom prst="rect">
+            <a:avLst/>
+          </a:prstGeom>
+        </p:spPr>
+      </p:pic>
+      <p:sp>
+        <p:nvSpPr>
+          <p:cNvPr id="9" name="부제목 2">
+            <a:extLst>
+              <a:ext uri="{FF2B5EF4-FFF2-40B4-BE49-F238E27FC236}">
+                <a16:creationId xmlns:a16="http://schemas.microsoft.com/office/drawing/2014/main" id="{076C4BC3-42D0-44F9-8D91-957776647518}"/>
+              </a:ext>
+            </a:extLst>
+          </p:cNvPr>
+          <p:cNvSpPr txBox="1">
+            <a:spLocks/>
+          </p:cNvSpPr>
+          <p:nvPr/>
+        </p:nvSpPr>
+        <p:spPr>
+          <a:xfrm>
+            <a:off x="2843753" y="496345"/>
+            <a:ext cx="10048972" cy="1140643"/>
+          </a:xfrm>
+          <a:prstGeom prst="rect">
+            <a:avLst/>
+          </a:prstGeom>
+        </p:spPr>
+        <p:txBody>
+          <a:bodyPr vert="horz" lIns="91440" tIns="45720" rIns="91440" bIns="45720" rtlCol="0" anchor="ctr">
+            <a:normAutofit/>
+          </a:bodyPr>
+          <a:lstStyle>
+            <a:lvl1pPr marL="228600" indent="-228600" algn="l" defTabSz="914400" rtl="0" eaLnBrk="1" latinLnBrk="1" hangingPunct="1">
+              <a:lnSpc>
+                <a:spcPct val="90000"/>
+              </a:lnSpc>
+              <a:spcBef>
+                <a:spcPts val="1000"/>
+              </a:spcBef>
+              <a:buFont typeface="Arial" panose="020B0604020202020204" pitchFamily="34" charset="0"/>
+              <a:buChar char="•"/>
+              <a:defRPr sz="2800" kern="1200">
+                <a:solidFill>
+                  <a:schemeClr val="tx1"/>
+                </a:solidFill>
+                <a:latin typeface="+mn-lt"/>
+                <a:ea typeface="+mn-ea"/>
+                <a:cs typeface="+mn-cs"/>
+              </a:defRPr>
+            </a:lvl1pPr>
+            <a:lvl2pPr marL="685800" indent="-228600" algn="l" defTabSz="914400" rtl="0" eaLnBrk="1" latinLnBrk="1" hangingPunct="1">
+              <a:lnSpc>
+                <a:spcPct val="90000"/>
+              </a:lnSpc>
+              <a:spcBef>
+                <a:spcPts val="500"/>
+              </a:spcBef>
+              <a:buFont typeface="Arial" panose="020B0604020202020204" pitchFamily="34" charset="0"/>
+              <a:buChar char="•"/>
+              <a:defRPr sz="2400" kern="1200">
+                <a:solidFill>
+                  <a:schemeClr val="tx1"/>
+                </a:solidFill>
+                <a:latin typeface="+mn-lt"/>
+                <a:ea typeface="+mn-ea"/>
+                <a:cs typeface="+mn-cs"/>
+              </a:defRPr>
+            </a:lvl2pPr>
+            <a:lvl3pPr marL="1143000" indent="-228600" algn="l" defTabSz="914400" rtl="0" eaLnBrk="1" latinLnBrk="1" hangingPunct="1">
+              <a:lnSpc>
+                <a:spcPct val="90000"/>
+              </a:lnSpc>
+              <a:spcBef>
+                <a:spcPts val="500"/>
+              </a:spcBef>
+              <a:buFont typeface="Arial" panose="020B0604020202020204" pitchFamily="34" charset="0"/>
+              <a:buChar char="•"/>
+              <a:defRPr sz="2000" kern="1200">
+                <a:solidFill>
+                  <a:schemeClr val="tx1"/>
+                </a:solidFill>
+                <a:latin typeface="+mn-lt"/>
+                <a:ea typeface="+mn-ea"/>
+                <a:cs typeface="+mn-cs"/>
+              </a:defRPr>
+            </a:lvl3pPr>
+            <a:lvl4pPr marL="1600200" indent="-228600" algn="l" defTabSz="914400" rtl="0" eaLnBrk="1" latinLnBrk="1" hangingPunct="1">
+              <a:lnSpc>
+                <a:spcPct val="90000"/>
+              </a:lnSpc>
+              <a:spcBef>
+                <a:spcPts val="500"/>
+              </a:spcBef>
+              <a:buFont typeface="Arial" panose="020B0604020202020204" pitchFamily="34" charset="0"/>
+              <a:buChar char="•"/>
+              <a:defRPr sz="1800" kern="1200">
+                <a:solidFill>
+                  <a:schemeClr val="tx1"/>
+                </a:solidFill>
+                <a:latin typeface="+mn-lt"/>
+                <a:ea typeface="+mn-ea"/>
+                <a:cs typeface="+mn-cs"/>
+              </a:defRPr>
+            </a:lvl4pPr>
+            <a:lvl5pPr marL="2057400" indent="-228600" algn="l" defTabSz="914400" rtl="0" eaLnBrk="1" latinLnBrk="1" hangingPunct="1">
+              <a:lnSpc>
+                <a:spcPct val="90000"/>
+              </a:lnSpc>
+              <a:spcBef>
+                <a:spcPts val="500"/>
+              </a:spcBef>
+              <a:buFont typeface="Arial" panose="020B0604020202020204" pitchFamily="34" charset="0"/>
+              <a:buChar char="•"/>
+              <a:defRPr sz="1800" kern="1200">
+                <a:solidFill>
+                  <a:schemeClr val="tx1"/>
+                </a:solidFill>
+                <a:latin typeface="+mn-lt"/>
+                <a:ea typeface="+mn-ea"/>
+                <a:cs typeface="+mn-cs"/>
+              </a:defRPr>
+            </a:lvl5pPr>
+            <a:lvl6pPr marL="2514600" indent="-228600" algn="l" defTabSz="914400" rtl="0" eaLnBrk="1" latinLnBrk="1" hangingPunct="1">
+              <a:lnSpc>
+                <a:spcPct val="90000"/>
+              </a:lnSpc>
+              <a:spcBef>
+                <a:spcPts val="500"/>
+              </a:spcBef>
+              <a:buFont typeface="Arial" panose="020B0604020202020204" pitchFamily="34" charset="0"/>
+              <a:buChar char="•"/>
+              <a:defRPr sz="1800" kern="1200">
+                <a:solidFill>
+                  <a:schemeClr val="tx1"/>
+                </a:solidFill>
+                <a:latin typeface="+mn-lt"/>
+                <a:ea typeface="+mn-ea"/>
+                <a:cs typeface="+mn-cs"/>
+              </a:defRPr>
+            </a:lvl6pPr>
+            <a:lvl7pPr marL="2971800" indent="-228600" algn="l" defTabSz="914400" rtl="0" eaLnBrk="1" latinLnBrk="1" hangingPunct="1">
+              <a:lnSpc>
+                <a:spcPct val="90000"/>
+              </a:lnSpc>
+              <a:spcBef>
+                <a:spcPts val="500"/>
+              </a:spcBef>
+              <a:buFont typeface="Arial" panose="020B0604020202020204" pitchFamily="34" charset="0"/>
+              <a:buChar char="•"/>
+              <a:defRPr sz="1800" kern="1200">
+                <a:solidFill>
+                  <a:schemeClr val="tx1"/>
+                </a:solidFill>
+                <a:latin typeface="+mn-lt"/>
+                <a:ea typeface="+mn-ea"/>
+                <a:cs typeface="+mn-cs"/>
+              </a:defRPr>
+            </a:lvl7pPr>
+            <a:lvl8pPr marL="3429000" indent="-228600" algn="l" defTabSz="914400" rtl="0" eaLnBrk="1" latinLnBrk="1" hangingPunct="1">
+              <a:lnSpc>
+                <a:spcPct val="90000"/>
+              </a:lnSpc>
+              <a:spcBef>
+                <a:spcPts val="500"/>
+              </a:spcBef>
+              <a:buFont typeface="Arial" panose="020B0604020202020204" pitchFamily="34" charset="0"/>
+              <a:buChar char="•"/>
+              <a:defRPr sz="1800" kern="1200">
+                <a:solidFill>
+                  <a:schemeClr val="tx1"/>
+                </a:solidFill>
+                <a:latin typeface="+mn-lt"/>
+                <a:ea typeface="+mn-ea"/>
+                <a:cs typeface="+mn-cs"/>
+              </a:defRPr>
+            </a:lvl8pPr>
+            <a:lvl9pPr marL="3886200" indent="-228600" algn="l" defTabSz="914400" rtl="0" eaLnBrk="1" latinLnBrk="1" hangingPunct="1">
+              <a:lnSpc>
+                <a:spcPct val="90000"/>
+              </a:lnSpc>
+              <a:spcBef>
+                <a:spcPts val="500"/>
+              </a:spcBef>
+              <a:buFont typeface="Arial" panose="020B0604020202020204" pitchFamily="34" charset="0"/>
+              <a:buChar char="•"/>
+              <a:defRPr sz="1800" kern="1200">
+                <a:solidFill>
+                  <a:schemeClr val="tx1"/>
+                </a:solidFill>
+                <a:latin typeface="+mn-lt"/>
+                <a:ea typeface="+mn-ea"/>
+                <a:cs typeface="+mn-cs"/>
+              </a:defRPr>
+            </a:lvl9pPr>
+          </a:lstStyle>
+          <a:p>
+            <a:pPr marL="0" indent="0" algn="ctr">
+              <a:buNone/>
+            </a:pPr>
+            <a:r>
+              <a:rPr lang="en-US" altLang="ko-KR" sz="4000" dirty="0">
+                <a:latin typeface="배달의민족 주아" panose="02020603020101020101" pitchFamily="18" charset="-127"/>
+                <a:ea typeface="배달의민족 주아" panose="02020603020101020101" pitchFamily="18" charset="-127"/>
+              </a:rPr>
+              <a:t>Packets + Framework </a:t>
+            </a:r>
+            <a:r>
+              <a:rPr lang="en-US" altLang="ko-KR" sz="4000" dirty="0" err="1">
+                <a:latin typeface="배달의민족 주아" panose="02020603020101020101" pitchFamily="18" charset="-127"/>
+                <a:ea typeface="배달의민족 주아" panose="02020603020101020101" pitchFamily="18" charset="-127"/>
+              </a:rPr>
+              <a:t>dll</a:t>
+            </a:r>
+            <a:r>
+              <a:rPr lang="en-US" altLang="ko-KR" sz="4000" dirty="0">
+                <a:latin typeface="배달의민족 주아" panose="02020603020101020101" pitchFamily="18" charset="-127"/>
+                <a:ea typeface="배달의민족 주아" panose="02020603020101020101" pitchFamily="18" charset="-127"/>
+              </a:rPr>
+              <a:t> </a:t>
+            </a:r>
+            <a:r>
+              <a:rPr lang="ko-KR" altLang="en-US" sz="4000" dirty="0">
+                <a:latin typeface="배달의민족 주아" panose="02020603020101020101" pitchFamily="18" charset="-127"/>
+                <a:ea typeface="배달의민족 주아" panose="02020603020101020101" pitchFamily="18" charset="-127"/>
+              </a:rPr>
+              <a:t>파일 추가</a:t>
+            </a:r>
+          </a:p>
+        </p:txBody>
+      </p:sp>
+      <p:pic>
+        <p:nvPicPr>
+          <p:cNvPr id="4" name="그림 3">
+            <a:extLst>
+              <a:ext uri="{FF2B5EF4-FFF2-40B4-BE49-F238E27FC236}">
+                <a16:creationId xmlns:a16="http://schemas.microsoft.com/office/drawing/2014/main" id="{D345DE75-E7D4-4604-A7AE-A473E0F6216F}"/>
+              </a:ext>
+            </a:extLst>
+          </p:cNvPr>
+          <p:cNvPicPr>
+            <a:picLocks noChangeAspect="1"/>
+          </p:cNvPicPr>
+          <p:nvPr/>
+        </p:nvPicPr>
+        <p:blipFill>
+          <a:blip r:embed="rId4"/>
+          <a:stretch>
+            <a:fillRect/>
+          </a:stretch>
+        </p:blipFill>
+        <p:spPr>
+          <a:xfrm>
+            <a:off x="3619893" y="3604315"/>
+            <a:ext cx="5796685" cy="3083343"/>
+          </a:xfrm>
+          <a:prstGeom prst="rect">
+            <a:avLst/>
+          </a:prstGeom>
+        </p:spPr>
+      </p:pic>
+    </p:spTree>
+    <p:extLst>
+      <p:ext uri="{BB962C8B-B14F-4D97-AF65-F5344CB8AC3E}">
+        <p14:creationId xmlns:p14="http://schemas.microsoft.com/office/powerpoint/2010/main" val="2766799573"/>
+      </p:ext>
+    </p:extLst>
+  </p:cSld>
+  <p:clrMapOvr>
+    <a:masterClrMapping/>
+  </p:clrMapOvr>
+</p:sld>
+</file>
+
+<file path=ppt/slides/slide22.xml><?xml version="1.0" encoding="utf-8"?>
+<p:sld xmlns:a="http://schemas.openxmlformats.org/drawingml/2006/main" xmlns:r="http://schemas.openxmlformats.org/officeDocument/2006/relationships" xmlns:p="http://schemas.openxmlformats.org/presentationml/2006/main">
+  <p:cSld>
+    <p:spTree>
+      <p:nvGrpSpPr>
+        <p:cNvPr id="1" name=""/>
+        <p:cNvGrpSpPr/>
+        <p:nvPr/>
+      </p:nvGrpSpPr>
+      <p:grpSpPr>
+        <a:xfrm>
+          <a:off x="0" y="0"/>
+          <a:ext cx="0" cy="0"/>
+          <a:chOff x="0" y="0"/>
+          <a:chExt cx="0" cy="0"/>
+        </a:xfrm>
+      </p:grpSpPr>
+      <p:sp>
+        <p:nvSpPr>
+          <p:cNvPr id="2" name="TextBox 1">
+            <a:extLst>
+              <a:ext uri="{FF2B5EF4-FFF2-40B4-BE49-F238E27FC236}">
+                <a16:creationId xmlns:a16="http://schemas.microsoft.com/office/drawing/2014/main" id="{77BEEA75-1C03-4B45-BAB1-168B6E88842E}"/>
+              </a:ext>
+            </a:extLst>
+          </p:cNvPr>
+          <p:cNvSpPr txBox="1"/>
+          <p:nvPr/>
+        </p:nvSpPr>
+        <p:spPr>
+          <a:xfrm>
+            <a:off x="3706305" y="3459777"/>
+            <a:ext cx="4779390" cy="707886"/>
+          </a:xfrm>
+          <a:prstGeom prst="rect">
+            <a:avLst/>
+          </a:prstGeom>
+          <a:noFill/>
+        </p:spPr>
+        <p:txBody>
+          <a:bodyPr wrap="square" rtlCol="0">
             <a:spAutoFit/>
           </a:bodyPr>
           <a:lstStyle/>
           <a:p>
             <a:pPr algn="ctr"/>
             <a:r>
-              <a:rPr lang="en-US" altLang="ko-KR" sz="5400" dirty="0">
+              <a:rPr lang="ko-KR" altLang="en-US" sz="4000" dirty="0">
+                <a:latin typeface="배달의민족 주아" panose="02020603020101020101" pitchFamily="18" charset="-127"/>
+                <a:ea typeface="배달의민족 주아" panose="02020603020101020101" pitchFamily="18" charset="-127"/>
+                <a:hlinkClick r:id="rId2"/>
+              </a:rPr>
+              <a:t>코드 바로가기</a:t>
+            </a:r>
+            <a:endParaRPr lang="ko-KR" altLang="en-US" sz="4000" dirty="0">
+              <a:latin typeface="배달의민족 주아" panose="02020603020101020101" pitchFamily="18" charset="-127"/>
+              <a:ea typeface="배달의민족 주아" panose="02020603020101020101" pitchFamily="18" charset="-127"/>
+            </a:endParaRPr>
+          </a:p>
+        </p:txBody>
+      </p:sp>
+      <p:sp>
+        <p:nvSpPr>
+          <p:cNvPr id="3" name="직사각형 2">
+            <a:extLst>
+              <a:ext uri="{FF2B5EF4-FFF2-40B4-BE49-F238E27FC236}">
+                <a16:creationId xmlns:a16="http://schemas.microsoft.com/office/drawing/2014/main" id="{55435521-BF96-43FE-A06E-039938A5E834}"/>
+              </a:ext>
+            </a:extLst>
+          </p:cNvPr>
+          <p:cNvSpPr/>
+          <p:nvPr/>
+        </p:nvSpPr>
+        <p:spPr>
+          <a:xfrm>
+            <a:off x="0" y="339365"/>
+            <a:ext cx="3619893" cy="1221117"/>
+          </a:xfrm>
+          <a:prstGeom prst="rect">
+            <a:avLst/>
+          </a:prstGeom>
+          <a:solidFill>
+            <a:schemeClr val="tx1"/>
+          </a:solidFill>
+          <a:ln>
+            <a:solidFill>
+              <a:schemeClr val="tx1"/>
+            </a:solidFill>
+          </a:ln>
+        </p:spPr>
+        <p:style>
+          <a:lnRef idx="2">
+            <a:schemeClr val="accent1">
+              <a:shade val="50000"/>
+            </a:schemeClr>
+          </a:lnRef>
+          <a:fillRef idx="1">
+            <a:schemeClr val="accent1"/>
+          </a:fillRef>
+          <a:effectRef idx="0">
+            <a:schemeClr val="accent1"/>
+          </a:effectRef>
+          <a:fontRef idx="minor">
+            <a:schemeClr val="lt1"/>
+          </a:fontRef>
+        </p:style>
+        <p:txBody>
+          <a:bodyPr rtlCol="0" anchor="ctr"/>
+          <a:lstStyle/>
+          <a:p>
+            <a:pPr algn="ctr"/>
+            <a:r>
+              <a:rPr lang="en-US" altLang="ko-KR" sz="4400" dirty="0">
                 <a:solidFill>
                   <a:schemeClr val="bg1"/>
                 </a:solidFill>
+                <a:latin typeface="태나다체 " panose="02000000000000000000" pitchFamily="2" charset="-127"/>
+                <a:ea typeface="태나다체 " panose="02000000000000000000" pitchFamily="2" charset="-127"/>
+              </a:rPr>
+              <a:t>Client</a:t>
+            </a:r>
+          </a:p>
+        </p:txBody>
+      </p:sp>
+      <p:sp>
+        <p:nvSpPr>
+          <p:cNvPr id="7" name="부제목 2">
+            <a:extLst>
+              <a:ext uri="{FF2B5EF4-FFF2-40B4-BE49-F238E27FC236}">
+                <a16:creationId xmlns:a16="http://schemas.microsoft.com/office/drawing/2014/main" id="{55541CA3-D99A-4028-83DA-B5863224BD7E}"/>
+              </a:ext>
+            </a:extLst>
+          </p:cNvPr>
+          <p:cNvSpPr txBox="1">
+            <a:spLocks/>
+          </p:cNvSpPr>
+          <p:nvPr/>
+        </p:nvSpPr>
+        <p:spPr>
+          <a:xfrm>
+            <a:off x="1158993" y="2573770"/>
+            <a:ext cx="9874014" cy="1140643"/>
+          </a:xfrm>
+          <a:prstGeom prst="rect">
+            <a:avLst/>
+          </a:prstGeom>
+        </p:spPr>
+        <p:txBody>
+          <a:bodyPr vert="horz" lIns="91440" tIns="45720" rIns="91440" bIns="45720" rtlCol="0" anchor="ctr">
+            <a:normAutofit/>
+          </a:bodyPr>
+          <a:lstStyle>
+            <a:lvl1pPr marL="228600" indent="-228600" algn="l" defTabSz="914400" rtl="0" eaLnBrk="1" latinLnBrk="1" hangingPunct="1">
+              <a:lnSpc>
+                <a:spcPct val="90000"/>
+              </a:lnSpc>
+              <a:spcBef>
+                <a:spcPts val="1000"/>
+              </a:spcBef>
+              <a:buFont typeface="Arial" panose="020B0604020202020204" pitchFamily="34" charset="0"/>
+              <a:buChar char="•"/>
+              <a:defRPr sz="2800" kern="1200">
+                <a:solidFill>
+                  <a:schemeClr val="tx1"/>
+                </a:solidFill>
+                <a:latin typeface="+mn-lt"/>
+                <a:ea typeface="+mn-ea"/>
+                <a:cs typeface="+mn-cs"/>
+              </a:defRPr>
+            </a:lvl1pPr>
+            <a:lvl2pPr marL="685800" indent="-228600" algn="l" defTabSz="914400" rtl="0" eaLnBrk="1" latinLnBrk="1" hangingPunct="1">
+              <a:lnSpc>
+                <a:spcPct val="90000"/>
+              </a:lnSpc>
+              <a:spcBef>
+                <a:spcPts val="500"/>
+              </a:spcBef>
+              <a:buFont typeface="Arial" panose="020B0604020202020204" pitchFamily="34" charset="0"/>
+              <a:buChar char="•"/>
+              <a:defRPr sz="2400" kern="1200">
+                <a:solidFill>
+                  <a:schemeClr val="tx1"/>
+                </a:solidFill>
+                <a:latin typeface="+mn-lt"/>
+                <a:ea typeface="+mn-ea"/>
+                <a:cs typeface="+mn-cs"/>
+              </a:defRPr>
+            </a:lvl2pPr>
+            <a:lvl3pPr marL="1143000" indent="-228600" algn="l" defTabSz="914400" rtl="0" eaLnBrk="1" latinLnBrk="1" hangingPunct="1">
+              <a:lnSpc>
+                <a:spcPct val="90000"/>
+              </a:lnSpc>
+              <a:spcBef>
+                <a:spcPts val="500"/>
+              </a:spcBef>
+              <a:buFont typeface="Arial" panose="020B0604020202020204" pitchFamily="34" charset="0"/>
+              <a:buChar char="•"/>
+              <a:defRPr sz="2000" kern="1200">
+                <a:solidFill>
+                  <a:schemeClr val="tx1"/>
+                </a:solidFill>
+                <a:latin typeface="+mn-lt"/>
+                <a:ea typeface="+mn-ea"/>
+                <a:cs typeface="+mn-cs"/>
+              </a:defRPr>
+            </a:lvl3pPr>
+            <a:lvl4pPr marL="1600200" indent="-228600" algn="l" defTabSz="914400" rtl="0" eaLnBrk="1" latinLnBrk="1" hangingPunct="1">
+              <a:lnSpc>
+                <a:spcPct val="90000"/>
+              </a:lnSpc>
+              <a:spcBef>
+                <a:spcPts val="500"/>
+              </a:spcBef>
+              <a:buFont typeface="Arial" panose="020B0604020202020204" pitchFamily="34" charset="0"/>
+              <a:buChar char="•"/>
+              <a:defRPr sz="1800" kern="1200">
+                <a:solidFill>
+                  <a:schemeClr val="tx1"/>
+                </a:solidFill>
+                <a:latin typeface="+mn-lt"/>
+                <a:ea typeface="+mn-ea"/>
+                <a:cs typeface="+mn-cs"/>
+              </a:defRPr>
+            </a:lvl4pPr>
+            <a:lvl5pPr marL="2057400" indent="-228600" algn="l" defTabSz="914400" rtl="0" eaLnBrk="1" latinLnBrk="1" hangingPunct="1">
+              <a:lnSpc>
+                <a:spcPct val="90000"/>
+              </a:lnSpc>
+              <a:spcBef>
+                <a:spcPts val="500"/>
+              </a:spcBef>
+              <a:buFont typeface="Arial" panose="020B0604020202020204" pitchFamily="34" charset="0"/>
+              <a:buChar char="•"/>
+              <a:defRPr sz="1800" kern="1200">
+                <a:solidFill>
+                  <a:schemeClr val="tx1"/>
+                </a:solidFill>
+                <a:latin typeface="+mn-lt"/>
+                <a:ea typeface="+mn-ea"/>
+                <a:cs typeface="+mn-cs"/>
+              </a:defRPr>
+            </a:lvl5pPr>
+            <a:lvl6pPr marL="2514600" indent="-228600" algn="l" defTabSz="914400" rtl="0" eaLnBrk="1" latinLnBrk="1" hangingPunct="1">
+              <a:lnSpc>
+                <a:spcPct val="90000"/>
+              </a:lnSpc>
+              <a:spcBef>
+                <a:spcPts val="500"/>
+              </a:spcBef>
+              <a:buFont typeface="Arial" panose="020B0604020202020204" pitchFamily="34" charset="0"/>
+              <a:buChar char="•"/>
+              <a:defRPr sz="1800" kern="1200">
+                <a:solidFill>
+                  <a:schemeClr val="tx1"/>
+                </a:solidFill>
+                <a:latin typeface="+mn-lt"/>
+                <a:ea typeface="+mn-ea"/>
+                <a:cs typeface="+mn-cs"/>
+              </a:defRPr>
+            </a:lvl6pPr>
+            <a:lvl7pPr marL="2971800" indent="-228600" algn="l" defTabSz="914400" rtl="0" eaLnBrk="1" latinLnBrk="1" hangingPunct="1">
+              <a:lnSpc>
+                <a:spcPct val="90000"/>
+              </a:lnSpc>
+              <a:spcBef>
+                <a:spcPts val="500"/>
+              </a:spcBef>
+              <a:buFont typeface="Arial" panose="020B0604020202020204" pitchFamily="34" charset="0"/>
+              <a:buChar char="•"/>
+              <a:defRPr sz="1800" kern="1200">
+                <a:solidFill>
+                  <a:schemeClr val="tx1"/>
+                </a:solidFill>
+                <a:latin typeface="+mn-lt"/>
+                <a:ea typeface="+mn-ea"/>
+                <a:cs typeface="+mn-cs"/>
+              </a:defRPr>
+            </a:lvl7pPr>
+            <a:lvl8pPr marL="3429000" indent="-228600" algn="l" defTabSz="914400" rtl="0" eaLnBrk="1" latinLnBrk="1" hangingPunct="1">
+              <a:lnSpc>
+                <a:spcPct val="90000"/>
+              </a:lnSpc>
+              <a:spcBef>
+                <a:spcPts val="500"/>
+              </a:spcBef>
+              <a:buFont typeface="Arial" panose="020B0604020202020204" pitchFamily="34" charset="0"/>
+              <a:buChar char="•"/>
+              <a:defRPr sz="1800" kern="1200">
+                <a:solidFill>
+                  <a:schemeClr val="tx1"/>
+                </a:solidFill>
+                <a:latin typeface="+mn-lt"/>
+                <a:ea typeface="+mn-ea"/>
+                <a:cs typeface="+mn-cs"/>
+              </a:defRPr>
+            </a:lvl8pPr>
+            <a:lvl9pPr marL="3886200" indent="-228600" algn="l" defTabSz="914400" rtl="0" eaLnBrk="1" latinLnBrk="1" hangingPunct="1">
+              <a:lnSpc>
+                <a:spcPct val="90000"/>
+              </a:lnSpc>
+              <a:spcBef>
+                <a:spcPts val="500"/>
+              </a:spcBef>
+              <a:buFont typeface="Arial" panose="020B0604020202020204" pitchFamily="34" charset="0"/>
+              <a:buChar char="•"/>
+              <a:defRPr sz="1800" kern="1200">
+                <a:solidFill>
+                  <a:schemeClr val="tx1"/>
+                </a:solidFill>
+                <a:latin typeface="+mn-lt"/>
+                <a:ea typeface="+mn-ea"/>
+                <a:cs typeface="+mn-cs"/>
+              </a:defRPr>
+            </a:lvl9pPr>
+          </a:lstStyle>
+          <a:p>
+            <a:pPr marL="0" indent="0" algn="ctr">
+              <a:buNone/>
+            </a:pPr>
+            <a:r>
+              <a:rPr lang="ko-KR" altLang="en-US" sz="4800" dirty="0">
                 <a:latin typeface="배달의민족 주아" panose="02020603020101020101" pitchFamily="18" charset="-127"/>
                 <a:ea typeface="배달의민족 주아" panose="02020603020101020101" pitchFamily="18" charset="-127"/>
               </a:rPr>
-              <a:t>CONTENT</a:t>
+              <a:t>코드 구현</a:t>
+            </a:r>
+          </a:p>
+        </p:txBody>
+      </p:sp>
+    </p:spTree>
+    <p:extLst>
+      <p:ext uri="{BB962C8B-B14F-4D97-AF65-F5344CB8AC3E}">
+        <p14:creationId xmlns:p14="http://schemas.microsoft.com/office/powerpoint/2010/main" val="289603576"/>
+      </p:ext>
+    </p:extLst>
+  </p:cSld>
+  <p:clrMapOvr>
+    <a:masterClrMapping/>
+  </p:clrMapOvr>
+</p:sld>
+</file>
+
+<file path=ppt/slides/slide3.xml><?xml version="1.0" encoding="utf-8"?>
+<p:sld xmlns:a="http://schemas.openxmlformats.org/drawingml/2006/main" xmlns:r="http://schemas.openxmlformats.org/officeDocument/2006/relationships" xmlns:p="http://schemas.openxmlformats.org/presentationml/2006/main">
+  <p:cSld>
+    <p:spTree>
+      <p:nvGrpSpPr>
+        <p:cNvPr id="1" name=""/>
+        <p:cNvGrpSpPr/>
+        <p:nvPr/>
+      </p:nvGrpSpPr>
+      <p:grpSpPr>
+        <a:xfrm>
+          <a:off x="0" y="0"/>
+          <a:ext cx="0" cy="0"/>
+          <a:chOff x="0" y="0"/>
+          <a:chExt cx="0" cy="0"/>
+        </a:xfrm>
+      </p:grpSpPr>
+      <p:sp>
+        <p:nvSpPr>
+          <p:cNvPr id="3" name="직사각형 2">
+            <a:extLst>
+              <a:ext uri="{FF2B5EF4-FFF2-40B4-BE49-F238E27FC236}">
+                <a16:creationId xmlns:a16="http://schemas.microsoft.com/office/drawing/2014/main" id="{28C1391D-2B82-4823-8669-EA714C00C404}"/>
+              </a:ext>
+            </a:extLst>
+          </p:cNvPr>
+          <p:cNvSpPr/>
+          <p:nvPr/>
+        </p:nvSpPr>
+        <p:spPr>
+          <a:xfrm>
+            <a:off x="0" y="339365"/>
+            <a:ext cx="3619893" cy="1221117"/>
+          </a:xfrm>
+          <a:prstGeom prst="rect">
+            <a:avLst/>
+          </a:prstGeom>
+          <a:solidFill>
+            <a:schemeClr val="tx1"/>
+          </a:solidFill>
+          <a:ln>
+            <a:solidFill>
+              <a:schemeClr val="tx1"/>
+            </a:solidFill>
+          </a:ln>
+        </p:spPr>
+        <p:style>
+          <a:lnRef idx="2">
+            <a:schemeClr val="accent1">
+              <a:shade val="50000"/>
+            </a:schemeClr>
+          </a:lnRef>
+          <a:fillRef idx="1">
+            <a:schemeClr val="accent1"/>
+          </a:fillRef>
+          <a:effectRef idx="0">
+            <a:schemeClr val="accent1"/>
+          </a:effectRef>
+          <a:fontRef idx="minor">
+            <a:schemeClr val="lt1"/>
+          </a:fontRef>
+        </p:style>
+        <p:txBody>
+          <a:bodyPr rtlCol="0" anchor="ctr"/>
+          <a:lstStyle/>
+          <a:p>
+            <a:pPr algn="ctr"/>
+            <a:r>
+              <a:rPr lang="ko-KR" altLang="en-US" sz="4800" dirty="0" err="1">
+                <a:solidFill>
+                  <a:schemeClr val="bg1"/>
+                </a:solidFill>
+                <a:latin typeface="태나다체 " panose="02000000000000000000" pitchFamily="2" charset="-127"/>
+                <a:ea typeface="태나다체 " panose="02000000000000000000" pitchFamily="2" charset="-127"/>
+              </a:rPr>
+              <a:t>드가자</a:t>
+            </a:r>
+            <a:endParaRPr lang="en-US" altLang="ko-KR" sz="4800" dirty="0">
+              <a:solidFill>
+                <a:schemeClr val="bg1"/>
+              </a:solidFill>
+              <a:latin typeface="태나다체 " panose="02000000000000000000" pitchFamily="2" charset="-127"/>
+              <a:ea typeface="태나다체 " panose="02000000000000000000" pitchFamily="2" charset="-127"/>
+            </a:endParaRPr>
+          </a:p>
+        </p:txBody>
+      </p:sp>
+      <p:sp>
+        <p:nvSpPr>
+          <p:cNvPr id="4" name="부제목 2">
+            <a:extLst>
+              <a:ext uri="{FF2B5EF4-FFF2-40B4-BE49-F238E27FC236}">
+                <a16:creationId xmlns:a16="http://schemas.microsoft.com/office/drawing/2014/main" id="{F455627A-8176-4B7B-8615-1750F0D1106C}"/>
+              </a:ext>
+            </a:extLst>
+          </p:cNvPr>
+          <p:cNvSpPr txBox="1">
+            <a:spLocks/>
+          </p:cNvSpPr>
+          <p:nvPr/>
+        </p:nvSpPr>
+        <p:spPr>
+          <a:xfrm>
+            <a:off x="2632435" y="3046384"/>
+            <a:ext cx="6927130" cy="2147785"/>
+          </a:xfrm>
+          <a:prstGeom prst="rect">
+            <a:avLst/>
+          </a:prstGeom>
+        </p:spPr>
+        <p:txBody>
+          <a:bodyPr vert="horz" lIns="91440" tIns="45720" rIns="91440" bIns="45720" rtlCol="0" anchor="ctr">
+            <a:normAutofit fontScale="85000" lnSpcReduction="10000"/>
+          </a:bodyPr>
+          <a:lstStyle>
+            <a:lvl1pPr marL="228600" indent="-228600" algn="l" defTabSz="914400" rtl="0" eaLnBrk="1" latinLnBrk="1" hangingPunct="1">
+              <a:lnSpc>
+                <a:spcPct val="90000"/>
+              </a:lnSpc>
+              <a:spcBef>
+                <a:spcPts val="1000"/>
+              </a:spcBef>
+              <a:buFont typeface="Arial" panose="020B0604020202020204" pitchFamily="34" charset="0"/>
+              <a:buChar char="•"/>
+              <a:defRPr sz="2800" kern="1200">
+                <a:solidFill>
+                  <a:schemeClr val="tx1"/>
+                </a:solidFill>
+                <a:latin typeface="+mn-lt"/>
+                <a:ea typeface="+mn-ea"/>
+                <a:cs typeface="+mn-cs"/>
+              </a:defRPr>
+            </a:lvl1pPr>
+            <a:lvl2pPr marL="685800" indent="-228600" algn="l" defTabSz="914400" rtl="0" eaLnBrk="1" latinLnBrk="1" hangingPunct="1">
+              <a:lnSpc>
+                <a:spcPct val="90000"/>
+              </a:lnSpc>
+              <a:spcBef>
+                <a:spcPts val="500"/>
+              </a:spcBef>
+              <a:buFont typeface="Arial" panose="020B0604020202020204" pitchFamily="34" charset="0"/>
+              <a:buChar char="•"/>
+              <a:defRPr sz="2400" kern="1200">
+                <a:solidFill>
+                  <a:schemeClr val="tx1"/>
+                </a:solidFill>
+                <a:latin typeface="+mn-lt"/>
+                <a:ea typeface="+mn-ea"/>
+                <a:cs typeface="+mn-cs"/>
+              </a:defRPr>
+            </a:lvl2pPr>
+            <a:lvl3pPr marL="1143000" indent="-228600" algn="l" defTabSz="914400" rtl="0" eaLnBrk="1" latinLnBrk="1" hangingPunct="1">
+              <a:lnSpc>
+                <a:spcPct val="90000"/>
+              </a:lnSpc>
+              <a:spcBef>
+                <a:spcPts val="500"/>
+              </a:spcBef>
+              <a:buFont typeface="Arial" panose="020B0604020202020204" pitchFamily="34" charset="0"/>
+              <a:buChar char="•"/>
+              <a:defRPr sz="2000" kern="1200">
+                <a:solidFill>
+                  <a:schemeClr val="tx1"/>
+                </a:solidFill>
+                <a:latin typeface="+mn-lt"/>
+                <a:ea typeface="+mn-ea"/>
+                <a:cs typeface="+mn-cs"/>
+              </a:defRPr>
+            </a:lvl3pPr>
+            <a:lvl4pPr marL="1600200" indent="-228600" algn="l" defTabSz="914400" rtl="0" eaLnBrk="1" latinLnBrk="1" hangingPunct="1">
+              <a:lnSpc>
+                <a:spcPct val="90000"/>
+              </a:lnSpc>
+              <a:spcBef>
+                <a:spcPts val="500"/>
+              </a:spcBef>
+              <a:buFont typeface="Arial" panose="020B0604020202020204" pitchFamily="34" charset="0"/>
+              <a:buChar char="•"/>
+              <a:defRPr sz="1800" kern="1200">
+                <a:solidFill>
+                  <a:schemeClr val="tx1"/>
+                </a:solidFill>
+                <a:latin typeface="+mn-lt"/>
+                <a:ea typeface="+mn-ea"/>
+                <a:cs typeface="+mn-cs"/>
+              </a:defRPr>
+            </a:lvl4pPr>
+            <a:lvl5pPr marL="2057400" indent="-228600" algn="l" defTabSz="914400" rtl="0" eaLnBrk="1" latinLnBrk="1" hangingPunct="1">
+              <a:lnSpc>
+                <a:spcPct val="90000"/>
+              </a:lnSpc>
+              <a:spcBef>
+                <a:spcPts val="500"/>
+              </a:spcBef>
+              <a:buFont typeface="Arial" panose="020B0604020202020204" pitchFamily="34" charset="0"/>
+              <a:buChar char="•"/>
+              <a:defRPr sz="1800" kern="1200">
+                <a:solidFill>
+                  <a:schemeClr val="tx1"/>
+                </a:solidFill>
+                <a:latin typeface="+mn-lt"/>
+                <a:ea typeface="+mn-ea"/>
+                <a:cs typeface="+mn-cs"/>
+              </a:defRPr>
+            </a:lvl5pPr>
+            <a:lvl6pPr marL="2514600" indent="-228600" algn="l" defTabSz="914400" rtl="0" eaLnBrk="1" latinLnBrk="1" hangingPunct="1">
+              <a:lnSpc>
+                <a:spcPct val="90000"/>
+              </a:lnSpc>
+              <a:spcBef>
+                <a:spcPts val="500"/>
+              </a:spcBef>
+              <a:buFont typeface="Arial" panose="020B0604020202020204" pitchFamily="34" charset="0"/>
+              <a:buChar char="•"/>
+              <a:defRPr sz="1800" kern="1200">
+                <a:solidFill>
+                  <a:schemeClr val="tx1"/>
+                </a:solidFill>
+                <a:latin typeface="+mn-lt"/>
+                <a:ea typeface="+mn-ea"/>
+                <a:cs typeface="+mn-cs"/>
+              </a:defRPr>
+            </a:lvl6pPr>
+            <a:lvl7pPr marL="2971800" indent="-228600" algn="l" defTabSz="914400" rtl="0" eaLnBrk="1" latinLnBrk="1" hangingPunct="1">
+              <a:lnSpc>
+                <a:spcPct val="90000"/>
+              </a:lnSpc>
+              <a:spcBef>
+                <a:spcPts val="500"/>
+              </a:spcBef>
+              <a:buFont typeface="Arial" panose="020B0604020202020204" pitchFamily="34" charset="0"/>
+              <a:buChar char="•"/>
+              <a:defRPr sz="1800" kern="1200">
+                <a:solidFill>
+                  <a:schemeClr val="tx1"/>
+                </a:solidFill>
+                <a:latin typeface="+mn-lt"/>
+                <a:ea typeface="+mn-ea"/>
+                <a:cs typeface="+mn-cs"/>
+              </a:defRPr>
+            </a:lvl7pPr>
+            <a:lvl8pPr marL="3429000" indent="-228600" algn="l" defTabSz="914400" rtl="0" eaLnBrk="1" latinLnBrk="1" hangingPunct="1">
+              <a:lnSpc>
+                <a:spcPct val="90000"/>
+              </a:lnSpc>
+              <a:spcBef>
+                <a:spcPts val="500"/>
+              </a:spcBef>
+              <a:buFont typeface="Arial" panose="020B0604020202020204" pitchFamily="34" charset="0"/>
+              <a:buChar char="•"/>
+              <a:defRPr sz="1800" kern="1200">
+                <a:solidFill>
+                  <a:schemeClr val="tx1"/>
+                </a:solidFill>
+                <a:latin typeface="+mn-lt"/>
+                <a:ea typeface="+mn-ea"/>
+                <a:cs typeface="+mn-cs"/>
+              </a:defRPr>
+            </a:lvl8pPr>
+            <a:lvl9pPr marL="3886200" indent="-228600" algn="l" defTabSz="914400" rtl="0" eaLnBrk="1" latinLnBrk="1" hangingPunct="1">
+              <a:lnSpc>
+                <a:spcPct val="90000"/>
+              </a:lnSpc>
+              <a:spcBef>
+                <a:spcPts val="500"/>
+              </a:spcBef>
+              <a:buFont typeface="Arial" panose="020B0604020202020204" pitchFamily="34" charset="0"/>
+              <a:buChar char="•"/>
+              <a:defRPr sz="1800" kern="1200">
+                <a:solidFill>
+                  <a:schemeClr val="tx1"/>
+                </a:solidFill>
+                <a:latin typeface="+mn-lt"/>
+                <a:ea typeface="+mn-ea"/>
+                <a:cs typeface="+mn-cs"/>
+              </a:defRPr>
+            </a:lvl9pPr>
+          </a:lstStyle>
+          <a:p>
+            <a:pPr marL="514350" indent="-514350">
+              <a:buAutoNum type="arabicPeriod"/>
+            </a:pPr>
+            <a:r>
+              <a:rPr lang="ko-KR" altLang="en-US" sz="4800" dirty="0">
+                <a:latin typeface="배달의민족 주아" panose="02020603020101020101" pitchFamily="18" charset="-127"/>
+                <a:ea typeface="배달의민족 주아" panose="02020603020101020101" pitchFamily="18" charset="-127"/>
+              </a:rPr>
+              <a:t>패킷 </a:t>
+            </a:r>
+            <a:r>
+              <a:rPr lang="en-US" altLang="ko-KR" sz="4800" dirty="0" err="1">
+                <a:latin typeface="배달의민족 주아" panose="02020603020101020101" pitchFamily="18" charset="-127"/>
+                <a:ea typeface="배달의민족 주아" panose="02020603020101020101" pitchFamily="18" charset="-127"/>
+              </a:rPr>
+              <a:t>dll</a:t>
+            </a:r>
+            <a:r>
+              <a:rPr lang="en-US" altLang="ko-KR" sz="4800" dirty="0">
+                <a:latin typeface="배달의민족 주아" panose="02020603020101020101" pitchFamily="18" charset="-127"/>
+                <a:ea typeface="배달의민족 주아" panose="02020603020101020101" pitchFamily="18" charset="-127"/>
+              </a:rPr>
+              <a:t> </a:t>
+            </a:r>
+            <a:r>
+              <a:rPr lang="ko-KR" altLang="en-US" sz="4800" dirty="0">
+                <a:latin typeface="배달의민족 주아" panose="02020603020101020101" pitchFamily="18" charset="-127"/>
+                <a:ea typeface="배달의민족 주아" panose="02020603020101020101" pitchFamily="18" charset="-127"/>
+              </a:rPr>
+              <a:t>제작</a:t>
+            </a:r>
+            <a:endParaRPr lang="en-US" altLang="ko-KR" sz="4800" dirty="0">
+              <a:latin typeface="배달의민족 주아" panose="02020603020101020101" pitchFamily="18" charset="-127"/>
+              <a:ea typeface="배달의민족 주아" panose="02020603020101020101" pitchFamily="18" charset="-127"/>
+            </a:endParaRPr>
+          </a:p>
+          <a:p>
+            <a:pPr marL="0" indent="0">
+              <a:buNone/>
+            </a:pPr>
+            <a:r>
+              <a:rPr lang="en-US" altLang="ko-KR" sz="4800" dirty="0">
+                <a:latin typeface="배달의민족 주아" panose="02020603020101020101" pitchFamily="18" charset="-127"/>
+                <a:ea typeface="배달의민족 주아" panose="02020603020101020101" pitchFamily="18" charset="-127"/>
+              </a:rPr>
+              <a:t>2. </a:t>
+            </a:r>
+            <a:r>
+              <a:rPr lang="ko-KR" altLang="en-US" sz="4800" dirty="0" err="1">
+                <a:latin typeface="배달의민족 주아" panose="02020603020101020101" pitchFamily="18" charset="-127"/>
+                <a:ea typeface="배달의민족 주아" panose="02020603020101020101" pitchFamily="18" charset="-127"/>
+              </a:rPr>
+              <a:t>클라</a:t>
+            </a:r>
+            <a:r>
+              <a:rPr lang="en-US" altLang="ko-KR" sz="4800" dirty="0">
+                <a:latin typeface="배달의민족 주아" panose="02020603020101020101" pitchFamily="18" charset="-127"/>
+                <a:ea typeface="배달의민족 주아" panose="02020603020101020101" pitchFamily="18" charset="-127"/>
+              </a:rPr>
+              <a:t>(</a:t>
+            </a:r>
+            <a:r>
+              <a:rPr lang="ko-KR" altLang="en-US" sz="4800" dirty="0">
+                <a:latin typeface="배달의민족 주아" panose="02020603020101020101" pitchFamily="18" charset="-127"/>
+                <a:ea typeface="배달의민족 주아" panose="02020603020101020101" pitchFamily="18" charset="-127"/>
+              </a:rPr>
+              <a:t>유니티</a:t>
+            </a:r>
+            <a:r>
+              <a:rPr lang="en-US" altLang="ko-KR" sz="4800" dirty="0">
+                <a:latin typeface="배달의민족 주아" panose="02020603020101020101" pitchFamily="18" charset="-127"/>
+                <a:ea typeface="배달의민족 주아" panose="02020603020101020101" pitchFamily="18" charset="-127"/>
+              </a:rPr>
+              <a:t>)</a:t>
+            </a:r>
+            <a:r>
+              <a:rPr lang="ko-KR" altLang="en-US" sz="4800" dirty="0">
+                <a:latin typeface="배달의민족 주아" panose="02020603020101020101" pitchFamily="18" charset="-127"/>
+                <a:ea typeface="배달의민족 주아" panose="02020603020101020101" pitchFamily="18" charset="-127"/>
+              </a:rPr>
+              <a:t> </a:t>
+            </a:r>
+            <a:r>
+              <a:rPr lang="en-US" altLang="ko-KR" sz="4800" dirty="0">
+                <a:latin typeface="배달의민족 주아" panose="02020603020101020101" pitchFamily="18" charset="-127"/>
+                <a:ea typeface="배달의민족 주아" panose="02020603020101020101" pitchFamily="18" charset="-127"/>
+              </a:rPr>
+              <a:t>&amp; </a:t>
+            </a:r>
+            <a:r>
+              <a:rPr lang="ko-KR" altLang="en-US" sz="4800" dirty="0">
+                <a:latin typeface="배달의민족 주아" panose="02020603020101020101" pitchFamily="18" charset="-127"/>
+                <a:ea typeface="배달의민족 주아" panose="02020603020101020101" pitchFamily="18" charset="-127"/>
+              </a:rPr>
+              <a:t>서버에 </a:t>
+            </a:r>
+            <a:r>
+              <a:rPr lang="en-US" altLang="ko-KR" sz="4800" dirty="0" err="1">
+                <a:latin typeface="배달의민족 주아" panose="02020603020101020101" pitchFamily="18" charset="-127"/>
+                <a:ea typeface="배달의민족 주아" panose="02020603020101020101" pitchFamily="18" charset="-127"/>
+              </a:rPr>
+              <a:t>dll</a:t>
+            </a:r>
+            <a:r>
+              <a:rPr lang="en-US" altLang="ko-KR" sz="4800" dirty="0">
+                <a:latin typeface="배달의민족 주아" panose="02020603020101020101" pitchFamily="18" charset="-127"/>
+                <a:ea typeface="배달의민족 주아" panose="02020603020101020101" pitchFamily="18" charset="-127"/>
+              </a:rPr>
+              <a:t> </a:t>
+            </a:r>
+            <a:r>
+              <a:rPr lang="ko-KR" altLang="en-US" sz="4800" dirty="0">
+                <a:latin typeface="배달의민족 주아" panose="02020603020101020101" pitchFamily="18" charset="-127"/>
+                <a:ea typeface="배달의민족 주아" panose="02020603020101020101" pitchFamily="18" charset="-127"/>
+              </a:rPr>
+              <a:t>추가</a:t>
+            </a:r>
+            <a:endParaRPr lang="en-US" altLang="ko-KR" sz="4800" dirty="0">
+              <a:latin typeface="배달의민족 주아" panose="02020603020101020101" pitchFamily="18" charset="-127"/>
+              <a:ea typeface="배달의민족 주아" panose="02020603020101020101" pitchFamily="18" charset="-127"/>
+            </a:endParaRPr>
+          </a:p>
+          <a:p>
+            <a:pPr marL="0" indent="0">
+              <a:buNone/>
+            </a:pPr>
+            <a:r>
+              <a:rPr lang="en-US" altLang="ko-KR" sz="4800" dirty="0">
+                <a:latin typeface="배달의민족 주아" panose="02020603020101020101" pitchFamily="18" charset="-127"/>
+                <a:ea typeface="배달의민족 주아" panose="02020603020101020101" pitchFamily="18" charset="-127"/>
+              </a:rPr>
+              <a:t>3. </a:t>
+            </a:r>
+            <a:r>
+              <a:rPr lang="ko-KR" altLang="en-US" sz="4800" dirty="0" err="1">
+                <a:latin typeface="배달의민족 주아" panose="02020603020101020101" pitchFamily="18" charset="-127"/>
+                <a:ea typeface="배달의민족 주아" panose="02020603020101020101" pitchFamily="18" charset="-127"/>
+              </a:rPr>
+              <a:t>클라</a:t>
+            </a:r>
+            <a:r>
+              <a:rPr lang="en-US" altLang="ko-KR" sz="4800" dirty="0">
+                <a:latin typeface="배달의민족 주아" panose="02020603020101020101" pitchFamily="18" charset="-127"/>
+                <a:ea typeface="배달의민족 주아" panose="02020603020101020101" pitchFamily="18" charset="-127"/>
+              </a:rPr>
+              <a:t>(</a:t>
+            </a:r>
+            <a:r>
+              <a:rPr lang="ko-KR" altLang="en-US" sz="4800" dirty="0">
+                <a:latin typeface="배달의민족 주아" panose="02020603020101020101" pitchFamily="18" charset="-127"/>
+                <a:ea typeface="배달의민족 주아" panose="02020603020101020101" pitchFamily="18" charset="-127"/>
+              </a:rPr>
+              <a:t>유니티</a:t>
+            </a:r>
+            <a:r>
+              <a:rPr lang="en-US" altLang="ko-KR" sz="4800" dirty="0">
+                <a:latin typeface="배달의민족 주아" panose="02020603020101020101" pitchFamily="18" charset="-127"/>
+                <a:ea typeface="배달의민족 주아" panose="02020603020101020101" pitchFamily="18" charset="-127"/>
+              </a:rPr>
+              <a:t>) &amp; </a:t>
+            </a:r>
+            <a:r>
+              <a:rPr lang="ko-KR" altLang="en-US" sz="4800" dirty="0">
+                <a:latin typeface="배달의민족 주아" panose="02020603020101020101" pitchFamily="18" charset="-127"/>
+                <a:ea typeface="배달의민족 주아" panose="02020603020101020101" pitchFamily="18" charset="-127"/>
+              </a:rPr>
+              <a:t>서버 제작</a:t>
+            </a:r>
+          </a:p>
+        </p:txBody>
+      </p:sp>
+    </p:spTree>
+    <p:extLst>
+      <p:ext uri="{BB962C8B-B14F-4D97-AF65-F5344CB8AC3E}">
+        <p14:creationId xmlns:p14="http://schemas.microsoft.com/office/powerpoint/2010/main" val="2605929107"/>
+      </p:ext>
+    </p:extLst>
+  </p:cSld>
+  <p:clrMapOvr>
+    <a:masterClrMapping/>
+  </p:clrMapOvr>
+</p:sld>
+</file>
+
+<file path=ppt/slides/slide4.xml><?xml version="1.0" encoding="utf-8"?>
+<p:sld xmlns:a="http://schemas.openxmlformats.org/drawingml/2006/main" xmlns:r="http://schemas.openxmlformats.org/officeDocument/2006/relationships" xmlns:p="http://schemas.openxmlformats.org/presentationml/2006/main">
+  <p:cSld>
+    <p:spTree>
+      <p:nvGrpSpPr>
+        <p:cNvPr id="1" name=""/>
+        <p:cNvGrpSpPr/>
+        <p:nvPr/>
+      </p:nvGrpSpPr>
+      <p:grpSpPr>
+        <a:xfrm>
+          <a:off x="0" y="0"/>
+          <a:ext cx="0" cy="0"/>
+          <a:chOff x="0" y="0"/>
+          <a:chExt cx="0" cy="0"/>
+        </a:xfrm>
+      </p:grpSpPr>
+      <p:sp>
+        <p:nvSpPr>
+          <p:cNvPr id="3" name="직사각형 2">
+            <a:extLst>
+              <a:ext uri="{FF2B5EF4-FFF2-40B4-BE49-F238E27FC236}">
+                <a16:creationId xmlns:a16="http://schemas.microsoft.com/office/drawing/2014/main" id="{28C1391D-2B82-4823-8669-EA714C00C404}"/>
+              </a:ext>
+            </a:extLst>
+          </p:cNvPr>
+          <p:cNvSpPr/>
+          <p:nvPr/>
+        </p:nvSpPr>
+        <p:spPr>
+          <a:xfrm>
+            <a:off x="0" y="339365"/>
+            <a:ext cx="3619893" cy="1221117"/>
+          </a:xfrm>
+          <a:prstGeom prst="rect">
+            <a:avLst/>
+          </a:prstGeom>
+          <a:solidFill>
+            <a:schemeClr val="tx1"/>
+          </a:solidFill>
+          <a:ln>
+            <a:solidFill>
+              <a:schemeClr val="tx1"/>
+            </a:solidFill>
+          </a:ln>
+        </p:spPr>
+        <p:style>
+          <a:lnRef idx="2">
+            <a:schemeClr val="accent1">
+              <a:shade val="50000"/>
+            </a:schemeClr>
+          </a:lnRef>
+          <a:fillRef idx="1">
+            <a:schemeClr val="accent1"/>
+          </a:fillRef>
+          <a:effectRef idx="0">
+            <a:schemeClr val="accent1"/>
+          </a:effectRef>
+          <a:fontRef idx="minor">
+            <a:schemeClr val="lt1"/>
+          </a:fontRef>
+        </p:style>
+        <p:txBody>
+          <a:bodyPr rtlCol="0" anchor="ctr"/>
+          <a:lstStyle/>
+          <a:p>
+            <a:pPr algn="ctr"/>
+            <a:r>
+              <a:rPr lang="ko-KR" altLang="en-US" sz="4800" dirty="0">
+                <a:solidFill>
+                  <a:schemeClr val="bg1"/>
+                </a:solidFill>
+                <a:latin typeface="태나다체 " panose="02000000000000000000" pitchFamily="2" charset="-127"/>
+                <a:ea typeface="태나다체 " panose="02000000000000000000" pitchFamily="2" charset="-127"/>
+              </a:rPr>
+              <a:t>우선</a:t>
+            </a:r>
+            <a:endParaRPr lang="en-US" altLang="ko-KR" sz="4800" dirty="0">
+              <a:solidFill>
+                <a:schemeClr val="bg1"/>
+              </a:solidFill>
+              <a:latin typeface="태나다체 " panose="02000000000000000000" pitchFamily="2" charset="-127"/>
+              <a:ea typeface="태나다체 " panose="02000000000000000000" pitchFamily="2" charset="-127"/>
+            </a:endParaRPr>
+          </a:p>
+        </p:txBody>
+      </p:sp>
+      <p:sp>
+        <p:nvSpPr>
+          <p:cNvPr id="4" name="부제목 2">
+            <a:extLst>
+              <a:ext uri="{FF2B5EF4-FFF2-40B4-BE49-F238E27FC236}">
+                <a16:creationId xmlns:a16="http://schemas.microsoft.com/office/drawing/2014/main" id="{F455627A-8176-4B7B-8615-1750F0D1106C}"/>
+              </a:ext>
+            </a:extLst>
+          </p:cNvPr>
+          <p:cNvSpPr txBox="1">
+            <a:spLocks/>
+          </p:cNvSpPr>
+          <p:nvPr/>
+        </p:nvSpPr>
+        <p:spPr>
+          <a:xfrm>
+            <a:off x="1272115" y="2592565"/>
+            <a:ext cx="9874014" cy="1140643"/>
+          </a:xfrm>
+          <a:prstGeom prst="rect">
+            <a:avLst/>
+          </a:prstGeom>
+        </p:spPr>
+        <p:txBody>
+          <a:bodyPr vert="horz" lIns="91440" tIns="45720" rIns="91440" bIns="45720" rtlCol="0" anchor="ctr">
+            <a:normAutofit/>
+          </a:bodyPr>
+          <a:lstStyle>
+            <a:lvl1pPr marL="228600" indent="-228600" algn="l" defTabSz="914400" rtl="0" eaLnBrk="1" latinLnBrk="1" hangingPunct="1">
+              <a:lnSpc>
+                <a:spcPct val="90000"/>
+              </a:lnSpc>
+              <a:spcBef>
+                <a:spcPts val="1000"/>
+              </a:spcBef>
+              <a:buFont typeface="Arial" panose="020B0604020202020204" pitchFamily="34" charset="0"/>
+              <a:buChar char="•"/>
+              <a:defRPr sz="2800" kern="1200">
+                <a:solidFill>
+                  <a:schemeClr val="tx1"/>
+                </a:solidFill>
+                <a:latin typeface="+mn-lt"/>
+                <a:ea typeface="+mn-ea"/>
+                <a:cs typeface="+mn-cs"/>
+              </a:defRPr>
+            </a:lvl1pPr>
+            <a:lvl2pPr marL="685800" indent="-228600" algn="l" defTabSz="914400" rtl="0" eaLnBrk="1" latinLnBrk="1" hangingPunct="1">
+              <a:lnSpc>
+                <a:spcPct val="90000"/>
+              </a:lnSpc>
+              <a:spcBef>
+                <a:spcPts val="500"/>
+              </a:spcBef>
+              <a:buFont typeface="Arial" panose="020B0604020202020204" pitchFamily="34" charset="0"/>
+              <a:buChar char="•"/>
+              <a:defRPr sz="2400" kern="1200">
+                <a:solidFill>
+                  <a:schemeClr val="tx1"/>
+                </a:solidFill>
+                <a:latin typeface="+mn-lt"/>
+                <a:ea typeface="+mn-ea"/>
+                <a:cs typeface="+mn-cs"/>
+              </a:defRPr>
+            </a:lvl2pPr>
+            <a:lvl3pPr marL="1143000" indent="-228600" algn="l" defTabSz="914400" rtl="0" eaLnBrk="1" latinLnBrk="1" hangingPunct="1">
+              <a:lnSpc>
+                <a:spcPct val="90000"/>
+              </a:lnSpc>
+              <a:spcBef>
+                <a:spcPts val="500"/>
+              </a:spcBef>
+              <a:buFont typeface="Arial" panose="020B0604020202020204" pitchFamily="34" charset="0"/>
+              <a:buChar char="•"/>
+              <a:defRPr sz="2000" kern="1200">
+                <a:solidFill>
+                  <a:schemeClr val="tx1"/>
+                </a:solidFill>
+                <a:latin typeface="+mn-lt"/>
+                <a:ea typeface="+mn-ea"/>
+                <a:cs typeface="+mn-cs"/>
+              </a:defRPr>
+            </a:lvl3pPr>
+            <a:lvl4pPr marL="1600200" indent="-228600" algn="l" defTabSz="914400" rtl="0" eaLnBrk="1" latinLnBrk="1" hangingPunct="1">
+              <a:lnSpc>
+                <a:spcPct val="90000"/>
+              </a:lnSpc>
+              <a:spcBef>
+                <a:spcPts val="500"/>
+              </a:spcBef>
+              <a:buFont typeface="Arial" panose="020B0604020202020204" pitchFamily="34" charset="0"/>
+              <a:buChar char="•"/>
+              <a:defRPr sz="1800" kern="1200">
+                <a:solidFill>
+                  <a:schemeClr val="tx1"/>
+                </a:solidFill>
+                <a:latin typeface="+mn-lt"/>
+                <a:ea typeface="+mn-ea"/>
+                <a:cs typeface="+mn-cs"/>
+              </a:defRPr>
+            </a:lvl4pPr>
+            <a:lvl5pPr marL="2057400" indent="-228600" algn="l" defTabSz="914400" rtl="0" eaLnBrk="1" latinLnBrk="1" hangingPunct="1">
+              <a:lnSpc>
+                <a:spcPct val="90000"/>
+              </a:lnSpc>
+              <a:spcBef>
+                <a:spcPts val="500"/>
+              </a:spcBef>
+              <a:buFont typeface="Arial" panose="020B0604020202020204" pitchFamily="34" charset="0"/>
+              <a:buChar char="•"/>
+              <a:defRPr sz="1800" kern="1200">
+                <a:solidFill>
+                  <a:schemeClr val="tx1"/>
+                </a:solidFill>
+                <a:latin typeface="+mn-lt"/>
+                <a:ea typeface="+mn-ea"/>
+                <a:cs typeface="+mn-cs"/>
+              </a:defRPr>
+            </a:lvl5pPr>
+            <a:lvl6pPr marL="2514600" indent="-228600" algn="l" defTabSz="914400" rtl="0" eaLnBrk="1" latinLnBrk="1" hangingPunct="1">
+              <a:lnSpc>
+                <a:spcPct val="90000"/>
+              </a:lnSpc>
+              <a:spcBef>
+                <a:spcPts val="500"/>
+              </a:spcBef>
+              <a:buFont typeface="Arial" panose="020B0604020202020204" pitchFamily="34" charset="0"/>
+              <a:buChar char="•"/>
+              <a:defRPr sz="1800" kern="1200">
+                <a:solidFill>
+                  <a:schemeClr val="tx1"/>
+                </a:solidFill>
+                <a:latin typeface="+mn-lt"/>
+                <a:ea typeface="+mn-ea"/>
+                <a:cs typeface="+mn-cs"/>
+              </a:defRPr>
+            </a:lvl6pPr>
+            <a:lvl7pPr marL="2971800" indent="-228600" algn="l" defTabSz="914400" rtl="0" eaLnBrk="1" latinLnBrk="1" hangingPunct="1">
+              <a:lnSpc>
+                <a:spcPct val="90000"/>
+              </a:lnSpc>
+              <a:spcBef>
+                <a:spcPts val="500"/>
+              </a:spcBef>
+              <a:buFont typeface="Arial" panose="020B0604020202020204" pitchFamily="34" charset="0"/>
+              <a:buChar char="•"/>
+              <a:defRPr sz="1800" kern="1200">
+                <a:solidFill>
+                  <a:schemeClr val="tx1"/>
+                </a:solidFill>
+                <a:latin typeface="+mn-lt"/>
+                <a:ea typeface="+mn-ea"/>
+                <a:cs typeface="+mn-cs"/>
+              </a:defRPr>
+            </a:lvl7pPr>
+            <a:lvl8pPr marL="3429000" indent="-228600" algn="l" defTabSz="914400" rtl="0" eaLnBrk="1" latinLnBrk="1" hangingPunct="1">
+              <a:lnSpc>
+                <a:spcPct val="90000"/>
+              </a:lnSpc>
+              <a:spcBef>
+                <a:spcPts val="500"/>
+              </a:spcBef>
+              <a:buFont typeface="Arial" panose="020B0604020202020204" pitchFamily="34" charset="0"/>
+              <a:buChar char="•"/>
+              <a:defRPr sz="1800" kern="1200">
+                <a:solidFill>
+                  <a:schemeClr val="tx1"/>
+                </a:solidFill>
+                <a:latin typeface="+mn-lt"/>
+                <a:ea typeface="+mn-ea"/>
+                <a:cs typeface="+mn-cs"/>
+              </a:defRPr>
+            </a:lvl8pPr>
+            <a:lvl9pPr marL="3886200" indent="-228600" algn="l" defTabSz="914400" rtl="0" eaLnBrk="1" latinLnBrk="1" hangingPunct="1">
+              <a:lnSpc>
+                <a:spcPct val="90000"/>
+              </a:lnSpc>
+              <a:spcBef>
+                <a:spcPts val="500"/>
+              </a:spcBef>
+              <a:buFont typeface="Arial" panose="020B0604020202020204" pitchFamily="34" charset="0"/>
+              <a:buChar char="•"/>
+              <a:defRPr sz="1800" kern="1200">
+                <a:solidFill>
+                  <a:schemeClr val="tx1"/>
+                </a:solidFill>
+                <a:latin typeface="+mn-lt"/>
+                <a:ea typeface="+mn-ea"/>
+                <a:cs typeface="+mn-cs"/>
+              </a:defRPr>
+            </a:lvl9pPr>
+          </a:lstStyle>
+          <a:p>
+            <a:pPr marL="0" indent="0" algn="ctr">
+              <a:buNone/>
+            </a:pPr>
+            <a:r>
+              <a:rPr lang="ko-KR" altLang="en-US" sz="4800" dirty="0">
+                <a:latin typeface="배달의민족 주아" panose="02020603020101020101" pitchFamily="18" charset="-127"/>
+                <a:ea typeface="배달의민족 주아" panose="02020603020101020101" pitchFamily="18" charset="-127"/>
+              </a:rPr>
+              <a:t>솔루션 폴더에 </a:t>
+            </a:r>
+            <a:r>
+              <a:rPr lang="en-US" altLang="ko-KR" sz="4800" dirty="0">
+                <a:latin typeface="배달의민족 주아" panose="02020603020101020101" pitchFamily="18" charset="-127"/>
+                <a:ea typeface="배달의민족 주아" panose="02020603020101020101" pitchFamily="18" charset="-127"/>
+              </a:rPr>
+              <a:t>framework </a:t>
+            </a:r>
+            <a:r>
+              <a:rPr lang="en-US" altLang="ko-KR" sz="4800" dirty="0" err="1">
+                <a:latin typeface="배달의민족 주아" panose="02020603020101020101" pitchFamily="18" charset="-127"/>
+                <a:ea typeface="배달의민족 주아" panose="02020603020101020101" pitchFamily="18" charset="-127"/>
+              </a:rPr>
+              <a:t>dll</a:t>
+            </a:r>
+            <a:r>
+              <a:rPr lang="en-US" altLang="ko-KR" sz="4800" dirty="0">
+                <a:latin typeface="배달의민족 주아" panose="02020603020101020101" pitchFamily="18" charset="-127"/>
+                <a:ea typeface="배달의민족 주아" panose="02020603020101020101" pitchFamily="18" charset="-127"/>
+              </a:rPr>
+              <a:t> </a:t>
+            </a:r>
+            <a:r>
+              <a:rPr lang="ko-KR" altLang="en-US" sz="4800" dirty="0">
+                <a:latin typeface="배달의민족 주아" panose="02020603020101020101" pitchFamily="18" charset="-127"/>
+                <a:ea typeface="배달의민족 주아" panose="02020603020101020101" pitchFamily="18" charset="-127"/>
+              </a:rPr>
+              <a:t>붙여넣기</a:t>
+            </a:r>
+          </a:p>
+        </p:txBody>
+      </p:sp>
+      <p:pic>
+        <p:nvPicPr>
+          <p:cNvPr id="2" name="그림 1">
+            <a:extLst>
+              <a:ext uri="{FF2B5EF4-FFF2-40B4-BE49-F238E27FC236}">
+                <a16:creationId xmlns:a16="http://schemas.microsoft.com/office/drawing/2014/main" id="{C24A3959-B663-426C-A272-190368C3F0BB}"/>
+              </a:ext>
+            </a:extLst>
+          </p:cNvPr>
+          <p:cNvPicPr>
+            <a:picLocks noChangeAspect="1"/>
+          </p:cNvPicPr>
+          <p:nvPr/>
+        </p:nvPicPr>
+        <p:blipFill>
+          <a:blip r:embed="rId2"/>
+          <a:stretch>
+            <a:fillRect/>
+          </a:stretch>
+        </p:blipFill>
+        <p:spPr>
+          <a:xfrm>
+            <a:off x="2503380" y="3893075"/>
+            <a:ext cx="7411484" cy="1390844"/>
+          </a:xfrm>
+          <a:prstGeom prst="rect">
+            <a:avLst/>
+          </a:prstGeom>
+        </p:spPr>
+      </p:pic>
+    </p:spTree>
+    <p:extLst>
+      <p:ext uri="{BB962C8B-B14F-4D97-AF65-F5344CB8AC3E}">
+        <p14:creationId xmlns:p14="http://schemas.microsoft.com/office/powerpoint/2010/main" val="1118134226"/>
+      </p:ext>
+    </p:extLst>
+  </p:cSld>
+  <p:clrMapOvr>
+    <a:masterClrMapping/>
+  </p:clrMapOvr>
+</p:sld>
+</file>
+
+<file path=ppt/slides/slide5.xml><?xml version="1.0" encoding="utf-8"?>
+<p:sld xmlns:a="http://schemas.openxmlformats.org/drawingml/2006/main" xmlns:r="http://schemas.openxmlformats.org/officeDocument/2006/relationships" xmlns:p="http://schemas.openxmlformats.org/presentationml/2006/main">
+  <p:cSld>
+    <p:spTree>
+      <p:nvGrpSpPr>
+        <p:cNvPr id="1" name=""/>
+        <p:cNvGrpSpPr/>
+        <p:nvPr/>
+      </p:nvGrpSpPr>
+      <p:grpSpPr>
+        <a:xfrm>
+          <a:off x="0" y="0"/>
+          <a:ext cx="0" cy="0"/>
+          <a:chOff x="0" y="0"/>
+          <a:chExt cx="0" cy="0"/>
+        </a:xfrm>
+      </p:grpSpPr>
+      <p:sp>
+        <p:nvSpPr>
+          <p:cNvPr id="4" name="직사각형 3">
+            <a:extLst>
+              <a:ext uri="{FF2B5EF4-FFF2-40B4-BE49-F238E27FC236}">
+                <a16:creationId xmlns:a16="http://schemas.microsoft.com/office/drawing/2014/main" id="{E79D7B46-7B6E-42EB-AEE8-A3876135D94E}"/>
+              </a:ext>
+            </a:extLst>
+          </p:cNvPr>
+          <p:cNvSpPr/>
+          <p:nvPr/>
+        </p:nvSpPr>
+        <p:spPr>
+          <a:xfrm>
+            <a:off x="0" y="2582771"/>
+            <a:ext cx="12192000" cy="1692458"/>
+          </a:xfrm>
+          <a:prstGeom prst="rect">
+            <a:avLst/>
+          </a:prstGeom>
+          <a:solidFill>
+            <a:schemeClr val="tx1"/>
+          </a:solidFill>
+          <a:ln>
+            <a:solidFill>
+              <a:schemeClr val="tx1"/>
+            </a:solidFill>
+          </a:ln>
+        </p:spPr>
+        <p:style>
+          <a:lnRef idx="2">
+            <a:schemeClr val="accent1">
+              <a:shade val="50000"/>
+            </a:schemeClr>
+          </a:lnRef>
+          <a:fillRef idx="1">
+            <a:schemeClr val="accent1"/>
+          </a:fillRef>
+          <a:effectRef idx="0">
+            <a:schemeClr val="accent1"/>
+          </a:effectRef>
+          <a:fontRef idx="minor">
+            <a:schemeClr val="lt1"/>
+          </a:fontRef>
+        </p:style>
+        <p:txBody>
+          <a:bodyPr rtlCol="0" anchor="ctr"/>
+          <a:lstStyle>
+            <a:defPPr>
+              <a:defRPr lang="ko-KR"/>
+            </a:defPPr>
+            <a:lvl1pPr marL="0" algn="l" defTabSz="914400" rtl="0" eaLnBrk="1" latinLnBrk="1" hangingPunct="1">
+              <a:defRPr sz="1800" kern="1200">
+                <a:solidFill>
+                  <a:schemeClr val="lt1"/>
+                </a:solidFill>
+                <a:latin typeface="+mn-lt"/>
+                <a:ea typeface="+mn-ea"/>
+                <a:cs typeface="+mn-cs"/>
+              </a:defRPr>
+            </a:lvl1pPr>
+            <a:lvl2pPr marL="457200" algn="l" defTabSz="914400" rtl="0" eaLnBrk="1" latinLnBrk="1" hangingPunct="1">
+              <a:defRPr sz="1800" kern="1200">
+                <a:solidFill>
+                  <a:schemeClr val="lt1"/>
+                </a:solidFill>
+                <a:latin typeface="+mn-lt"/>
+                <a:ea typeface="+mn-ea"/>
+                <a:cs typeface="+mn-cs"/>
+              </a:defRPr>
+            </a:lvl2pPr>
+            <a:lvl3pPr marL="914400" algn="l" defTabSz="914400" rtl="0" eaLnBrk="1" latinLnBrk="1" hangingPunct="1">
+              <a:defRPr sz="1800" kern="1200">
+                <a:solidFill>
+                  <a:schemeClr val="lt1"/>
+                </a:solidFill>
+                <a:latin typeface="+mn-lt"/>
+                <a:ea typeface="+mn-ea"/>
+                <a:cs typeface="+mn-cs"/>
+              </a:defRPr>
+            </a:lvl3pPr>
+            <a:lvl4pPr marL="1371600" algn="l" defTabSz="914400" rtl="0" eaLnBrk="1" latinLnBrk="1" hangingPunct="1">
+              <a:defRPr sz="1800" kern="1200">
+                <a:solidFill>
+                  <a:schemeClr val="lt1"/>
+                </a:solidFill>
+                <a:latin typeface="+mn-lt"/>
+                <a:ea typeface="+mn-ea"/>
+                <a:cs typeface="+mn-cs"/>
+              </a:defRPr>
+            </a:lvl4pPr>
+            <a:lvl5pPr marL="1828800" algn="l" defTabSz="914400" rtl="0" eaLnBrk="1" latinLnBrk="1" hangingPunct="1">
+              <a:defRPr sz="1800" kern="1200">
+                <a:solidFill>
+                  <a:schemeClr val="lt1"/>
+                </a:solidFill>
+                <a:latin typeface="+mn-lt"/>
+                <a:ea typeface="+mn-ea"/>
+                <a:cs typeface="+mn-cs"/>
+              </a:defRPr>
+            </a:lvl5pPr>
+            <a:lvl6pPr marL="2286000" algn="l" defTabSz="914400" rtl="0" eaLnBrk="1" latinLnBrk="1" hangingPunct="1">
+              <a:defRPr sz="1800" kern="1200">
+                <a:solidFill>
+                  <a:schemeClr val="lt1"/>
+                </a:solidFill>
+                <a:latin typeface="+mn-lt"/>
+                <a:ea typeface="+mn-ea"/>
+                <a:cs typeface="+mn-cs"/>
+              </a:defRPr>
+            </a:lvl6pPr>
+            <a:lvl7pPr marL="2743200" algn="l" defTabSz="914400" rtl="0" eaLnBrk="1" latinLnBrk="1" hangingPunct="1">
+              <a:defRPr sz="1800" kern="1200">
+                <a:solidFill>
+                  <a:schemeClr val="lt1"/>
+                </a:solidFill>
+                <a:latin typeface="+mn-lt"/>
+                <a:ea typeface="+mn-ea"/>
+                <a:cs typeface="+mn-cs"/>
+              </a:defRPr>
+            </a:lvl7pPr>
+            <a:lvl8pPr marL="3200400" algn="l" defTabSz="914400" rtl="0" eaLnBrk="1" latinLnBrk="1" hangingPunct="1">
+              <a:defRPr sz="1800" kern="1200">
+                <a:solidFill>
+                  <a:schemeClr val="lt1"/>
+                </a:solidFill>
+                <a:latin typeface="+mn-lt"/>
+                <a:ea typeface="+mn-ea"/>
+                <a:cs typeface="+mn-cs"/>
+              </a:defRPr>
+            </a:lvl8pPr>
+            <a:lvl9pPr marL="3657600" algn="l" defTabSz="914400" rtl="0" eaLnBrk="1" latinLnBrk="1" hangingPunct="1">
+              <a:defRPr sz="1800" kern="1200">
+                <a:solidFill>
+                  <a:schemeClr val="lt1"/>
+                </a:solidFill>
+                <a:latin typeface="+mn-lt"/>
+                <a:ea typeface="+mn-ea"/>
+                <a:cs typeface="+mn-cs"/>
+              </a:defRPr>
+            </a:lvl9pPr>
+          </a:lstStyle>
+          <a:p>
+            <a:pPr algn="ctr"/>
+            <a:r>
+              <a:rPr lang="en-US" altLang="ko-KR" sz="5400" dirty="0">
+                <a:solidFill>
+                  <a:schemeClr val="bg1"/>
+                </a:solidFill>
+                <a:latin typeface="태나다체 " panose="02000000000000000000" pitchFamily="2" charset="-127"/>
+                <a:ea typeface="태나다체 " panose="02000000000000000000" pitchFamily="2" charset="-127"/>
+              </a:rPr>
+              <a:t>Packets</a:t>
             </a:r>
             <a:endParaRPr lang="ko-KR" altLang="en-US" sz="5400" dirty="0">
               <a:solidFill>
                 <a:schemeClr val="bg1"/>
               </a:solidFill>
-              <a:latin typeface="배달의민족 주아" panose="02020603020101020101" pitchFamily="18" charset="-127"/>
-              <a:ea typeface="배달의민족 주아" panose="02020603020101020101" pitchFamily="18" charset="-127"/>
+              <a:latin typeface="태나다체 " panose="02000000000000000000" pitchFamily="2" charset="-127"/>
+              <a:ea typeface="태나다체 " panose="02000000000000000000" pitchFamily="2" charset="-127"/>
             </a:endParaRPr>
           </a:p>
         </p:txBody>
@@ -4582,7 +8981,539 @@
     </p:spTree>
     <p:extLst>
       <p:ext uri="{BB962C8B-B14F-4D97-AF65-F5344CB8AC3E}">
-        <p14:creationId xmlns:p14="http://schemas.microsoft.com/office/powerpoint/2010/main" val="266278922"/>
+        <p14:creationId xmlns:p14="http://schemas.microsoft.com/office/powerpoint/2010/main" val="4278001910"/>
+      </p:ext>
+    </p:extLst>
+  </p:cSld>
+  <p:clrMapOvr>
+    <a:masterClrMapping/>
+  </p:clrMapOvr>
+</p:sld>
+</file>
+
+<file path=ppt/slides/slide6.xml><?xml version="1.0" encoding="utf-8"?>
+<p:sld xmlns:a="http://schemas.openxmlformats.org/drawingml/2006/main" xmlns:r="http://schemas.openxmlformats.org/officeDocument/2006/relationships" xmlns:p="http://schemas.openxmlformats.org/presentationml/2006/main">
+  <p:cSld>
+    <p:spTree>
+      <p:nvGrpSpPr>
+        <p:cNvPr id="1" name=""/>
+        <p:cNvGrpSpPr/>
+        <p:nvPr/>
+      </p:nvGrpSpPr>
+      <p:grpSpPr>
+        <a:xfrm>
+          <a:off x="0" y="0"/>
+          <a:ext cx="0" cy="0"/>
+          <a:chOff x="0" y="0"/>
+          <a:chExt cx="0" cy="0"/>
+        </a:xfrm>
+      </p:grpSpPr>
+      <p:pic>
+        <p:nvPicPr>
+          <p:cNvPr id="2" name="그림 1">
+            <a:extLst>
+              <a:ext uri="{FF2B5EF4-FFF2-40B4-BE49-F238E27FC236}">
+                <a16:creationId xmlns:a16="http://schemas.microsoft.com/office/drawing/2014/main" id="{0CA801B8-7173-43C4-BBE2-87417BA2D9EB}"/>
+              </a:ext>
+            </a:extLst>
+          </p:cNvPr>
+          <p:cNvPicPr>
+            <a:picLocks noChangeAspect="1"/>
+          </p:cNvPicPr>
+          <p:nvPr/>
+        </p:nvPicPr>
+        <p:blipFill>
+          <a:blip r:embed="rId2">
+            <a:extLst>
+              <a:ext uri="{28A0092B-C50C-407E-A947-70E740481C1C}">
+                <a14:useLocalDpi xmlns:a14="http://schemas.microsoft.com/office/drawing/2010/main" val="0"/>
+              </a:ext>
+            </a:extLst>
+          </a:blip>
+          <a:stretch>
+            <a:fillRect/>
+          </a:stretch>
+        </p:blipFill>
+        <p:spPr>
+          <a:xfrm>
+            <a:off x="4120137" y="738329"/>
+            <a:ext cx="7639583" cy="5381342"/>
+          </a:xfrm>
+          <a:prstGeom prst="rect">
+            <a:avLst/>
+          </a:prstGeom>
+        </p:spPr>
+      </p:pic>
+      <p:sp>
+        <p:nvSpPr>
+          <p:cNvPr id="3" name="직사각형 2">
+            <a:extLst>
+              <a:ext uri="{FF2B5EF4-FFF2-40B4-BE49-F238E27FC236}">
+                <a16:creationId xmlns:a16="http://schemas.microsoft.com/office/drawing/2014/main" id="{55435521-BF96-43FE-A06E-039938A5E834}"/>
+              </a:ext>
+            </a:extLst>
+          </p:cNvPr>
+          <p:cNvSpPr/>
+          <p:nvPr/>
+        </p:nvSpPr>
+        <p:spPr>
+          <a:xfrm>
+            <a:off x="0" y="339365"/>
+            <a:ext cx="3619893" cy="1221117"/>
+          </a:xfrm>
+          <a:prstGeom prst="rect">
+            <a:avLst/>
+          </a:prstGeom>
+          <a:solidFill>
+            <a:schemeClr val="tx1"/>
+          </a:solidFill>
+          <a:ln>
+            <a:solidFill>
+              <a:schemeClr val="tx1"/>
+            </a:solidFill>
+          </a:ln>
+        </p:spPr>
+        <p:style>
+          <a:lnRef idx="2">
+            <a:schemeClr val="accent1">
+              <a:shade val="50000"/>
+            </a:schemeClr>
+          </a:lnRef>
+          <a:fillRef idx="1">
+            <a:schemeClr val="accent1"/>
+          </a:fillRef>
+          <a:effectRef idx="0">
+            <a:schemeClr val="accent1"/>
+          </a:effectRef>
+          <a:fontRef idx="minor">
+            <a:schemeClr val="lt1"/>
+          </a:fontRef>
+        </p:style>
+        <p:txBody>
+          <a:bodyPr rtlCol="0" anchor="ctr"/>
+          <a:lstStyle/>
+          <a:p>
+            <a:pPr algn="ctr"/>
+            <a:r>
+              <a:rPr lang="ko-KR" altLang="en-US" sz="4400" dirty="0">
+                <a:solidFill>
+                  <a:schemeClr val="bg1"/>
+                </a:solidFill>
+                <a:latin typeface="태나다체 " panose="02000000000000000000" pitchFamily="2" charset="-127"/>
+                <a:ea typeface="태나다체 " panose="02000000000000000000" pitchFamily="2" charset="-127"/>
+              </a:rPr>
+              <a:t>프로젝트 추가</a:t>
+            </a:r>
+            <a:endParaRPr lang="en-US" altLang="ko-KR" sz="4400" dirty="0">
+              <a:solidFill>
+                <a:schemeClr val="bg1"/>
+              </a:solidFill>
+              <a:latin typeface="태나다체 " panose="02000000000000000000" pitchFamily="2" charset="-127"/>
+              <a:ea typeface="태나다체 " panose="02000000000000000000" pitchFamily="2" charset="-127"/>
+            </a:endParaRPr>
+          </a:p>
+        </p:txBody>
+      </p:sp>
+    </p:spTree>
+    <p:extLst>
+      <p:ext uri="{BB962C8B-B14F-4D97-AF65-F5344CB8AC3E}">
+        <p14:creationId xmlns:p14="http://schemas.microsoft.com/office/powerpoint/2010/main" val="3012699667"/>
+      </p:ext>
+    </p:extLst>
+  </p:cSld>
+  <p:clrMapOvr>
+    <a:masterClrMapping/>
+  </p:clrMapOvr>
+</p:sld>
+</file>
+
+<file path=ppt/slides/slide7.xml><?xml version="1.0" encoding="utf-8"?>
+<p:sld xmlns:a="http://schemas.openxmlformats.org/drawingml/2006/main" xmlns:r="http://schemas.openxmlformats.org/officeDocument/2006/relationships" xmlns:p="http://schemas.openxmlformats.org/presentationml/2006/main">
+  <p:cSld>
+    <p:spTree>
+      <p:nvGrpSpPr>
+        <p:cNvPr id="1" name=""/>
+        <p:cNvGrpSpPr/>
+        <p:nvPr/>
+      </p:nvGrpSpPr>
+      <p:grpSpPr>
+        <a:xfrm>
+          <a:off x="0" y="0"/>
+          <a:ext cx="0" cy="0"/>
+          <a:chOff x="0" y="0"/>
+          <a:chExt cx="0" cy="0"/>
+        </a:xfrm>
+      </p:grpSpPr>
+      <p:sp>
+        <p:nvSpPr>
+          <p:cNvPr id="3" name="직사각형 2">
+            <a:extLst>
+              <a:ext uri="{FF2B5EF4-FFF2-40B4-BE49-F238E27FC236}">
+                <a16:creationId xmlns:a16="http://schemas.microsoft.com/office/drawing/2014/main" id="{55435521-BF96-43FE-A06E-039938A5E834}"/>
+              </a:ext>
+            </a:extLst>
+          </p:cNvPr>
+          <p:cNvSpPr/>
+          <p:nvPr/>
+        </p:nvSpPr>
+        <p:spPr>
+          <a:xfrm>
+            <a:off x="0" y="339365"/>
+            <a:ext cx="3619893" cy="1221117"/>
+          </a:xfrm>
+          <a:prstGeom prst="rect">
+            <a:avLst/>
+          </a:prstGeom>
+          <a:solidFill>
+            <a:schemeClr val="tx1"/>
+          </a:solidFill>
+          <a:ln>
+            <a:solidFill>
+              <a:schemeClr val="tx1"/>
+            </a:solidFill>
+          </a:ln>
+        </p:spPr>
+        <p:style>
+          <a:lnRef idx="2">
+            <a:schemeClr val="accent1">
+              <a:shade val="50000"/>
+            </a:schemeClr>
+          </a:lnRef>
+          <a:fillRef idx="1">
+            <a:schemeClr val="accent1"/>
+          </a:fillRef>
+          <a:effectRef idx="0">
+            <a:schemeClr val="accent1"/>
+          </a:effectRef>
+          <a:fontRef idx="minor">
+            <a:schemeClr val="lt1"/>
+          </a:fontRef>
+        </p:style>
+        <p:txBody>
+          <a:bodyPr rtlCol="0" anchor="ctr"/>
+          <a:lstStyle/>
+          <a:p>
+            <a:pPr algn="ctr"/>
+            <a:r>
+              <a:rPr lang="ko-KR" altLang="en-US" sz="4400" dirty="0">
+                <a:solidFill>
+                  <a:schemeClr val="bg1"/>
+                </a:solidFill>
+                <a:latin typeface="태나다체 " panose="02000000000000000000" pitchFamily="2" charset="-127"/>
+                <a:ea typeface="태나다체 " panose="02000000000000000000" pitchFamily="2" charset="-127"/>
+              </a:rPr>
+              <a:t>프로젝트 추가</a:t>
+            </a:r>
+            <a:endParaRPr lang="en-US" altLang="ko-KR" sz="4400" dirty="0">
+              <a:solidFill>
+                <a:schemeClr val="bg1"/>
+              </a:solidFill>
+              <a:latin typeface="태나다체 " panose="02000000000000000000" pitchFamily="2" charset="-127"/>
+              <a:ea typeface="태나다체 " panose="02000000000000000000" pitchFamily="2" charset="-127"/>
+            </a:endParaRPr>
+          </a:p>
+        </p:txBody>
+      </p:sp>
+      <p:pic>
+        <p:nvPicPr>
+          <p:cNvPr id="4" name="그림 3">
+            <a:extLst>
+              <a:ext uri="{FF2B5EF4-FFF2-40B4-BE49-F238E27FC236}">
+                <a16:creationId xmlns:a16="http://schemas.microsoft.com/office/drawing/2014/main" id="{ED662562-F241-4D72-A7EF-770EE8BD150B}"/>
+              </a:ext>
+            </a:extLst>
+          </p:cNvPr>
+          <p:cNvPicPr>
+            <a:picLocks noChangeAspect="1"/>
+          </p:cNvPicPr>
+          <p:nvPr/>
+        </p:nvPicPr>
+        <p:blipFill>
+          <a:blip r:embed="rId2">
+            <a:extLst>
+              <a:ext uri="{28A0092B-C50C-407E-A947-70E740481C1C}">
+                <a14:useLocalDpi xmlns:a14="http://schemas.microsoft.com/office/drawing/2010/main" val="0"/>
+              </a:ext>
+            </a:extLst>
+          </a:blip>
+          <a:stretch>
+            <a:fillRect/>
+          </a:stretch>
+        </p:blipFill>
+        <p:spPr>
+          <a:xfrm>
+            <a:off x="4338095" y="963059"/>
+            <a:ext cx="7002520" cy="4931882"/>
+          </a:xfrm>
+          <a:prstGeom prst="rect">
+            <a:avLst/>
+          </a:prstGeom>
+        </p:spPr>
+      </p:pic>
+    </p:spTree>
+    <p:extLst>
+      <p:ext uri="{BB962C8B-B14F-4D97-AF65-F5344CB8AC3E}">
+        <p14:creationId xmlns:p14="http://schemas.microsoft.com/office/powerpoint/2010/main" val="2372027597"/>
+      </p:ext>
+    </p:extLst>
+  </p:cSld>
+  <p:clrMapOvr>
+    <a:masterClrMapping/>
+  </p:clrMapOvr>
+</p:sld>
+</file>
+
+<file path=ppt/slides/slide8.xml><?xml version="1.0" encoding="utf-8"?>
+<p:sld xmlns:a="http://schemas.openxmlformats.org/drawingml/2006/main" xmlns:r="http://schemas.openxmlformats.org/officeDocument/2006/relationships" xmlns:p="http://schemas.openxmlformats.org/presentationml/2006/main">
+  <p:cSld>
+    <p:spTree>
+      <p:nvGrpSpPr>
+        <p:cNvPr id="1" name=""/>
+        <p:cNvGrpSpPr/>
+        <p:nvPr/>
+      </p:nvGrpSpPr>
+      <p:grpSpPr>
+        <a:xfrm>
+          <a:off x="0" y="0"/>
+          <a:ext cx="0" cy="0"/>
+          <a:chOff x="0" y="0"/>
+          <a:chExt cx="0" cy="0"/>
+        </a:xfrm>
+      </p:grpSpPr>
+      <p:sp>
+        <p:nvSpPr>
+          <p:cNvPr id="3" name="직사각형 2">
+            <a:extLst>
+              <a:ext uri="{FF2B5EF4-FFF2-40B4-BE49-F238E27FC236}">
+                <a16:creationId xmlns:a16="http://schemas.microsoft.com/office/drawing/2014/main" id="{55435521-BF96-43FE-A06E-039938A5E834}"/>
+              </a:ext>
+            </a:extLst>
+          </p:cNvPr>
+          <p:cNvSpPr/>
+          <p:nvPr/>
+        </p:nvSpPr>
+        <p:spPr>
+          <a:xfrm>
+            <a:off x="0" y="339365"/>
+            <a:ext cx="3619893" cy="1221117"/>
+          </a:xfrm>
+          <a:prstGeom prst="rect">
+            <a:avLst/>
+          </a:prstGeom>
+          <a:solidFill>
+            <a:schemeClr val="tx1"/>
+          </a:solidFill>
+          <a:ln>
+            <a:solidFill>
+              <a:schemeClr val="tx1"/>
+            </a:solidFill>
+          </a:ln>
+        </p:spPr>
+        <p:style>
+          <a:lnRef idx="2">
+            <a:schemeClr val="accent1">
+              <a:shade val="50000"/>
+            </a:schemeClr>
+          </a:lnRef>
+          <a:fillRef idx="1">
+            <a:schemeClr val="accent1"/>
+          </a:fillRef>
+          <a:effectRef idx="0">
+            <a:schemeClr val="accent1"/>
+          </a:effectRef>
+          <a:fontRef idx="minor">
+            <a:schemeClr val="lt1"/>
+          </a:fontRef>
+        </p:style>
+        <p:txBody>
+          <a:bodyPr rtlCol="0" anchor="ctr"/>
+          <a:lstStyle/>
+          <a:p>
+            <a:pPr algn="ctr"/>
+            <a:r>
+              <a:rPr lang="ko-KR" altLang="en-US" sz="4400" dirty="0">
+                <a:solidFill>
+                  <a:schemeClr val="bg1"/>
+                </a:solidFill>
+                <a:latin typeface="태나다체 " panose="02000000000000000000" pitchFamily="2" charset="-127"/>
+                <a:ea typeface="태나다체 " panose="02000000000000000000" pitchFamily="2" charset="-127"/>
+              </a:rPr>
+              <a:t>참조 추가</a:t>
+            </a:r>
+            <a:endParaRPr lang="en-US" altLang="ko-KR" sz="4400" dirty="0">
+              <a:solidFill>
+                <a:schemeClr val="bg1"/>
+              </a:solidFill>
+              <a:latin typeface="태나다체 " panose="02000000000000000000" pitchFamily="2" charset="-127"/>
+              <a:ea typeface="태나다체 " panose="02000000000000000000" pitchFamily="2" charset="-127"/>
+            </a:endParaRPr>
+          </a:p>
+        </p:txBody>
+      </p:sp>
+      <p:pic>
+        <p:nvPicPr>
+          <p:cNvPr id="4" name="그림 3">
+            <a:extLst>
+              <a:ext uri="{FF2B5EF4-FFF2-40B4-BE49-F238E27FC236}">
+                <a16:creationId xmlns:a16="http://schemas.microsoft.com/office/drawing/2014/main" id="{15F58433-3E8F-44D7-B4A5-6720E54B317C}"/>
+              </a:ext>
+            </a:extLst>
+          </p:cNvPr>
+          <p:cNvPicPr>
+            <a:picLocks noChangeAspect="1"/>
+          </p:cNvPicPr>
+          <p:nvPr/>
+        </p:nvPicPr>
+        <p:blipFill>
+          <a:blip r:embed="rId2"/>
+          <a:stretch>
+            <a:fillRect/>
+          </a:stretch>
+        </p:blipFill>
+        <p:spPr>
+          <a:xfrm>
+            <a:off x="4265155" y="580199"/>
+            <a:ext cx="6981021" cy="5697602"/>
+          </a:xfrm>
+          <a:prstGeom prst="rect">
+            <a:avLst/>
+          </a:prstGeom>
+        </p:spPr>
+      </p:pic>
+    </p:spTree>
+    <p:extLst>
+      <p:ext uri="{BB962C8B-B14F-4D97-AF65-F5344CB8AC3E}">
+        <p14:creationId xmlns:p14="http://schemas.microsoft.com/office/powerpoint/2010/main" val="961123404"/>
+      </p:ext>
+    </p:extLst>
+  </p:cSld>
+  <p:clrMapOvr>
+    <a:masterClrMapping/>
+  </p:clrMapOvr>
+</p:sld>
+</file>
+
+<file path=ppt/slides/slide9.xml><?xml version="1.0" encoding="utf-8"?>
+<p:sld xmlns:a="http://schemas.openxmlformats.org/drawingml/2006/main" xmlns:r="http://schemas.openxmlformats.org/officeDocument/2006/relationships" xmlns:p="http://schemas.openxmlformats.org/presentationml/2006/main">
+  <p:cSld>
+    <p:spTree>
+      <p:nvGrpSpPr>
+        <p:cNvPr id="1" name=""/>
+        <p:cNvGrpSpPr/>
+        <p:nvPr/>
+      </p:nvGrpSpPr>
+      <p:grpSpPr>
+        <a:xfrm>
+          <a:off x="0" y="0"/>
+          <a:ext cx="0" cy="0"/>
+          <a:chOff x="0" y="0"/>
+          <a:chExt cx="0" cy="0"/>
+        </a:xfrm>
+      </p:grpSpPr>
+      <p:sp>
+        <p:nvSpPr>
+          <p:cNvPr id="3" name="직사각형 2">
+            <a:extLst>
+              <a:ext uri="{FF2B5EF4-FFF2-40B4-BE49-F238E27FC236}">
+                <a16:creationId xmlns:a16="http://schemas.microsoft.com/office/drawing/2014/main" id="{55435521-BF96-43FE-A06E-039938A5E834}"/>
+              </a:ext>
+            </a:extLst>
+          </p:cNvPr>
+          <p:cNvSpPr/>
+          <p:nvPr/>
+        </p:nvSpPr>
+        <p:spPr>
+          <a:xfrm>
+            <a:off x="0" y="339365"/>
+            <a:ext cx="3619893" cy="1221117"/>
+          </a:xfrm>
+          <a:prstGeom prst="rect">
+            <a:avLst/>
+          </a:prstGeom>
+          <a:solidFill>
+            <a:schemeClr val="tx1"/>
+          </a:solidFill>
+          <a:ln>
+            <a:solidFill>
+              <a:schemeClr val="tx1"/>
+            </a:solidFill>
+          </a:ln>
+        </p:spPr>
+        <p:style>
+          <a:lnRef idx="2">
+            <a:schemeClr val="accent1">
+              <a:shade val="50000"/>
+            </a:schemeClr>
+          </a:lnRef>
+          <a:fillRef idx="1">
+            <a:schemeClr val="accent1"/>
+          </a:fillRef>
+          <a:effectRef idx="0">
+            <a:schemeClr val="accent1"/>
+          </a:effectRef>
+          <a:fontRef idx="minor">
+            <a:schemeClr val="lt1"/>
+          </a:fontRef>
+        </p:style>
+        <p:txBody>
+          <a:bodyPr rtlCol="0" anchor="ctr"/>
+          <a:lstStyle/>
+          <a:p>
+            <a:pPr algn="ctr"/>
+            <a:r>
+              <a:rPr lang="ko-KR" altLang="en-US" sz="4400" dirty="0">
+                <a:solidFill>
+                  <a:schemeClr val="bg1"/>
+                </a:solidFill>
+                <a:latin typeface="태나다체 " panose="02000000000000000000" pitchFamily="2" charset="-127"/>
+                <a:ea typeface="태나다체 " panose="02000000000000000000" pitchFamily="2" charset="-127"/>
+              </a:rPr>
+              <a:t>참조 추가</a:t>
+            </a:r>
+            <a:endParaRPr lang="en-US" altLang="ko-KR" sz="4400" dirty="0">
+              <a:solidFill>
+                <a:schemeClr val="bg1"/>
+              </a:solidFill>
+              <a:latin typeface="태나다체 " panose="02000000000000000000" pitchFamily="2" charset="-127"/>
+              <a:ea typeface="태나다체 " panose="02000000000000000000" pitchFamily="2" charset="-127"/>
+            </a:endParaRPr>
+          </a:p>
+        </p:txBody>
+      </p:sp>
+      <p:pic>
+        <p:nvPicPr>
+          <p:cNvPr id="4" name="그림 3">
+            <a:extLst>
+              <a:ext uri="{FF2B5EF4-FFF2-40B4-BE49-F238E27FC236}">
+                <a16:creationId xmlns:a16="http://schemas.microsoft.com/office/drawing/2014/main" id="{3CA29EB1-33F1-4DFC-A26E-2C3BCA2CBC19}"/>
+              </a:ext>
+            </a:extLst>
+          </p:cNvPr>
+          <p:cNvPicPr>
+            <a:picLocks noChangeAspect="1"/>
+          </p:cNvPicPr>
+          <p:nvPr/>
+        </p:nvPicPr>
+        <p:blipFill>
+          <a:blip r:embed="rId2"/>
+          <a:stretch>
+            <a:fillRect/>
+          </a:stretch>
+        </p:blipFill>
+        <p:spPr>
+          <a:xfrm>
+            <a:off x="1100072" y="1846557"/>
+            <a:ext cx="9991856" cy="4672078"/>
+          </a:xfrm>
+          <a:prstGeom prst="rect">
+            <a:avLst/>
+          </a:prstGeom>
+        </p:spPr>
+      </p:pic>
+    </p:spTree>
+    <p:extLst>
+      <p:ext uri="{BB962C8B-B14F-4D97-AF65-F5344CB8AC3E}">
+        <p14:creationId xmlns:p14="http://schemas.microsoft.com/office/powerpoint/2010/main" val="1914007288"/>
       </p:ext>
     </p:extLst>
   </p:cSld>
